--- a/presi - Copy.pptx
+++ b/presi - Copy.pptx
@@ -5,40 +5,37 @@
     <p:sldMasterId id="2147483696" r:id="rId1"/>
   </p:sldMasterIdLst>
   <p:notesMasterIdLst>
-    <p:notesMasterId r:id="rId30"/>
+    <p:notesMasterId r:id="rId27"/>
   </p:notesMasterIdLst>
   <p:handoutMasterIdLst>
-    <p:handoutMasterId r:id="rId31"/>
+    <p:handoutMasterId r:id="rId28"/>
   </p:handoutMasterIdLst>
   <p:sldIdLst>
     <p:sldId id="276" r:id="rId2"/>
     <p:sldId id="278" r:id="rId3"/>
-    <p:sldId id="303" r:id="rId4"/>
-    <p:sldId id="298" r:id="rId5"/>
-    <p:sldId id="279" r:id="rId6"/>
-    <p:sldId id="280" r:id="rId7"/>
-    <p:sldId id="282" r:id="rId8"/>
-    <p:sldId id="283" r:id="rId9"/>
-    <p:sldId id="284" r:id="rId10"/>
-    <p:sldId id="299" r:id="rId11"/>
-    <p:sldId id="285" r:id="rId12"/>
-    <p:sldId id="286" r:id="rId13"/>
-    <p:sldId id="287" r:id="rId14"/>
-    <p:sldId id="288" r:id="rId15"/>
-    <p:sldId id="289" r:id="rId16"/>
-    <p:sldId id="300" r:id="rId17"/>
-    <p:sldId id="290" r:id="rId18"/>
-    <p:sldId id="291" r:id="rId19"/>
-    <p:sldId id="292" r:id="rId20"/>
-    <p:sldId id="301" r:id="rId21"/>
-    <p:sldId id="305" r:id="rId22"/>
-    <p:sldId id="297" r:id="rId23"/>
-    <p:sldId id="304" r:id="rId24"/>
-    <p:sldId id="293" r:id="rId25"/>
-    <p:sldId id="296" r:id="rId26"/>
-    <p:sldId id="294" r:id="rId27"/>
-    <p:sldId id="277" r:id="rId28"/>
-    <p:sldId id="263" r:id="rId29"/>
+    <p:sldId id="298" r:id="rId4"/>
+    <p:sldId id="279" r:id="rId5"/>
+    <p:sldId id="280" r:id="rId6"/>
+    <p:sldId id="282" r:id="rId7"/>
+    <p:sldId id="283" r:id="rId8"/>
+    <p:sldId id="284" r:id="rId9"/>
+    <p:sldId id="285" r:id="rId10"/>
+    <p:sldId id="286" r:id="rId11"/>
+    <p:sldId id="287" r:id="rId12"/>
+    <p:sldId id="288" r:id="rId13"/>
+    <p:sldId id="289" r:id="rId14"/>
+    <p:sldId id="300" r:id="rId15"/>
+    <p:sldId id="290" r:id="rId16"/>
+    <p:sldId id="291" r:id="rId17"/>
+    <p:sldId id="292" r:id="rId18"/>
+    <p:sldId id="301" r:id="rId19"/>
+    <p:sldId id="305" r:id="rId20"/>
+    <p:sldId id="297" r:id="rId21"/>
+    <p:sldId id="304" r:id="rId22"/>
+    <p:sldId id="293" r:id="rId23"/>
+    <p:sldId id="296" r:id="rId24"/>
+    <p:sldId id="294" r:id="rId25"/>
+    <p:sldId id="277" r:id="rId26"/>
   </p:sldIdLst>
   <p:sldSz cx="12192000" cy="6858000"/>
   <p:notesSz cx="6797675" cy="9926638"/>
@@ -2136,8 +2133,8 @@
     <dgm:cxn modelId="{8FC5F548-0E22-45C4-B8A6-6E934F1B08AF}" type="presOf" srcId="{40C39F4B-0A63-4182-848B-11B1AD4CC915}" destId="{4B7F432C-7951-4D59-A2D9-4F51D3E84E3F}" srcOrd="0" destOrd="0" presId="urn:microsoft.com/office/officeart/2005/8/layout/process1"/>
     <dgm:cxn modelId="{BA20507C-574F-4498-B013-20525DFB35AA}" type="presOf" srcId="{BE855173-2A15-4F87-A0BE-48717E129F68}" destId="{9BEFA3E7-DE32-4B49-9D59-E7C4D9E36D2F}" srcOrd="0" destOrd="0" presId="urn:microsoft.com/office/officeart/2005/8/layout/process1"/>
     <dgm:cxn modelId="{77CB64C5-5B8E-450E-B7B5-81AF918915C6}" type="presOf" srcId="{D105C13F-ED06-449D-85DD-5CFC41CBEB2D}" destId="{FE9DEF0A-9E89-4BC8-87CD-0247FD7682C3}" srcOrd="0" destOrd="0" presId="urn:microsoft.com/office/officeart/2005/8/layout/process1"/>
+    <dgm:cxn modelId="{321E9191-5D46-4247-8632-C9EE7DE2F169}" srcId="{40C39F4B-0A63-4182-848B-11B1AD4CC915}" destId="{33735EFC-DACE-42F7-BC7A-B2DB57867EBE}" srcOrd="0" destOrd="0" parTransId="{5AC9BB65-FE0E-4008-8249-758FADC4A145}" sibTransId="{BE855173-2A15-4F87-A0BE-48717E129F68}"/>
     <dgm:cxn modelId="{4507FB31-3937-4FE7-B2B2-9F301AC0EA68}" srcId="{40C39F4B-0A63-4182-848B-11B1AD4CC915}" destId="{D105C13F-ED06-449D-85DD-5CFC41CBEB2D}" srcOrd="1" destOrd="0" parTransId="{0BAB3B04-FD24-4D28-9676-8A264911D535}" sibTransId="{A96179E7-6C3C-4576-B8F3-E5B61039C8D9}"/>
-    <dgm:cxn modelId="{321E9191-5D46-4247-8632-C9EE7DE2F169}" srcId="{40C39F4B-0A63-4182-848B-11B1AD4CC915}" destId="{33735EFC-DACE-42F7-BC7A-B2DB57867EBE}" srcOrd="0" destOrd="0" parTransId="{5AC9BB65-FE0E-4008-8249-758FADC4A145}" sibTransId="{BE855173-2A15-4F87-A0BE-48717E129F68}"/>
     <dgm:cxn modelId="{3B4DDF7C-C566-4FA9-8ADF-0EF769D3A50C}" type="presOf" srcId="{33735EFC-DACE-42F7-BC7A-B2DB57867EBE}" destId="{60CC00F8-880A-4E11-BAE6-100AE22AE0BC}" srcOrd="0" destOrd="0" presId="urn:microsoft.com/office/officeart/2005/8/layout/process1"/>
     <dgm:cxn modelId="{DD7F081C-89AD-462B-9292-317376DE068D}" type="presParOf" srcId="{4B7F432C-7951-4D59-A2D9-4F51D3E84E3F}" destId="{60CC00F8-880A-4E11-BAE6-100AE22AE0BC}" srcOrd="0" destOrd="0" presId="urn:microsoft.com/office/officeart/2005/8/layout/process1"/>
     <dgm:cxn modelId="{E52F5F5C-C248-4519-86E4-F4AC135453D6}" type="presParOf" srcId="{4B7F432C-7951-4D59-A2D9-4F51D3E84E3F}" destId="{9BEFA3E7-DE32-4B49-9D59-E7C4D9E36D2F}" srcOrd="1" destOrd="0" presId="urn:microsoft.com/office/officeart/2005/8/layout/process1"/>
@@ -5518,7 +5515,7 @@
           <a:p>
             <a:fld id="{8E8A4DB9-1771-4DB8-B3B5-1C8138C23F4C}" type="datetimeFigureOut">
               <a:rPr lang="en-GB" smtClean="0"/>
-              <a:t>01/12/2021</a:t>
+              <a:t>02/12/2021</a:t>
             </a:fld>
             <a:endParaRPr lang="en-GB"/>
           </a:p>
@@ -5683,7 +5680,7 @@
           <a:p>
             <a:fld id="{48C88571-E6EA-4BEA-BA14-9F902EC8880E}" type="datetimeFigureOut">
               <a:rPr lang="en-GB" smtClean="0"/>
-              <a:t>01/12/2021</a:t>
+              <a:t>02/12/2021</a:t>
             </a:fld>
             <a:endParaRPr lang="en-GB"/>
           </a:p>
@@ -6109,7 +6106,7 @@
     </p:spTree>
     <p:extLst>
       <p:ext uri="{BB962C8B-B14F-4D97-AF65-F5344CB8AC3E}">
-        <p14:creationId xmlns:p14="http://schemas.microsoft.com/office/powerpoint/2010/main" val="3492338597"/>
+        <p14:creationId xmlns:p14="http://schemas.microsoft.com/office/powerpoint/2010/main" val="3626140191"/>
       </p:ext>
     </p:extLst>
   </p:cSld>
@@ -6193,7 +6190,7 @@
     </p:spTree>
     <p:extLst>
       <p:ext uri="{BB962C8B-B14F-4D97-AF65-F5344CB8AC3E}">
-        <p14:creationId xmlns:p14="http://schemas.microsoft.com/office/powerpoint/2010/main" val="3763313190"/>
+        <p14:creationId xmlns:p14="http://schemas.microsoft.com/office/powerpoint/2010/main" val="2253634995"/>
       </p:ext>
     </p:extLst>
   </p:cSld>
@@ -6277,7 +6274,7 @@
     </p:spTree>
     <p:extLst>
       <p:ext uri="{BB962C8B-B14F-4D97-AF65-F5344CB8AC3E}">
-        <p14:creationId xmlns:p14="http://schemas.microsoft.com/office/powerpoint/2010/main" val="3626140191"/>
+        <p14:creationId xmlns:p14="http://schemas.microsoft.com/office/powerpoint/2010/main" val="4133462343"/>
       </p:ext>
     </p:extLst>
   </p:cSld>
@@ -6361,7 +6358,7 @@
     </p:spTree>
     <p:extLst>
       <p:ext uri="{BB962C8B-B14F-4D97-AF65-F5344CB8AC3E}">
-        <p14:creationId xmlns:p14="http://schemas.microsoft.com/office/powerpoint/2010/main" val="2253634995"/>
+        <p14:creationId xmlns:p14="http://schemas.microsoft.com/office/powerpoint/2010/main" val="3569627121"/>
       </p:ext>
     </p:extLst>
   </p:cSld>
@@ -6445,7 +6442,7 @@
     </p:spTree>
     <p:extLst>
       <p:ext uri="{BB962C8B-B14F-4D97-AF65-F5344CB8AC3E}">
-        <p14:creationId xmlns:p14="http://schemas.microsoft.com/office/powerpoint/2010/main" val="4133462343"/>
+        <p14:creationId xmlns:p14="http://schemas.microsoft.com/office/powerpoint/2010/main" val="597233815"/>
       </p:ext>
     </p:extLst>
   </p:cSld>
@@ -6529,7 +6526,7 @@
     </p:spTree>
     <p:extLst>
       <p:ext uri="{BB962C8B-B14F-4D97-AF65-F5344CB8AC3E}">
-        <p14:creationId xmlns:p14="http://schemas.microsoft.com/office/powerpoint/2010/main" val="3569627121"/>
+        <p14:creationId xmlns:p14="http://schemas.microsoft.com/office/powerpoint/2010/main" val="1002806037"/>
       </p:ext>
     </p:extLst>
   </p:cSld>
@@ -6613,7 +6610,7 @@
     </p:spTree>
     <p:extLst>
       <p:ext uri="{BB962C8B-B14F-4D97-AF65-F5344CB8AC3E}">
-        <p14:creationId xmlns:p14="http://schemas.microsoft.com/office/powerpoint/2010/main" val="597233815"/>
+        <p14:creationId xmlns:p14="http://schemas.microsoft.com/office/powerpoint/2010/main" val="2809440451"/>
       </p:ext>
     </p:extLst>
   </p:cSld>
@@ -6697,7 +6694,7 @@
     </p:spTree>
     <p:extLst>
       <p:ext uri="{BB962C8B-B14F-4D97-AF65-F5344CB8AC3E}">
-        <p14:creationId xmlns:p14="http://schemas.microsoft.com/office/powerpoint/2010/main" val="1002806037"/>
+        <p14:creationId xmlns:p14="http://schemas.microsoft.com/office/powerpoint/2010/main" val="1264552978"/>
       </p:ext>
     </p:extLst>
   </p:cSld>
@@ -6781,7 +6778,7 @@
     </p:spTree>
     <p:extLst>
       <p:ext uri="{BB962C8B-B14F-4D97-AF65-F5344CB8AC3E}">
-        <p14:creationId xmlns:p14="http://schemas.microsoft.com/office/powerpoint/2010/main" val="2809440451"/>
+        <p14:creationId xmlns:p14="http://schemas.microsoft.com/office/powerpoint/2010/main" val="3572242152"/>
       </p:ext>
     </p:extLst>
   </p:cSld>
@@ -6865,7 +6862,7 @@
     </p:spTree>
     <p:extLst>
       <p:ext uri="{BB962C8B-B14F-4D97-AF65-F5344CB8AC3E}">
-        <p14:creationId xmlns:p14="http://schemas.microsoft.com/office/powerpoint/2010/main" val="1264552978"/>
+        <p14:creationId xmlns:p14="http://schemas.microsoft.com/office/powerpoint/2010/main" val="2553171349"/>
       </p:ext>
     </p:extLst>
   </p:cSld>
@@ -7033,7 +7030,7 @@
     </p:spTree>
     <p:extLst>
       <p:ext uri="{BB962C8B-B14F-4D97-AF65-F5344CB8AC3E}">
-        <p14:creationId xmlns:p14="http://schemas.microsoft.com/office/powerpoint/2010/main" val="3572242152"/>
+        <p14:creationId xmlns:p14="http://schemas.microsoft.com/office/powerpoint/2010/main" val="3580171964"/>
       </p:ext>
     </p:extLst>
   </p:cSld>
@@ -7117,7 +7114,7 @@
     </p:spTree>
     <p:extLst>
       <p:ext uri="{BB962C8B-B14F-4D97-AF65-F5344CB8AC3E}">
-        <p14:creationId xmlns:p14="http://schemas.microsoft.com/office/powerpoint/2010/main" val="2553171349"/>
+        <p14:creationId xmlns:p14="http://schemas.microsoft.com/office/powerpoint/2010/main" val="1501520172"/>
       </p:ext>
     </p:extLst>
   </p:cSld>
@@ -7201,7 +7198,7 @@
     </p:spTree>
     <p:extLst>
       <p:ext uri="{BB962C8B-B14F-4D97-AF65-F5344CB8AC3E}">
-        <p14:creationId xmlns:p14="http://schemas.microsoft.com/office/powerpoint/2010/main" val="3580171964"/>
+        <p14:creationId xmlns:p14="http://schemas.microsoft.com/office/powerpoint/2010/main" val="3100810828"/>
       </p:ext>
     </p:extLst>
   </p:cSld>
@@ -7255,174 +7252,6 @@
           <a:bodyPr/>
           <a:lstStyle/>
           <a:p>
-            <a:endParaRPr lang="en-GB" dirty="0"/>
-          </a:p>
-        </p:txBody>
-      </p:sp>
-      <p:sp>
-        <p:nvSpPr>
-          <p:cNvPr id="4" name="Slide Number Placeholder 3"/>
-          <p:cNvSpPr>
-            <a:spLocks noGrp="1"/>
-          </p:cNvSpPr>
-          <p:nvPr>
-            <p:ph type="sldNum" sz="quarter" idx="10"/>
-          </p:nvPr>
-        </p:nvSpPr>
-        <p:spPr/>
-        <p:txBody>
-          <a:bodyPr/>
-          <a:lstStyle/>
-          <a:p>
-            <a:fld id="{03AB6729-7A96-4800-8A00-5DB7E40E0E0B}" type="slidenum">
-              <a:rPr lang="en-GB" smtClean="0"/>
-              <a:t>25</a:t>
-            </a:fld>
-            <a:endParaRPr lang="en-GB"/>
-          </a:p>
-        </p:txBody>
-      </p:sp>
-    </p:spTree>
-    <p:extLst>
-      <p:ext uri="{BB962C8B-B14F-4D97-AF65-F5344CB8AC3E}">
-        <p14:creationId xmlns:p14="http://schemas.microsoft.com/office/powerpoint/2010/main" val="1501520172"/>
-      </p:ext>
-    </p:extLst>
-  </p:cSld>
-  <p:clrMapOvr>
-    <a:masterClrMapping/>
-  </p:clrMapOvr>
-</p:notes>
-</file>
-
-<file path=ppt/notesSlides/notesSlide24.xml><?xml version="1.0" encoding="utf-8"?>
-<p:notes xmlns:a="http://schemas.openxmlformats.org/drawingml/2006/main" xmlns:r="http://schemas.openxmlformats.org/officeDocument/2006/relationships" xmlns:p="http://schemas.openxmlformats.org/presentationml/2006/main">
-  <p:cSld>
-    <p:spTree>
-      <p:nvGrpSpPr>
-        <p:cNvPr id="1" name=""/>
-        <p:cNvGrpSpPr/>
-        <p:nvPr/>
-      </p:nvGrpSpPr>
-      <p:grpSpPr>
-        <a:xfrm>
-          <a:off x="0" y="0"/>
-          <a:ext cx="0" cy="0"/>
-          <a:chOff x="0" y="0"/>
-          <a:chExt cx="0" cy="0"/>
-        </a:xfrm>
-      </p:grpSpPr>
-      <p:sp>
-        <p:nvSpPr>
-          <p:cNvPr id="2" name="Slide Image Placeholder 1"/>
-          <p:cNvSpPr>
-            <a:spLocks noGrp="1" noRot="1" noChangeAspect="1"/>
-          </p:cNvSpPr>
-          <p:nvPr>
-            <p:ph type="sldImg"/>
-          </p:nvPr>
-        </p:nvSpPr>
-        <p:spPr/>
-      </p:sp>
-      <p:sp>
-        <p:nvSpPr>
-          <p:cNvPr id="3" name="Notes Placeholder 2"/>
-          <p:cNvSpPr>
-            <a:spLocks noGrp="1"/>
-          </p:cNvSpPr>
-          <p:nvPr>
-            <p:ph type="body" idx="1"/>
-          </p:nvPr>
-        </p:nvSpPr>
-        <p:spPr/>
-        <p:txBody>
-          <a:bodyPr/>
-          <a:lstStyle/>
-          <a:p>
-            <a:endParaRPr lang="en-GB" dirty="0"/>
-          </a:p>
-        </p:txBody>
-      </p:sp>
-      <p:sp>
-        <p:nvSpPr>
-          <p:cNvPr id="4" name="Slide Number Placeholder 3"/>
-          <p:cNvSpPr>
-            <a:spLocks noGrp="1"/>
-          </p:cNvSpPr>
-          <p:nvPr>
-            <p:ph type="sldNum" sz="quarter" idx="10"/>
-          </p:nvPr>
-        </p:nvSpPr>
-        <p:spPr/>
-        <p:txBody>
-          <a:bodyPr/>
-          <a:lstStyle/>
-          <a:p>
-            <a:fld id="{03AB6729-7A96-4800-8A00-5DB7E40E0E0B}" type="slidenum">
-              <a:rPr lang="en-GB" smtClean="0"/>
-              <a:t>26</a:t>
-            </a:fld>
-            <a:endParaRPr lang="en-GB"/>
-          </a:p>
-        </p:txBody>
-      </p:sp>
-    </p:spTree>
-    <p:extLst>
-      <p:ext uri="{BB962C8B-B14F-4D97-AF65-F5344CB8AC3E}">
-        <p14:creationId xmlns:p14="http://schemas.microsoft.com/office/powerpoint/2010/main" val="3100810828"/>
-      </p:ext>
-    </p:extLst>
-  </p:cSld>
-  <p:clrMapOvr>
-    <a:masterClrMapping/>
-  </p:clrMapOvr>
-</p:notes>
-</file>
-
-<file path=ppt/notesSlides/notesSlide25.xml><?xml version="1.0" encoding="utf-8"?>
-<p:notes xmlns:a="http://schemas.openxmlformats.org/drawingml/2006/main" xmlns:r="http://schemas.openxmlformats.org/officeDocument/2006/relationships" xmlns:p="http://schemas.openxmlformats.org/presentationml/2006/main">
-  <p:cSld>
-    <p:spTree>
-      <p:nvGrpSpPr>
-        <p:cNvPr id="1" name=""/>
-        <p:cNvGrpSpPr/>
-        <p:nvPr/>
-      </p:nvGrpSpPr>
-      <p:grpSpPr>
-        <a:xfrm>
-          <a:off x="0" y="0"/>
-          <a:ext cx="0" cy="0"/>
-          <a:chOff x="0" y="0"/>
-          <a:chExt cx="0" cy="0"/>
-        </a:xfrm>
-      </p:grpSpPr>
-      <p:sp>
-        <p:nvSpPr>
-          <p:cNvPr id="2" name="Slide Image Placeholder 1"/>
-          <p:cNvSpPr>
-            <a:spLocks noGrp="1" noRot="1" noChangeAspect="1"/>
-          </p:cNvSpPr>
-          <p:nvPr>
-            <p:ph type="sldImg"/>
-          </p:nvPr>
-        </p:nvSpPr>
-        <p:spPr/>
-      </p:sp>
-      <p:sp>
-        <p:nvSpPr>
-          <p:cNvPr id="3" name="Notes Placeholder 2"/>
-          <p:cNvSpPr>
-            <a:spLocks noGrp="1"/>
-          </p:cNvSpPr>
-          <p:nvPr>
-            <p:ph type="body" idx="1"/>
-          </p:nvPr>
-        </p:nvSpPr>
-        <p:spPr/>
-        <p:txBody>
-          <a:bodyPr/>
-          <a:lstStyle/>
-          <a:p>
             <a:pPr marL="0" marR="0" lvl="0" indent="0" algn="l" defTabSz="914400" rtl="0" eaLnBrk="1" fontAlgn="auto" latinLnBrk="0" hangingPunct="1">
               <a:lnSpc>
                 <a:spcPct val="100000"/>
@@ -7461,7 +7290,7 @@
           <a:p>
             <a:fld id="{03AB6729-7A96-4800-8A00-5DB7E40E0E0B}" type="slidenum">
               <a:rPr lang="en-GB" smtClean="0"/>
-              <a:t>27</a:t>
+              <a:t>25</a:t>
             </a:fld>
             <a:endParaRPr lang="en-GB"/>
           </a:p>
@@ -7471,90 +7300,6 @@
     <p:extLst>
       <p:ext uri="{BB962C8B-B14F-4D97-AF65-F5344CB8AC3E}">
         <p14:creationId xmlns:p14="http://schemas.microsoft.com/office/powerpoint/2010/main" val="647183151"/>
-      </p:ext>
-    </p:extLst>
-  </p:cSld>
-  <p:clrMapOvr>
-    <a:masterClrMapping/>
-  </p:clrMapOvr>
-</p:notes>
-</file>
-
-<file path=ppt/notesSlides/notesSlide26.xml><?xml version="1.0" encoding="utf-8"?>
-<p:notes xmlns:a="http://schemas.openxmlformats.org/drawingml/2006/main" xmlns:r="http://schemas.openxmlformats.org/officeDocument/2006/relationships" xmlns:p="http://schemas.openxmlformats.org/presentationml/2006/main">
-  <p:cSld>
-    <p:spTree>
-      <p:nvGrpSpPr>
-        <p:cNvPr id="1" name=""/>
-        <p:cNvGrpSpPr/>
-        <p:nvPr/>
-      </p:nvGrpSpPr>
-      <p:grpSpPr>
-        <a:xfrm>
-          <a:off x="0" y="0"/>
-          <a:ext cx="0" cy="0"/>
-          <a:chOff x="0" y="0"/>
-          <a:chExt cx="0" cy="0"/>
-        </a:xfrm>
-      </p:grpSpPr>
-      <p:sp>
-        <p:nvSpPr>
-          <p:cNvPr id="2" name="Slide Image Placeholder 1"/>
-          <p:cNvSpPr>
-            <a:spLocks noGrp="1" noRot="1" noChangeAspect="1"/>
-          </p:cNvSpPr>
-          <p:nvPr>
-            <p:ph type="sldImg"/>
-          </p:nvPr>
-        </p:nvSpPr>
-        <p:spPr/>
-      </p:sp>
-      <p:sp>
-        <p:nvSpPr>
-          <p:cNvPr id="3" name="Notes Placeholder 2"/>
-          <p:cNvSpPr>
-            <a:spLocks noGrp="1"/>
-          </p:cNvSpPr>
-          <p:nvPr>
-            <p:ph type="body" idx="1"/>
-          </p:nvPr>
-        </p:nvSpPr>
-        <p:spPr/>
-        <p:txBody>
-          <a:bodyPr/>
-          <a:lstStyle/>
-          <a:p>
-            <a:endParaRPr lang="en-GB" sz="1800" dirty="0"/>
-          </a:p>
-        </p:txBody>
-      </p:sp>
-      <p:sp>
-        <p:nvSpPr>
-          <p:cNvPr id="4" name="Slide Number Placeholder 3"/>
-          <p:cNvSpPr>
-            <a:spLocks noGrp="1"/>
-          </p:cNvSpPr>
-          <p:nvPr>
-            <p:ph type="sldNum" sz="quarter" idx="10"/>
-          </p:nvPr>
-        </p:nvSpPr>
-        <p:spPr/>
-        <p:txBody>
-          <a:bodyPr/>
-          <a:lstStyle/>
-          <a:p>
-            <a:fld id="{03AB6729-7A96-4800-8A00-5DB7E40E0E0B}" type="slidenum">
-              <a:rPr lang="en-GB" smtClean="0"/>
-              <a:t>28</a:t>
-            </a:fld>
-            <a:endParaRPr lang="en-GB"/>
-          </a:p>
-        </p:txBody>
-      </p:sp>
-    </p:spTree>
-    <p:extLst>
-      <p:ext uri="{BB962C8B-B14F-4D97-AF65-F5344CB8AC3E}">
-        <p14:creationId xmlns:p14="http://schemas.microsoft.com/office/powerpoint/2010/main" val="3530061921"/>
       </p:ext>
     </p:extLst>
   </p:cSld>
@@ -7629,7 +7374,7 @@
           <a:p>
             <a:fld id="{03AB6729-7A96-4800-8A00-5DB7E40E0E0B}" type="slidenum">
               <a:rPr lang="en-GB" smtClean="0"/>
-              <a:t>3</a:t>
+              <a:t>4</a:t>
             </a:fld>
             <a:endParaRPr lang="en-GB"/>
           </a:p>
@@ -7638,7 +7383,7 @@
     </p:spTree>
     <p:extLst>
       <p:ext uri="{BB962C8B-B14F-4D97-AF65-F5344CB8AC3E}">
-        <p14:creationId xmlns:p14="http://schemas.microsoft.com/office/powerpoint/2010/main" val="1168442011"/>
+        <p14:creationId xmlns:p14="http://schemas.microsoft.com/office/powerpoint/2010/main" val="591795616"/>
       </p:ext>
     </p:extLst>
   </p:cSld>
@@ -7713,7 +7458,7 @@
           <a:p>
             <a:fld id="{03AB6729-7A96-4800-8A00-5DB7E40E0E0B}" type="slidenum">
               <a:rPr lang="en-GB" smtClean="0"/>
-              <a:t>5</a:t>
+              <a:t>6</a:t>
             </a:fld>
             <a:endParaRPr lang="en-GB"/>
           </a:p>
@@ -7722,7 +7467,7 @@
     </p:spTree>
     <p:extLst>
       <p:ext uri="{BB962C8B-B14F-4D97-AF65-F5344CB8AC3E}">
-        <p14:creationId xmlns:p14="http://schemas.microsoft.com/office/powerpoint/2010/main" val="591795616"/>
+        <p14:creationId xmlns:p14="http://schemas.microsoft.com/office/powerpoint/2010/main" val="1656630839"/>
       </p:ext>
     </p:extLst>
   </p:cSld>
@@ -7806,7 +7551,7 @@
     </p:spTree>
     <p:extLst>
       <p:ext uri="{BB962C8B-B14F-4D97-AF65-F5344CB8AC3E}">
-        <p14:creationId xmlns:p14="http://schemas.microsoft.com/office/powerpoint/2010/main" val="1656630839"/>
+        <p14:creationId xmlns:p14="http://schemas.microsoft.com/office/powerpoint/2010/main" val="3831215876"/>
       </p:ext>
     </p:extLst>
   </p:cSld>
@@ -7890,7 +7635,7 @@
     </p:spTree>
     <p:extLst>
       <p:ext uri="{BB962C8B-B14F-4D97-AF65-F5344CB8AC3E}">
-        <p14:creationId xmlns:p14="http://schemas.microsoft.com/office/powerpoint/2010/main" val="3831215876"/>
+        <p14:creationId xmlns:p14="http://schemas.microsoft.com/office/powerpoint/2010/main" val="3361890234"/>
       </p:ext>
     </p:extLst>
   </p:cSld>
@@ -7974,7 +7719,7 @@
     </p:spTree>
     <p:extLst>
       <p:ext uri="{BB962C8B-B14F-4D97-AF65-F5344CB8AC3E}">
-        <p14:creationId xmlns:p14="http://schemas.microsoft.com/office/powerpoint/2010/main" val="3361890234"/>
+        <p14:creationId xmlns:p14="http://schemas.microsoft.com/office/powerpoint/2010/main" val="1121452217"/>
       </p:ext>
     </p:extLst>
   </p:cSld>
@@ -8058,7 +7803,7 @@
     </p:spTree>
     <p:extLst>
       <p:ext uri="{BB962C8B-B14F-4D97-AF65-F5344CB8AC3E}">
-        <p14:creationId xmlns:p14="http://schemas.microsoft.com/office/powerpoint/2010/main" val="3185890550"/>
+        <p14:creationId xmlns:p14="http://schemas.microsoft.com/office/powerpoint/2010/main" val="3492338597"/>
       </p:ext>
     </p:extLst>
   </p:cSld>
@@ -8142,7 +7887,7 @@
     </p:spTree>
     <p:extLst>
       <p:ext uri="{BB962C8B-B14F-4D97-AF65-F5344CB8AC3E}">
-        <p14:creationId xmlns:p14="http://schemas.microsoft.com/office/powerpoint/2010/main" val="1121452217"/>
+        <p14:creationId xmlns:p14="http://schemas.microsoft.com/office/powerpoint/2010/main" val="3763313190"/>
       </p:ext>
     </p:extLst>
   </p:cSld>
@@ -8480,7 +8225,7 @@
           <a:p>
             <a:fld id="{FECECAE9-9FA7-496B-BE42-9C277060CBF9}" type="datetime1">
               <a:rPr lang="en-GB" smtClean="0"/>
-              <a:t>01/12/2021</a:t>
+              <a:t>02/12/2021</a:t>
             </a:fld>
             <a:endParaRPr lang="en-GB"/>
           </a:p>
@@ -8712,7 +8457,7 @@
           <a:p>
             <a:fld id="{9412B3FD-1BA9-43EC-9A57-CEAB54BCA344}" type="datetime1">
               <a:rPr lang="en-GB" smtClean="0"/>
-              <a:t>01/12/2021</a:t>
+              <a:t>02/12/2021</a:t>
             </a:fld>
             <a:endParaRPr lang="en-GB"/>
           </a:p>
@@ -9071,7 +8816,7 @@
           <a:p>
             <a:fld id="{64139D74-C2C6-455F-9BEE-F2B9AD3A8D0F}" type="datetime1">
               <a:rPr lang="en-GB" smtClean="0"/>
-              <a:t>01/12/2021</a:t>
+              <a:t>02/12/2021</a:t>
             </a:fld>
             <a:endParaRPr lang="en-GB"/>
           </a:p>
@@ -9212,7 +8957,7 @@
           <a:p>
             <a:fld id="{35C2CE83-8A9E-413A-8759-6C5EED22A326}" type="datetime1">
               <a:rPr lang="en-GB" smtClean="0"/>
-              <a:t>01/12/2021</a:t>
+              <a:t>02/12/2021</a:t>
             </a:fld>
             <a:endParaRPr lang="en-GB"/>
           </a:p>
@@ -9569,7 +9314,7 @@
           <a:p>
             <a:fld id="{B282F35F-0CC2-44D2-942F-36750E8ECE11}" type="datetime1">
               <a:rPr lang="en-GB" smtClean="0"/>
-              <a:t>01/12/2021</a:t>
+              <a:t>02/12/2021</a:t>
             </a:fld>
             <a:endParaRPr lang="en-GB"/>
           </a:p>
@@ -9926,7 +9671,7 @@
           <a:p>
             <a:fld id="{D487FF8B-91F6-4660-BC20-520B8186281D}" type="datetime1">
               <a:rPr lang="en-GB" smtClean="0"/>
-              <a:t>01/12/2021</a:t>
+              <a:t>02/12/2021</a:t>
             </a:fld>
             <a:endParaRPr lang="en-GB"/>
           </a:p>
@@ -10167,7 +9912,7 @@
           <a:p>
             <a:fld id="{59CB4D3C-44C9-4AFA-9860-5F5E3B4A857B}" type="datetime1">
               <a:rPr lang="en-GB" smtClean="0"/>
-              <a:t>01/12/2021</a:t>
+              <a:t>02/12/2021</a:t>
             </a:fld>
             <a:endParaRPr lang="en-GB"/>
           </a:p>
@@ -10661,12 +10406,20 @@
               <a:t>spreadsheets with the </a:t>
             </a:r>
             <a:r>
-              <a:rPr lang="en-GB" sz="3600" cap="none" dirty="0" err="1">
+              <a:rPr lang="en-GB" sz="3600" cap="none" dirty="0" err="1" smtClean="0">
                 <a:solidFill>
                   <a:srgbClr val="9E1E65"/>
                 </a:solidFill>
               </a:rPr>
-              <a:t>openXLSX</a:t>
+              <a:t>openxlsx</a:t>
+            </a:r>
+            <a:r>
+              <a:rPr lang="en-GB" sz="3600" cap="none" dirty="0" smtClean="0">
+                <a:solidFill>
+                  <a:srgbClr val="9E1E65"/>
+                </a:solidFill>
+              </a:rPr>
+              <a:t> </a:t>
             </a:r>
             <a:r>
               <a:rPr lang="en-GB" sz="3600" cap="none" dirty="0">
@@ -10674,7 +10427,7 @@
                   <a:srgbClr val="9E1E65"/>
                 </a:solidFill>
               </a:rPr>
-              <a:t> package</a:t>
+              <a:t>package</a:t>
             </a:r>
           </a:p>
         </p:txBody>
@@ -11128,7 +10881,7 @@
           <a:p>
             <a:r>
               <a:rPr lang="en-GB" dirty="0" smtClean="0"/>
-              <a:t>petals and sepals</a:t>
+              <a:t>create spreadsheet – LONG way</a:t>
             </a:r>
             <a:endParaRPr lang="en-GB" dirty="0"/>
           </a:p>
@@ -11159,7 +10912,7 @@
       </p:sp>
       <p:sp>
         <p:nvSpPr>
-          <p:cNvPr id="6" name="Content Placeholder 5"/>
+          <p:cNvPr id="3" name="Content Placeholder 2"/>
           <p:cNvSpPr>
             <a:spLocks noGrp="1"/>
           </p:cNvSpPr>
@@ -11169,115 +10922,386 @@
         </p:nvSpPr>
         <p:spPr>
           <a:xfrm>
-            <a:off x="842681" y="2555274"/>
-            <a:ext cx="4217833" cy="3184753"/>
+            <a:off x="262270" y="2638044"/>
+            <a:ext cx="11709990" cy="3837912"/>
           </a:xfrm>
         </p:spPr>
         <p:txBody>
-          <a:bodyPr/>
+          <a:bodyPr>
+            <a:normAutofit fontScale="92500"/>
+          </a:bodyPr>
           <a:lstStyle/>
           <a:p>
             <a:pPr marL="0" indent="0">
               <a:buNone/>
             </a:pPr>
             <a:r>
-              <a:rPr lang="en-GB" dirty="0" smtClean="0"/>
-              <a:t>Irises have 3 petals and 3 sepals.</a:t>
+              <a:rPr lang="en-GB" sz="2000" dirty="0" err="1">
+                <a:latin typeface="Lucida Console" panose="020B0609040504020204" pitchFamily="49" charset="0"/>
+                <a:cs typeface="Courier New" panose="02070309020205020404" pitchFamily="49" charset="0"/>
+              </a:rPr>
+              <a:t>wb</a:t>
+            </a:r>
+            <a:r>
+              <a:rPr lang="en-GB" sz="2000" dirty="0">
+                <a:latin typeface="Lucida Console" panose="020B0609040504020204" pitchFamily="49" charset="0"/>
+                <a:cs typeface="Courier New" panose="02070309020205020404" pitchFamily="49" charset="0"/>
+              </a:rPr>
+              <a:t> &lt;- </a:t>
+            </a:r>
+            <a:r>
+              <a:rPr lang="en-GB" sz="2000" dirty="0" err="1">
+                <a:latin typeface="Lucida Console" panose="020B0609040504020204" pitchFamily="49" charset="0"/>
+                <a:cs typeface="Courier New" panose="02070309020205020404" pitchFamily="49" charset="0"/>
+              </a:rPr>
+              <a:t>createWorkbook</a:t>
+            </a:r>
+            <a:r>
+              <a:rPr lang="en-GB" sz="2000" dirty="0" smtClean="0">
+                <a:latin typeface="Lucida Console" panose="020B0609040504020204" pitchFamily="49" charset="0"/>
+                <a:cs typeface="Courier New" panose="02070309020205020404" pitchFamily="49" charset="0"/>
+              </a:rPr>
+              <a:t>()</a:t>
             </a:r>
           </a:p>
           <a:p>
             <a:pPr marL="0" indent="0">
               <a:buNone/>
             </a:pPr>
-            <a:r>
-              <a:rPr lang="en-GB" dirty="0" smtClean="0"/>
-              <a:t>Sepals are longer.</a:t>
-            </a:r>
-            <a:endParaRPr lang="en-GB" dirty="0"/>
-          </a:p>
-        </p:txBody>
-      </p:sp>
-      <p:pic>
-        <p:nvPicPr>
-          <p:cNvPr id="1026" name="Picture 2" descr="https://upload.wikimedia.org/wikipedia/commons/thumb/4/41/Iris_versicolor_3.jpg/640px-Iris_versicolor_3.jpg" title="iris photo"/>
-          <p:cNvPicPr>
-            <a:picLocks noChangeAspect="1" noChangeArrowheads="1"/>
-          </p:cNvPicPr>
-          <p:nvPr/>
-        </p:nvPicPr>
-        <p:blipFill>
-          <a:blip r:embed="rId3">
-            <a:extLst>
-              <a:ext uri="{28A0092B-C50C-407E-A947-70E740481C1C}">
-                <a14:useLocalDpi xmlns:a14="http://schemas.microsoft.com/office/drawing/2010/main" val="0"/>
-              </a:ext>
-            </a:extLst>
-          </a:blip>
-          <a:srcRect/>
-          <a:stretch>
-            <a:fillRect/>
-          </a:stretch>
-        </p:blipFill>
-        <p:spPr bwMode="auto">
-          <a:xfrm>
-            <a:off x="5370763" y="2555274"/>
-            <a:ext cx="5025838" cy="3769378"/>
-          </a:xfrm>
-          <a:prstGeom prst="rect">
-            <a:avLst/>
-          </a:prstGeom>
-          <a:noFill/>
-          <a:extLst>
-            <a:ext uri="{909E8E84-426E-40DD-AFC4-6F175D3DCCD1}">
-              <a14:hiddenFill xmlns:a14="http://schemas.microsoft.com/office/drawing/2010/main">
-                <a:solidFill>
-                  <a:srgbClr val="FFFFFF"/>
-                </a:solidFill>
-              </a14:hiddenFill>
-            </a:ext>
-          </a:extLst>
-        </p:spPr>
-      </p:pic>
-      <p:sp>
-        <p:nvSpPr>
-          <p:cNvPr id="7" name="TextBox 6"/>
-          <p:cNvSpPr txBox="1"/>
-          <p:nvPr/>
-        </p:nvSpPr>
-        <p:spPr>
-          <a:xfrm>
-            <a:off x="5368966" y="6359074"/>
-            <a:ext cx="5348614" cy="369332"/>
-          </a:xfrm>
-          <a:prstGeom prst="rect">
-            <a:avLst/>
-          </a:prstGeom>
-          <a:noFill/>
-        </p:spPr>
-        <p:txBody>
-          <a:bodyPr wrap="square" rtlCol="0">
-            <a:spAutoFit/>
-          </a:bodyPr>
-          <a:lstStyle/>
-          <a:p>
-            <a:r>
-              <a:rPr lang="en-GB" dirty="0" smtClean="0"/>
-              <a:t>Iris versicolor from </a:t>
-            </a:r>
-            <a:r>
-              <a:rPr lang="en-GB" dirty="0">
-                <a:hlinkClick r:id="rId4"/>
-              </a:rPr>
-              <a:t>Iris flower data set - Wikipedia</a:t>
-            </a:r>
-            <a:endParaRPr lang="en-GB" dirty="0"/>
+            <a:endParaRPr lang="en-GB" sz="2000" dirty="0">
+              <a:latin typeface="Lucida Console" panose="020B0609040504020204" pitchFamily="49" charset="0"/>
+              <a:cs typeface="Courier New" panose="02070309020205020404" pitchFamily="49" charset="0"/>
+            </a:endParaRPr>
+          </a:p>
+          <a:p>
+            <a:pPr marL="0" indent="0">
+              <a:buNone/>
+            </a:pPr>
+            <a:r>
+              <a:rPr lang="en-GB" sz="2000" dirty="0" err="1">
+                <a:latin typeface="Lucida Console" panose="020B0609040504020204" pitchFamily="49" charset="0"/>
+                <a:cs typeface="Courier New" panose="02070309020205020404" pitchFamily="49" charset="0"/>
+              </a:rPr>
+              <a:t>addWorksheet</a:t>
+            </a:r>
+            <a:r>
+              <a:rPr lang="en-GB" sz="2000" dirty="0">
+                <a:latin typeface="Lucida Console" panose="020B0609040504020204" pitchFamily="49" charset="0"/>
+                <a:cs typeface="Courier New" panose="02070309020205020404" pitchFamily="49" charset="0"/>
+              </a:rPr>
+              <a:t>(</a:t>
+            </a:r>
+            <a:r>
+              <a:rPr lang="en-GB" sz="2000" dirty="0" err="1">
+                <a:latin typeface="Lucida Console" panose="020B0609040504020204" pitchFamily="49" charset="0"/>
+                <a:cs typeface="Courier New" panose="02070309020205020404" pitchFamily="49" charset="0"/>
+              </a:rPr>
+              <a:t>wb</a:t>
+            </a:r>
+            <a:r>
+              <a:rPr lang="en-GB" sz="2000" dirty="0">
+                <a:latin typeface="Lucida Console" panose="020B0609040504020204" pitchFamily="49" charset="0"/>
+                <a:cs typeface="Courier New" panose="02070309020205020404" pitchFamily="49" charset="0"/>
+              </a:rPr>
+              <a:t>, "</a:t>
+            </a:r>
+            <a:r>
+              <a:rPr lang="en-GB" sz="2000" dirty="0" err="1">
+                <a:latin typeface="Lucida Console" panose="020B0609040504020204" pitchFamily="49" charset="0"/>
+                <a:cs typeface="Courier New" panose="02070309020205020404" pitchFamily="49" charset="0"/>
+              </a:rPr>
+              <a:t>Iris_table</a:t>
+            </a:r>
+            <a:r>
+              <a:rPr lang="en-GB" sz="2000" dirty="0">
+                <a:latin typeface="Lucida Console" panose="020B0609040504020204" pitchFamily="49" charset="0"/>
+                <a:cs typeface="Courier New" panose="02070309020205020404" pitchFamily="49" charset="0"/>
+              </a:rPr>
+              <a:t>")</a:t>
+            </a:r>
+          </a:p>
+          <a:p>
+            <a:pPr marL="0" indent="0">
+              <a:buNone/>
+            </a:pPr>
+            <a:r>
+              <a:rPr lang="en-GB" sz="2000" dirty="0" err="1" smtClean="0">
+                <a:latin typeface="Lucida Console" panose="020B0609040504020204" pitchFamily="49" charset="0"/>
+                <a:cs typeface="Courier New" panose="02070309020205020404" pitchFamily="49" charset="0"/>
+              </a:rPr>
+              <a:t>writeData</a:t>
+            </a:r>
+            <a:r>
+              <a:rPr lang="en-GB" sz="2000" dirty="0" smtClean="0">
+                <a:latin typeface="Lucida Console" panose="020B0609040504020204" pitchFamily="49" charset="0"/>
+                <a:cs typeface="Courier New" panose="02070309020205020404" pitchFamily="49" charset="0"/>
+              </a:rPr>
+              <a:t>(</a:t>
+            </a:r>
+            <a:r>
+              <a:rPr lang="en-GB" sz="2000" dirty="0" err="1" smtClean="0">
+                <a:latin typeface="Lucida Console" panose="020B0609040504020204" pitchFamily="49" charset="0"/>
+                <a:cs typeface="Courier New" panose="02070309020205020404" pitchFamily="49" charset="0"/>
+              </a:rPr>
+              <a:t>wb</a:t>
+            </a:r>
+            <a:r>
+              <a:rPr lang="en-GB" sz="2000" dirty="0">
+                <a:latin typeface="Lucida Console" panose="020B0609040504020204" pitchFamily="49" charset="0"/>
+                <a:cs typeface="Courier New" panose="02070309020205020404" pitchFamily="49" charset="0"/>
+              </a:rPr>
+              <a:t>, "</a:t>
+            </a:r>
+            <a:r>
+              <a:rPr lang="en-GB" sz="2000" dirty="0" err="1">
+                <a:latin typeface="Lucida Console" panose="020B0609040504020204" pitchFamily="49" charset="0"/>
+                <a:cs typeface="Courier New" panose="02070309020205020404" pitchFamily="49" charset="0"/>
+              </a:rPr>
+              <a:t>Iris_table</a:t>
+            </a:r>
+            <a:r>
+              <a:rPr lang="en-GB" sz="2000" dirty="0">
+                <a:latin typeface="Lucida Console" panose="020B0609040504020204" pitchFamily="49" charset="0"/>
+                <a:cs typeface="Courier New" panose="02070309020205020404" pitchFamily="49" charset="0"/>
+              </a:rPr>
+              <a:t>", </a:t>
+            </a:r>
+            <a:endParaRPr lang="en-GB" sz="2000" dirty="0" smtClean="0">
+              <a:latin typeface="Lucida Console" panose="020B0609040504020204" pitchFamily="49" charset="0"/>
+              <a:cs typeface="Courier New" panose="02070309020205020404" pitchFamily="49" charset="0"/>
+            </a:endParaRPr>
+          </a:p>
+          <a:p>
+            <a:pPr marL="0" indent="0">
+              <a:buNone/>
+            </a:pPr>
+            <a:r>
+              <a:rPr lang="en-GB" sz="2000" dirty="0" smtClean="0">
+                <a:latin typeface="Lucida Console" panose="020B0609040504020204" pitchFamily="49" charset="0"/>
+                <a:cs typeface="Courier New" panose="02070309020205020404" pitchFamily="49" charset="0"/>
+              </a:rPr>
+              <a:t>	    "</a:t>
+            </a:r>
+            <a:r>
+              <a:rPr lang="en-GB" sz="2000" dirty="0">
+                <a:latin typeface="Lucida Console" panose="020B0609040504020204" pitchFamily="49" charset="0"/>
+                <a:cs typeface="Courier New" panose="02070309020205020404" pitchFamily="49" charset="0"/>
+              </a:rPr>
+              <a:t>Mean petal and sepal lengths by </a:t>
+            </a:r>
+            <a:r>
+              <a:rPr lang="en-GB" sz="2000" dirty="0" smtClean="0">
+                <a:latin typeface="Lucida Console" panose="020B0609040504020204" pitchFamily="49" charset="0"/>
+                <a:cs typeface="Courier New" panose="02070309020205020404" pitchFamily="49" charset="0"/>
+              </a:rPr>
+              <a:t>iris species</a:t>
+            </a:r>
+            <a:r>
+              <a:rPr lang="en-GB" sz="2000" dirty="0">
+                <a:latin typeface="Lucida Console" panose="020B0609040504020204" pitchFamily="49" charset="0"/>
+                <a:cs typeface="Courier New" panose="02070309020205020404" pitchFamily="49" charset="0"/>
+              </a:rPr>
+              <a:t>")</a:t>
+            </a:r>
+          </a:p>
+          <a:p>
+            <a:pPr marL="0" indent="0">
+              <a:buNone/>
+            </a:pPr>
+            <a:r>
+              <a:rPr lang="en-GB" sz="2000" dirty="0" err="1" smtClean="0">
+                <a:latin typeface="Lucida Console" panose="020B0609040504020204" pitchFamily="49" charset="0"/>
+                <a:cs typeface="Courier New" panose="02070309020205020404" pitchFamily="49" charset="0"/>
+              </a:rPr>
+              <a:t>writeDataTable</a:t>
+            </a:r>
+            <a:r>
+              <a:rPr lang="en-GB" sz="2000" dirty="0" smtClean="0">
+                <a:latin typeface="Lucida Console" panose="020B0609040504020204" pitchFamily="49" charset="0"/>
+                <a:cs typeface="Courier New" panose="02070309020205020404" pitchFamily="49" charset="0"/>
+              </a:rPr>
+              <a:t>(</a:t>
+            </a:r>
+            <a:r>
+              <a:rPr lang="en-GB" sz="2000" dirty="0" err="1" smtClean="0">
+                <a:latin typeface="Lucida Console" panose="020B0609040504020204" pitchFamily="49" charset="0"/>
+                <a:cs typeface="Courier New" panose="02070309020205020404" pitchFamily="49" charset="0"/>
+              </a:rPr>
+              <a:t>wb</a:t>
+            </a:r>
+            <a:r>
+              <a:rPr lang="en-GB" sz="2000" dirty="0">
+                <a:latin typeface="Lucida Console" panose="020B0609040504020204" pitchFamily="49" charset="0"/>
+                <a:cs typeface="Courier New" panose="02070309020205020404" pitchFamily="49" charset="0"/>
+              </a:rPr>
+              <a:t>, "</a:t>
+            </a:r>
+            <a:r>
+              <a:rPr lang="en-GB" sz="2000" dirty="0" err="1">
+                <a:latin typeface="Lucida Console" panose="020B0609040504020204" pitchFamily="49" charset="0"/>
+                <a:cs typeface="Courier New" panose="02070309020205020404" pitchFamily="49" charset="0"/>
+              </a:rPr>
+              <a:t>Iris_table</a:t>
+            </a:r>
+            <a:r>
+              <a:rPr lang="en-GB" sz="2000" dirty="0">
+                <a:latin typeface="Lucida Console" panose="020B0609040504020204" pitchFamily="49" charset="0"/>
+                <a:cs typeface="Courier New" panose="02070309020205020404" pitchFamily="49" charset="0"/>
+              </a:rPr>
+              <a:t>", table, </a:t>
+            </a:r>
+            <a:r>
+              <a:rPr lang="en-GB" sz="2000" dirty="0" err="1">
+                <a:latin typeface="Lucida Console" panose="020B0609040504020204" pitchFamily="49" charset="0"/>
+                <a:cs typeface="Courier New" panose="02070309020205020404" pitchFamily="49" charset="0"/>
+              </a:rPr>
+              <a:t>startRow</a:t>
+            </a:r>
+            <a:r>
+              <a:rPr lang="en-GB" sz="2000" dirty="0">
+                <a:latin typeface="Lucida Console" panose="020B0609040504020204" pitchFamily="49" charset="0"/>
+                <a:cs typeface="Courier New" panose="02070309020205020404" pitchFamily="49" charset="0"/>
+              </a:rPr>
+              <a:t> = 2</a:t>
+            </a:r>
+            <a:r>
+              <a:rPr lang="en-GB" sz="2000" dirty="0" smtClean="0">
+                <a:latin typeface="Lucida Console" panose="020B0609040504020204" pitchFamily="49" charset="0"/>
+                <a:cs typeface="Courier New" panose="02070309020205020404" pitchFamily="49" charset="0"/>
+              </a:rPr>
+              <a:t>)</a:t>
+            </a:r>
+          </a:p>
+          <a:p>
+            <a:pPr marL="0" indent="0">
+              <a:buNone/>
+            </a:pPr>
+            <a:r>
+              <a:rPr lang="en-GB" sz="2000" dirty="0" smtClean="0">
+                <a:latin typeface="Lucida Console" panose="020B0609040504020204" pitchFamily="49" charset="0"/>
+                <a:cs typeface="Courier New" panose="02070309020205020404" pitchFamily="49" charset="0"/>
+              </a:rPr>
+              <a:t># </a:t>
+            </a:r>
+            <a:r>
+              <a:rPr lang="en-GB" sz="2000" dirty="0" err="1" smtClean="0">
+                <a:latin typeface="Lucida Console" panose="020B0609040504020204" pitchFamily="49" charset="0"/>
+                <a:cs typeface="Courier New" panose="02070309020205020404" pitchFamily="49" charset="0"/>
+              </a:rPr>
+              <a:t>writeData</a:t>
+            </a:r>
+            <a:r>
+              <a:rPr lang="en-GB" sz="2000" dirty="0" smtClean="0">
+                <a:latin typeface="Lucida Console" panose="020B0609040504020204" pitchFamily="49" charset="0"/>
+                <a:cs typeface="Courier New" panose="02070309020205020404" pitchFamily="49" charset="0"/>
+              </a:rPr>
+              <a:t>(</a:t>
+            </a:r>
+            <a:r>
+              <a:rPr lang="en-GB" sz="2000" dirty="0" err="1" smtClean="0">
+                <a:latin typeface="Lucida Console" panose="020B0609040504020204" pitchFamily="49" charset="0"/>
+                <a:cs typeface="Courier New" panose="02070309020205020404" pitchFamily="49" charset="0"/>
+              </a:rPr>
+              <a:t>wb</a:t>
+            </a:r>
+            <a:r>
+              <a:rPr lang="en-GB" sz="2000" dirty="0" smtClean="0">
+                <a:latin typeface="Lucida Console" panose="020B0609040504020204" pitchFamily="49" charset="0"/>
+                <a:cs typeface="Courier New" panose="02070309020205020404" pitchFamily="49" charset="0"/>
+              </a:rPr>
+              <a:t>, </a:t>
+            </a:r>
+            <a:r>
+              <a:rPr lang="en-GB" sz="2000" dirty="0">
+                <a:latin typeface="Lucida Console" panose="020B0609040504020204" pitchFamily="49" charset="0"/>
+                <a:cs typeface="Courier New" panose="02070309020205020404" pitchFamily="49" charset="0"/>
+              </a:rPr>
+              <a:t>"</a:t>
+            </a:r>
+            <a:r>
+              <a:rPr lang="en-GB" sz="2000" dirty="0" err="1">
+                <a:latin typeface="Lucida Console" panose="020B0609040504020204" pitchFamily="49" charset="0"/>
+                <a:cs typeface="Courier New" panose="02070309020205020404" pitchFamily="49" charset="0"/>
+              </a:rPr>
+              <a:t>Iris_table</a:t>
+            </a:r>
+            <a:r>
+              <a:rPr lang="en-GB" sz="2000" dirty="0">
+                <a:latin typeface="Lucida Console" panose="020B0609040504020204" pitchFamily="49" charset="0"/>
+                <a:cs typeface="Courier New" panose="02070309020205020404" pitchFamily="49" charset="0"/>
+              </a:rPr>
+              <a:t>", table, </a:t>
+            </a:r>
+            <a:r>
+              <a:rPr lang="en-GB" sz="2000" dirty="0" err="1">
+                <a:latin typeface="Lucida Console" panose="020B0609040504020204" pitchFamily="49" charset="0"/>
+                <a:cs typeface="Courier New" panose="02070309020205020404" pitchFamily="49" charset="0"/>
+              </a:rPr>
+              <a:t>startRow</a:t>
+            </a:r>
+            <a:r>
+              <a:rPr lang="en-GB" sz="2000" dirty="0">
+                <a:latin typeface="Lucida Console" panose="020B0609040504020204" pitchFamily="49" charset="0"/>
+                <a:cs typeface="Courier New" panose="02070309020205020404" pitchFamily="49" charset="0"/>
+              </a:rPr>
+              <a:t> = 2</a:t>
+            </a:r>
+            <a:r>
+              <a:rPr lang="en-GB" sz="2000" dirty="0" smtClean="0">
+                <a:latin typeface="Lucida Console" panose="020B0609040504020204" pitchFamily="49" charset="0"/>
+                <a:cs typeface="Courier New" panose="02070309020205020404" pitchFamily="49" charset="0"/>
+              </a:rPr>
+              <a:t>) works too, but inaccessible</a:t>
+            </a:r>
+          </a:p>
+          <a:p>
+            <a:pPr marL="0" indent="0">
+              <a:buNone/>
+            </a:pPr>
+            <a:endParaRPr lang="en-GB" sz="2000" dirty="0">
+              <a:latin typeface="Lucida Console" panose="020B0609040504020204" pitchFamily="49" charset="0"/>
+              <a:cs typeface="Courier New" panose="02070309020205020404" pitchFamily="49" charset="0"/>
+            </a:endParaRPr>
+          </a:p>
+          <a:p>
+            <a:pPr marL="0" indent="0">
+              <a:buNone/>
+            </a:pPr>
+            <a:r>
+              <a:rPr lang="en-GB" sz="2000" dirty="0" err="1" smtClean="0">
+                <a:latin typeface="Lucida Console" panose="020B0609040504020204" pitchFamily="49" charset="0"/>
+                <a:cs typeface="Courier New" panose="02070309020205020404" pitchFamily="49" charset="0"/>
+              </a:rPr>
+              <a:t>saveWorkbook</a:t>
+            </a:r>
+            <a:r>
+              <a:rPr lang="en-GB" sz="2000" dirty="0" smtClean="0">
+                <a:latin typeface="Lucida Console" panose="020B0609040504020204" pitchFamily="49" charset="0"/>
+                <a:cs typeface="Courier New" panose="02070309020205020404" pitchFamily="49" charset="0"/>
+              </a:rPr>
+              <a:t>(</a:t>
+            </a:r>
+            <a:r>
+              <a:rPr lang="en-GB" sz="2000" dirty="0" err="1" smtClean="0">
+                <a:latin typeface="Lucida Console" panose="020B0609040504020204" pitchFamily="49" charset="0"/>
+                <a:cs typeface="Courier New" panose="02070309020205020404" pitchFamily="49" charset="0"/>
+              </a:rPr>
+              <a:t>wb</a:t>
+            </a:r>
+            <a:r>
+              <a:rPr lang="en-GB" sz="2000" dirty="0">
+                <a:latin typeface="Lucida Console" panose="020B0609040504020204" pitchFamily="49" charset="0"/>
+                <a:cs typeface="Courier New" panose="02070309020205020404" pitchFamily="49" charset="0"/>
+              </a:rPr>
+              <a:t>, 'output/iris_table_long.xlsx', overwrite = TRUE)</a:t>
+            </a:r>
           </a:p>
         </p:txBody>
       </p:sp>
     </p:spTree>
     <p:extLst>
       <p:ext uri="{BB962C8B-B14F-4D97-AF65-F5344CB8AC3E}">
-        <p14:creationId xmlns:p14="http://schemas.microsoft.com/office/powerpoint/2010/main" val="3937429094"/>
+        <p14:creationId xmlns:p14="http://schemas.microsoft.com/office/powerpoint/2010/main" val="740476281"/>
       </p:ext>
     </p:extLst>
   </p:cSld>
@@ -11328,15 +11352,7 @@
           <a:p>
             <a:r>
               <a:rPr lang="en-GB" dirty="0" smtClean="0"/>
-              <a:t>create spreadsheet – </a:t>
-            </a:r>
-            <a:r>
-              <a:rPr lang="en-GB" dirty="0" err="1" smtClean="0"/>
-              <a:t>qUick</a:t>
-            </a:r>
-            <a:r>
-              <a:rPr lang="en-GB" dirty="0" smtClean="0"/>
-              <a:t> way</a:t>
+              <a:t>LONG way</a:t>
             </a:r>
             <a:endParaRPr lang="en-GB" dirty="0"/>
           </a:p>
@@ -11360,699 +11376,6 @@
             <a:fld id="{F5EDBB1B-CD81-4FDC-8E73-40622F4AEBD8}" type="slidenum">
               <a:rPr lang="en-GB" smtClean="0"/>
               <a:t>11</a:t>
-            </a:fld>
-            <a:endParaRPr lang="en-GB" dirty="0"/>
-          </a:p>
-        </p:txBody>
-      </p:sp>
-      <p:sp>
-        <p:nvSpPr>
-          <p:cNvPr id="3" name="Content Placeholder 2"/>
-          <p:cNvSpPr>
-            <a:spLocks noGrp="1"/>
-          </p:cNvSpPr>
-          <p:nvPr>
-            <p:ph idx="1"/>
-          </p:nvPr>
-        </p:nvSpPr>
-        <p:spPr>
-          <a:xfrm>
-            <a:off x="842682" y="2638044"/>
-            <a:ext cx="10479742" cy="3837912"/>
-          </a:xfrm>
-        </p:spPr>
-        <p:txBody>
-          <a:bodyPr>
-            <a:normAutofit/>
-          </a:bodyPr>
-          <a:lstStyle/>
-          <a:p>
-            <a:pPr marL="0" indent="0">
-              <a:buNone/>
-            </a:pPr>
-            <a:r>
-              <a:rPr lang="en-GB" sz="2000" dirty="0" smtClean="0">
-                <a:latin typeface="Lucida Console" panose="020B0609040504020204" pitchFamily="49" charset="0"/>
-                <a:cs typeface="Courier New" panose="02070309020205020404" pitchFamily="49" charset="0"/>
-              </a:rPr>
-              <a:t>library(</a:t>
-            </a:r>
-            <a:r>
-              <a:rPr lang="en-GB" sz="2000" dirty="0" err="1" smtClean="0">
-                <a:latin typeface="Lucida Console" panose="020B0609040504020204" pitchFamily="49" charset="0"/>
-                <a:cs typeface="Courier New" panose="02070309020205020404" pitchFamily="49" charset="0"/>
-              </a:rPr>
-              <a:t>openxlsx</a:t>
-            </a:r>
-            <a:r>
-              <a:rPr lang="en-GB" sz="2000" dirty="0" smtClean="0">
-                <a:latin typeface="Lucida Console" panose="020B0609040504020204" pitchFamily="49" charset="0"/>
-                <a:cs typeface="Courier New" panose="02070309020205020404" pitchFamily="49" charset="0"/>
-              </a:rPr>
-              <a:t>)</a:t>
-            </a:r>
-          </a:p>
-          <a:p>
-            <a:pPr marL="0" indent="0">
-              <a:buNone/>
-            </a:pPr>
-            <a:endParaRPr lang="en-GB" sz="2000" dirty="0" smtClean="0">
-              <a:latin typeface="Lucida Console" panose="020B0609040504020204" pitchFamily="49" charset="0"/>
-              <a:cs typeface="Courier New" panose="02070309020205020404" pitchFamily="49" charset="0"/>
-            </a:endParaRPr>
-          </a:p>
-          <a:p>
-            <a:pPr marL="0" indent="0">
-              <a:buNone/>
-            </a:pPr>
-            <a:r>
-              <a:rPr lang="en-GB" sz="2000" dirty="0">
-                <a:latin typeface="Lucida Console" panose="020B0609040504020204" pitchFamily="49" charset="0"/>
-                <a:cs typeface="Courier New" panose="02070309020205020404" pitchFamily="49" charset="0"/>
-              </a:rPr>
-              <a:t>write.xlsx(table, "</a:t>
-            </a:r>
-            <a:r>
-              <a:rPr lang="en-GB" sz="2000" dirty="0" smtClean="0">
-                <a:latin typeface="Lucida Console" panose="020B0609040504020204" pitchFamily="49" charset="0"/>
-                <a:cs typeface="Courier New" panose="02070309020205020404" pitchFamily="49" charset="0"/>
-              </a:rPr>
-              <a:t>output/iris_table_quick.xlsx</a:t>
-            </a:r>
-            <a:r>
-              <a:rPr lang="en-GB" sz="2000" dirty="0">
-                <a:latin typeface="Lucida Console" panose="020B0609040504020204" pitchFamily="49" charset="0"/>
-                <a:cs typeface="Courier New" panose="02070309020205020404" pitchFamily="49" charset="0"/>
-              </a:rPr>
-              <a:t>", </a:t>
-            </a:r>
-            <a:r>
-              <a:rPr lang="en-GB" sz="2000" dirty="0" err="1">
-                <a:latin typeface="Lucida Console" panose="020B0609040504020204" pitchFamily="49" charset="0"/>
-                <a:cs typeface="Courier New" panose="02070309020205020404" pitchFamily="49" charset="0"/>
-              </a:rPr>
-              <a:t>asTable</a:t>
-            </a:r>
-            <a:r>
-              <a:rPr lang="en-GB" sz="2000" dirty="0">
-                <a:latin typeface="Lucida Console" panose="020B0609040504020204" pitchFamily="49" charset="0"/>
-                <a:cs typeface="Courier New" panose="02070309020205020404" pitchFamily="49" charset="0"/>
-              </a:rPr>
-              <a:t> = TRUE)</a:t>
-            </a:r>
-            <a:endParaRPr lang="en-GB" sz="2000" dirty="0" smtClean="0">
-              <a:latin typeface="Lucida Console" panose="020B0609040504020204" pitchFamily="49" charset="0"/>
-              <a:cs typeface="Courier New" panose="02070309020205020404" pitchFamily="49" charset="0"/>
-            </a:endParaRPr>
-          </a:p>
-          <a:p>
-            <a:pPr marL="0" indent="0">
-              <a:buNone/>
-            </a:pPr>
-            <a:endParaRPr lang="en-GB" sz="2000" dirty="0">
-              <a:latin typeface="Lucida Console" panose="020B0609040504020204" pitchFamily="49" charset="0"/>
-              <a:cs typeface="Courier New" panose="02070309020205020404" pitchFamily="49" charset="0"/>
-            </a:endParaRPr>
-          </a:p>
-        </p:txBody>
-      </p:sp>
-      <p:pic>
-        <p:nvPicPr>
-          <p:cNvPr id="6" name="Picture 5" descr="shows summary table" title="screenshot of excel output"/>
-          <p:cNvPicPr>
-            <a:picLocks noChangeAspect="1"/>
-          </p:cNvPicPr>
-          <p:nvPr/>
-        </p:nvPicPr>
-        <p:blipFill>
-          <a:blip r:embed="rId3"/>
-          <a:stretch>
-            <a:fillRect/>
-          </a:stretch>
-        </p:blipFill>
-        <p:spPr>
-          <a:xfrm>
-            <a:off x="1277328" y="4058081"/>
-            <a:ext cx="10058768" cy="2374034"/>
-          </a:xfrm>
-          <a:prstGeom prst="rect">
-            <a:avLst/>
-          </a:prstGeom>
-        </p:spPr>
-      </p:pic>
-    </p:spTree>
-    <p:extLst>
-      <p:ext uri="{BB962C8B-B14F-4D97-AF65-F5344CB8AC3E}">
-        <p14:creationId xmlns:p14="http://schemas.microsoft.com/office/powerpoint/2010/main" val="1720558449"/>
-      </p:ext>
-    </p:extLst>
-  </p:cSld>
-  <p:clrMapOvr>
-    <a:masterClrMapping/>
-  </p:clrMapOvr>
-  <p:timing>
-    <p:tnLst>
-      <p:par>
-        <p:cTn id="1" dur="indefinite" restart="never" nodeType="tmRoot"/>
-      </p:par>
-    </p:tnLst>
-  </p:timing>
-</p:sld>
-</file>
-
-<file path=ppt/slides/slide12.xml><?xml version="1.0" encoding="utf-8"?>
-<p:sld xmlns:a="http://schemas.openxmlformats.org/drawingml/2006/main" xmlns:r="http://schemas.openxmlformats.org/officeDocument/2006/relationships" xmlns:p="http://schemas.openxmlformats.org/presentationml/2006/main">
-  <p:cSld>
-    <p:spTree>
-      <p:nvGrpSpPr>
-        <p:cNvPr id="1" name=""/>
-        <p:cNvGrpSpPr/>
-        <p:nvPr/>
-      </p:nvGrpSpPr>
-      <p:grpSpPr>
-        <a:xfrm>
-          <a:off x="0" y="0"/>
-          <a:ext cx="0" cy="0"/>
-          <a:chOff x="0" y="0"/>
-          <a:chExt cx="0" cy="0"/>
-        </a:xfrm>
-      </p:grpSpPr>
-      <p:sp>
-        <p:nvSpPr>
-          <p:cNvPr id="2" name="Title 1"/>
-          <p:cNvSpPr>
-            <a:spLocks noGrp="1"/>
-          </p:cNvSpPr>
-          <p:nvPr>
-            <p:ph type="title"/>
-          </p:nvPr>
-        </p:nvSpPr>
-        <p:spPr/>
-        <p:txBody>
-          <a:bodyPr/>
-          <a:lstStyle/>
-          <a:p>
-            <a:r>
-              <a:rPr lang="en-GB" dirty="0" smtClean="0"/>
-              <a:t>create spreadsheet – LONG way</a:t>
-            </a:r>
-            <a:endParaRPr lang="en-GB" dirty="0"/>
-          </a:p>
-        </p:txBody>
-      </p:sp>
-      <p:sp>
-        <p:nvSpPr>
-          <p:cNvPr id="4" name="Slide Number Placeholder 3"/>
-          <p:cNvSpPr>
-            <a:spLocks noGrp="1"/>
-          </p:cNvSpPr>
-          <p:nvPr>
-            <p:ph type="sldNum" sz="quarter" idx="12"/>
-          </p:nvPr>
-        </p:nvSpPr>
-        <p:spPr/>
-        <p:txBody>
-          <a:bodyPr/>
-          <a:lstStyle/>
-          <a:p>
-            <a:fld id="{F5EDBB1B-CD81-4FDC-8E73-40622F4AEBD8}" type="slidenum">
-              <a:rPr lang="en-GB" smtClean="0"/>
-              <a:t>12</a:t>
-            </a:fld>
-            <a:endParaRPr lang="en-GB" dirty="0"/>
-          </a:p>
-        </p:txBody>
-      </p:sp>
-      <p:sp>
-        <p:nvSpPr>
-          <p:cNvPr id="3" name="Content Placeholder 2"/>
-          <p:cNvSpPr>
-            <a:spLocks noGrp="1"/>
-          </p:cNvSpPr>
-          <p:nvPr>
-            <p:ph idx="1"/>
-          </p:nvPr>
-        </p:nvSpPr>
-        <p:spPr>
-          <a:xfrm>
-            <a:off x="262270" y="2638044"/>
-            <a:ext cx="11709990" cy="3837912"/>
-          </a:xfrm>
-        </p:spPr>
-        <p:txBody>
-          <a:bodyPr>
-            <a:normAutofit fontScale="92500"/>
-          </a:bodyPr>
-          <a:lstStyle/>
-          <a:p>
-            <a:pPr marL="0" indent="0">
-              <a:buNone/>
-            </a:pPr>
-            <a:r>
-              <a:rPr lang="en-GB" sz="2000" dirty="0" err="1">
-                <a:latin typeface="Lucida Console" panose="020B0609040504020204" pitchFamily="49" charset="0"/>
-                <a:cs typeface="Courier New" panose="02070309020205020404" pitchFamily="49" charset="0"/>
-              </a:rPr>
-              <a:t>wb</a:t>
-            </a:r>
-            <a:r>
-              <a:rPr lang="en-GB" sz="2000" dirty="0">
-                <a:latin typeface="Lucida Console" panose="020B0609040504020204" pitchFamily="49" charset="0"/>
-                <a:cs typeface="Courier New" panose="02070309020205020404" pitchFamily="49" charset="0"/>
-              </a:rPr>
-              <a:t> &lt;- </a:t>
-            </a:r>
-            <a:r>
-              <a:rPr lang="en-GB" sz="2000" dirty="0" err="1">
-                <a:latin typeface="Lucida Console" panose="020B0609040504020204" pitchFamily="49" charset="0"/>
-                <a:cs typeface="Courier New" panose="02070309020205020404" pitchFamily="49" charset="0"/>
-              </a:rPr>
-              <a:t>createWorkbook</a:t>
-            </a:r>
-            <a:r>
-              <a:rPr lang="en-GB" sz="2000" dirty="0" smtClean="0">
-                <a:latin typeface="Lucida Console" panose="020B0609040504020204" pitchFamily="49" charset="0"/>
-                <a:cs typeface="Courier New" panose="02070309020205020404" pitchFamily="49" charset="0"/>
-              </a:rPr>
-              <a:t>()</a:t>
-            </a:r>
-          </a:p>
-          <a:p>
-            <a:pPr marL="0" indent="0">
-              <a:buNone/>
-            </a:pPr>
-            <a:endParaRPr lang="en-GB" sz="2000" dirty="0">
-              <a:latin typeface="Lucida Console" panose="020B0609040504020204" pitchFamily="49" charset="0"/>
-              <a:cs typeface="Courier New" panose="02070309020205020404" pitchFamily="49" charset="0"/>
-            </a:endParaRPr>
-          </a:p>
-          <a:p>
-            <a:pPr marL="0" indent="0">
-              <a:buNone/>
-            </a:pPr>
-            <a:r>
-              <a:rPr lang="en-GB" sz="2000" dirty="0" err="1">
-                <a:latin typeface="Lucida Console" panose="020B0609040504020204" pitchFamily="49" charset="0"/>
-                <a:cs typeface="Courier New" panose="02070309020205020404" pitchFamily="49" charset="0"/>
-              </a:rPr>
-              <a:t>addWorksheet</a:t>
-            </a:r>
-            <a:r>
-              <a:rPr lang="en-GB" sz="2000" dirty="0">
-                <a:latin typeface="Lucida Console" panose="020B0609040504020204" pitchFamily="49" charset="0"/>
-                <a:cs typeface="Courier New" panose="02070309020205020404" pitchFamily="49" charset="0"/>
-              </a:rPr>
-              <a:t>(</a:t>
-            </a:r>
-            <a:r>
-              <a:rPr lang="en-GB" sz="2000" dirty="0" err="1">
-                <a:latin typeface="Lucida Console" panose="020B0609040504020204" pitchFamily="49" charset="0"/>
-                <a:cs typeface="Courier New" panose="02070309020205020404" pitchFamily="49" charset="0"/>
-              </a:rPr>
-              <a:t>wb</a:t>
-            </a:r>
-            <a:r>
-              <a:rPr lang="en-GB" sz="2000" dirty="0">
-                <a:latin typeface="Lucida Console" panose="020B0609040504020204" pitchFamily="49" charset="0"/>
-                <a:cs typeface="Courier New" panose="02070309020205020404" pitchFamily="49" charset="0"/>
-              </a:rPr>
-              <a:t>, "</a:t>
-            </a:r>
-            <a:r>
-              <a:rPr lang="en-GB" sz="2000" dirty="0" err="1">
-                <a:latin typeface="Lucida Console" panose="020B0609040504020204" pitchFamily="49" charset="0"/>
-                <a:cs typeface="Courier New" panose="02070309020205020404" pitchFamily="49" charset="0"/>
-              </a:rPr>
-              <a:t>Iris_table</a:t>
-            </a:r>
-            <a:r>
-              <a:rPr lang="en-GB" sz="2000" dirty="0">
-                <a:latin typeface="Lucida Console" panose="020B0609040504020204" pitchFamily="49" charset="0"/>
-                <a:cs typeface="Courier New" panose="02070309020205020404" pitchFamily="49" charset="0"/>
-              </a:rPr>
-              <a:t>")</a:t>
-            </a:r>
-          </a:p>
-          <a:p>
-            <a:pPr marL="0" indent="0">
-              <a:buNone/>
-            </a:pPr>
-            <a:r>
-              <a:rPr lang="en-GB" sz="2000" dirty="0" err="1" smtClean="0">
-                <a:latin typeface="Lucida Console" panose="020B0609040504020204" pitchFamily="49" charset="0"/>
-                <a:cs typeface="Courier New" panose="02070309020205020404" pitchFamily="49" charset="0"/>
-              </a:rPr>
-              <a:t>writeData</a:t>
-            </a:r>
-            <a:r>
-              <a:rPr lang="en-GB" sz="2000" dirty="0" smtClean="0">
-                <a:latin typeface="Lucida Console" panose="020B0609040504020204" pitchFamily="49" charset="0"/>
-                <a:cs typeface="Courier New" panose="02070309020205020404" pitchFamily="49" charset="0"/>
-              </a:rPr>
-              <a:t>(</a:t>
-            </a:r>
-            <a:r>
-              <a:rPr lang="en-GB" sz="2000" dirty="0" err="1" smtClean="0">
-                <a:latin typeface="Lucida Console" panose="020B0609040504020204" pitchFamily="49" charset="0"/>
-                <a:cs typeface="Courier New" panose="02070309020205020404" pitchFamily="49" charset="0"/>
-              </a:rPr>
-              <a:t>wb</a:t>
-            </a:r>
-            <a:r>
-              <a:rPr lang="en-GB" sz="2000" dirty="0">
-                <a:latin typeface="Lucida Console" panose="020B0609040504020204" pitchFamily="49" charset="0"/>
-                <a:cs typeface="Courier New" panose="02070309020205020404" pitchFamily="49" charset="0"/>
-              </a:rPr>
-              <a:t>, "</a:t>
-            </a:r>
-            <a:r>
-              <a:rPr lang="en-GB" sz="2000" dirty="0" err="1">
-                <a:latin typeface="Lucida Console" panose="020B0609040504020204" pitchFamily="49" charset="0"/>
-                <a:cs typeface="Courier New" panose="02070309020205020404" pitchFamily="49" charset="0"/>
-              </a:rPr>
-              <a:t>Iris_table</a:t>
-            </a:r>
-            <a:r>
-              <a:rPr lang="en-GB" sz="2000" dirty="0">
-                <a:latin typeface="Lucida Console" panose="020B0609040504020204" pitchFamily="49" charset="0"/>
-                <a:cs typeface="Courier New" panose="02070309020205020404" pitchFamily="49" charset="0"/>
-              </a:rPr>
-              <a:t>", </a:t>
-            </a:r>
-            <a:endParaRPr lang="en-GB" sz="2000" dirty="0" smtClean="0">
-              <a:latin typeface="Lucida Console" panose="020B0609040504020204" pitchFamily="49" charset="0"/>
-              <a:cs typeface="Courier New" panose="02070309020205020404" pitchFamily="49" charset="0"/>
-            </a:endParaRPr>
-          </a:p>
-          <a:p>
-            <a:pPr marL="0" indent="0">
-              <a:buNone/>
-            </a:pPr>
-            <a:r>
-              <a:rPr lang="en-GB" sz="2000" dirty="0" smtClean="0">
-                <a:latin typeface="Lucida Console" panose="020B0609040504020204" pitchFamily="49" charset="0"/>
-                <a:cs typeface="Courier New" panose="02070309020205020404" pitchFamily="49" charset="0"/>
-              </a:rPr>
-              <a:t>	    "</a:t>
-            </a:r>
-            <a:r>
-              <a:rPr lang="en-GB" sz="2000" dirty="0">
-                <a:latin typeface="Lucida Console" panose="020B0609040504020204" pitchFamily="49" charset="0"/>
-                <a:cs typeface="Courier New" panose="02070309020205020404" pitchFamily="49" charset="0"/>
-              </a:rPr>
-              <a:t>Mean petal and sepal lengths by </a:t>
-            </a:r>
-            <a:r>
-              <a:rPr lang="en-GB" sz="2000" dirty="0" smtClean="0">
-                <a:latin typeface="Lucida Console" panose="020B0609040504020204" pitchFamily="49" charset="0"/>
-                <a:cs typeface="Courier New" panose="02070309020205020404" pitchFamily="49" charset="0"/>
-              </a:rPr>
-              <a:t>iris species</a:t>
-            </a:r>
-            <a:r>
-              <a:rPr lang="en-GB" sz="2000" dirty="0">
-                <a:latin typeface="Lucida Console" panose="020B0609040504020204" pitchFamily="49" charset="0"/>
-                <a:cs typeface="Courier New" panose="02070309020205020404" pitchFamily="49" charset="0"/>
-              </a:rPr>
-              <a:t>")</a:t>
-            </a:r>
-          </a:p>
-          <a:p>
-            <a:pPr marL="0" indent="0">
-              <a:buNone/>
-            </a:pPr>
-            <a:r>
-              <a:rPr lang="en-GB" sz="2000" dirty="0" err="1" smtClean="0">
-                <a:latin typeface="Lucida Console" panose="020B0609040504020204" pitchFamily="49" charset="0"/>
-                <a:cs typeface="Courier New" panose="02070309020205020404" pitchFamily="49" charset="0"/>
-              </a:rPr>
-              <a:t>writeDataTable</a:t>
-            </a:r>
-            <a:r>
-              <a:rPr lang="en-GB" sz="2000" dirty="0" smtClean="0">
-                <a:latin typeface="Lucida Console" panose="020B0609040504020204" pitchFamily="49" charset="0"/>
-                <a:cs typeface="Courier New" panose="02070309020205020404" pitchFamily="49" charset="0"/>
-              </a:rPr>
-              <a:t>(</a:t>
-            </a:r>
-            <a:r>
-              <a:rPr lang="en-GB" sz="2000" dirty="0" err="1" smtClean="0">
-                <a:latin typeface="Lucida Console" panose="020B0609040504020204" pitchFamily="49" charset="0"/>
-                <a:cs typeface="Courier New" panose="02070309020205020404" pitchFamily="49" charset="0"/>
-              </a:rPr>
-              <a:t>wb</a:t>
-            </a:r>
-            <a:r>
-              <a:rPr lang="en-GB" sz="2000" dirty="0">
-                <a:latin typeface="Lucida Console" panose="020B0609040504020204" pitchFamily="49" charset="0"/>
-                <a:cs typeface="Courier New" panose="02070309020205020404" pitchFamily="49" charset="0"/>
-              </a:rPr>
-              <a:t>, "</a:t>
-            </a:r>
-            <a:r>
-              <a:rPr lang="en-GB" sz="2000" dirty="0" err="1">
-                <a:latin typeface="Lucida Console" panose="020B0609040504020204" pitchFamily="49" charset="0"/>
-                <a:cs typeface="Courier New" panose="02070309020205020404" pitchFamily="49" charset="0"/>
-              </a:rPr>
-              <a:t>Iris_table</a:t>
-            </a:r>
-            <a:r>
-              <a:rPr lang="en-GB" sz="2000" dirty="0">
-                <a:latin typeface="Lucida Console" panose="020B0609040504020204" pitchFamily="49" charset="0"/>
-                <a:cs typeface="Courier New" panose="02070309020205020404" pitchFamily="49" charset="0"/>
-              </a:rPr>
-              <a:t>", table, </a:t>
-            </a:r>
-            <a:r>
-              <a:rPr lang="en-GB" sz="2000" dirty="0" err="1">
-                <a:latin typeface="Lucida Console" panose="020B0609040504020204" pitchFamily="49" charset="0"/>
-                <a:cs typeface="Courier New" panose="02070309020205020404" pitchFamily="49" charset="0"/>
-              </a:rPr>
-              <a:t>startRow</a:t>
-            </a:r>
-            <a:r>
-              <a:rPr lang="en-GB" sz="2000" dirty="0">
-                <a:latin typeface="Lucida Console" panose="020B0609040504020204" pitchFamily="49" charset="0"/>
-                <a:cs typeface="Courier New" panose="02070309020205020404" pitchFamily="49" charset="0"/>
-              </a:rPr>
-              <a:t> = 2</a:t>
-            </a:r>
-            <a:r>
-              <a:rPr lang="en-GB" sz="2000" dirty="0" smtClean="0">
-                <a:latin typeface="Lucida Console" panose="020B0609040504020204" pitchFamily="49" charset="0"/>
-                <a:cs typeface="Courier New" panose="02070309020205020404" pitchFamily="49" charset="0"/>
-              </a:rPr>
-              <a:t>)</a:t>
-            </a:r>
-          </a:p>
-          <a:p>
-            <a:pPr marL="0" indent="0">
-              <a:buNone/>
-            </a:pPr>
-            <a:r>
-              <a:rPr lang="en-GB" sz="2000" dirty="0" smtClean="0">
-                <a:latin typeface="Lucida Console" panose="020B0609040504020204" pitchFamily="49" charset="0"/>
-                <a:cs typeface="Courier New" panose="02070309020205020404" pitchFamily="49" charset="0"/>
-              </a:rPr>
-              <a:t># </a:t>
-            </a:r>
-            <a:r>
-              <a:rPr lang="en-GB" sz="2000" dirty="0" err="1" smtClean="0">
-                <a:latin typeface="Lucida Console" panose="020B0609040504020204" pitchFamily="49" charset="0"/>
-                <a:cs typeface="Courier New" panose="02070309020205020404" pitchFamily="49" charset="0"/>
-              </a:rPr>
-              <a:t>writeData</a:t>
-            </a:r>
-            <a:r>
-              <a:rPr lang="en-GB" sz="2000" dirty="0" smtClean="0">
-                <a:latin typeface="Lucida Console" panose="020B0609040504020204" pitchFamily="49" charset="0"/>
-                <a:cs typeface="Courier New" panose="02070309020205020404" pitchFamily="49" charset="0"/>
-              </a:rPr>
-              <a:t>(</a:t>
-            </a:r>
-            <a:r>
-              <a:rPr lang="en-GB" sz="2000" dirty="0" err="1" smtClean="0">
-                <a:latin typeface="Lucida Console" panose="020B0609040504020204" pitchFamily="49" charset="0"/>
-                <a:cs typeface="Courier New" panose="02070309020205020404" pitchFamily="49" charset="0"/>
-              </a:rPr>
-              <a:t>wb</a:t>
-            </a:r>
-            <a:r>
-              <a:rPr lang="en-GB" sz="2000" dirty="0" smtClean="0">
-                <a:latin typeface="Lucida Console" panose="020B0609040504020204" pitchFamily="49" charset="0"/>
-                <a:cs typeface="Courier New" panose="02070309020205020404" pitchFamily="49" charset="0"/>
-              </a:rPr>
-              <a:t>, </a:t>
-            </a:r>
-            <a:r>
-              <a:rPr lang="en-GB" sz="2000" dirty="0">
-                <a:latin typeface="Lucida Console" panose="020B0609040504020204" pitchFamily="49" charset="0"/>
-                <a:cs typeface="Courier New" panose="02070309020205020404" pitchFamily="49" charset="0"/>
-              </a:rPr>
-              <a:t>"</a:t>
-            </a:r>
-            <a:r>
-              <a:rPr lang="en-GB" sz="2000" dirty="0" err="1">
-                <a:latin typeface="Lucida Console" panose="020B0609040504020204" pitchFamily="49" charset="0"/>
-                <a:cs typeface="Courier New" panose="02070309020205020404" pitchFamily="49" charset="0"/>
-              </a:rPr>
-              <a:t>Iris_table</a:t>
-            </a:r>
-            <a:r>
-              <a:rPr lang="en-GB" sz="2000" dirty="0">
-                <a:latin typeface="Lucida Console" panose="020B0609040504020204" pitchFamily="49" charset="0"/>
-                <a:cs typeface="Courier New" panose="02070309020205020404" pitchFamily="49" charset="0"/>
-              </a:rPr>
-              <a:t>", table, </a:t>
-            </a:r>
-            <a:r>
-              <a:rPr lang="en-GB" sz="2000" dirty="0" err="1">
-                <a:latin typeface="Lucida Console" panose="020B0609040504020204" pitchFamily="49" charset="0"/>
-                <a:cs typeface="Courier New" panose="02070309020205020404" pitchFamily="49" charset="0"/>
-              </a:rPr>
-              <a:t>startRow</a:t>
-            </a:r>
-            <a:r>
-              <a:rPr lang="en-GB" sz="2000" dirty="0">
-                <a:latin typeface="Lucida Console" panose="020B0609040504020204" pitchFamily="49" charset="0"/>
-                <a:cs typeface="Courier New" panose="02070309020205020404" pitchFamily="49" charset="0"/>
-              </a:rPr>
-              <a:t> = 2</a:t>
-            </a:r>
-            <a:r>
-              <a:rPr lang="en-GB" sz="2000" dirty="0" smtClean="0">
-                <a:latin typeface="Lucida Console" panose="020B0609040504020204" pitchFamily="49" charset="0"/>
-                <a:cs typeface="Courier New" panose="02070309020205020404" pitchFamily="49" charset="0"/>
-              </a:rPr>
-              <a:t>) works too, but inaccessible</a:t>
-            </a:r>
-          </a:p>
-          <a:p>
-            <a:pPr marL="0" indent="0">
-              <a:buNone/>
-            </a:pPr>
-            <a:endParaRPr lang="en-GB" sz="2000" dirty="0">
-              <a:latin typeface="Lucida Console" panose="020B0609040504020204" pitchFamily="49" charset="0"/>
-              <a:cs typeface="Courier New" panose="02070309020205020404" pitchFamily="49" charset="0"/>
-            </a:endParaRPr>
-          </a:p>
-          <a:p>
-            <a:pPr marL="0" indent="0">
-              <a:buNone/>
-            </a:pPr>
-            <a:r>
-              <a:rPr lang="en-GB" sz="2000" dirty="0" err="1" smtClean="0">
-                <a:latin typeface="Lucida Console" panose="020B0609040504020204" pitchFamily="49" charset="0"/>
-                <a:cs typeface="Courier New" panose="02070309020205020404" pitchFamily="49" charset="0"/>
-              </a:rPr>
-              <a:t>saveWorkbook</a:t>
-            </a:r>
-            <a:r>
-              <a:rPr lang="en-GB" sz="2000" dirty="0" smtClean="0">
-                <a:latin typeface="Lucida Console" panose="020B0609040504020204" pitchFamily="49" charset="0"/>
-                <a:cs typeface="Courier New" panose="02070309020205020404" pitchFamily="49" charset="0"/>
-              </a:rPr>
-              <a:t>(</a:t>
-            </a:r>
-            <a:r>
-              <a:rPr lang="en-GB" sz="2000" dirty="0" err="1" smtClean="0">
-                <a:latin typeface="Lucida Console" panose="020B0609040504020204" pitchFamily="49" charset="0"/>
-                <a:cs typeface="Courier New" panose="02070309020205020404" pitchFamily="49" charset="0"/>
-              </a:rPr>
-              <a:t>wb</a:t>
-            </a:r>
-            <a:r>
-              <a:rPr lang="en-GB" sz="2000" dirty="0">
-                <a:latin typeface="Lucida Console" panose="020B0609040504020204" pitchFamily="49" charset="0"/>
-                <a:cs typeface="Courier New" panose="02070309020205020404" pitchFamily="49" charset="0"/>
-              </a:rPr>
-              <a:t>, 'output/iris_table_long.xlsx', overwrite = TRUE)</a:t>
-            </a:r>
-          </a:p>
-        </p:txBody>
-      </p:sp>
-    </p:spTree>
-    <p:extLst>
-      <p:ext uri="{BB962C8B-B14F-4D97-AF65-F5344CB8AC3E}">
-        <p14:creationId xmlns:p14="http://schemas.microsoft.com/office/powerpoint/2010/main" val="740476281"/>
-      </p:ext>
-    </p:extLst>
-  </p:cSld>
-  <p:clrMapOvr>
-    <a:masterClrMapping/>
-  </p:clrMapOvr>
-  <p:timing>
-    <p:tnLst>
-      <p:par>
-        <p:cTn id="1" dur="indefinite" restart="never" nodeType="tmRoot"/>
-      </p:par>
-    </p:tnLst>
-  </p:timing>
-</p:sld>
-</file>
-
-<file path=ppt/slides/slide13.xml><?xml version="1.0" encoding="utf-8"?>
-<p:sld xmlns:a="http://schemas.openxmlformats.org/drawingml/2006/main" xmlns:r="http://schemas.openxmlformats.org/officeDocument/2006/relationships" xmlns:p="http://schemas.openxmlformats.org/presentationml/2006/main">
-  <p:cSld>
-    <p:spTree>
-      <p:nvGrpSpPr>
-        <p:cNvPr id="1" name=""/>
-        <p:cNvGrpSpPr/>
-        <p:nvPr/>
-      </p:nvGrpSpPr>
-      <p:grpSpPr>
-        <a:xfrm>
-          <a:off x="0" y="0"/>
-          <a:ext cx="0" cy="0"/>
-          <a:chOff x="0" y="0"/>
-          <a:chExt cx="0" cy="0"/>
-        </a:xfrm>
-      </p:grpSpPr>
-      <p:sp>
-        <p:nvSpPr>
-          <p:cNvPr id="2" name="Title 1"/>
-          <p:cNvSpPr>
-            <a:spLocks noGrp="1"/>
-          </p:cNvSpPr>
-          <p:nvPr>
-            <p:ph type="title"/>
-          </p:nvPr>
-        </p:nvSpPr>
-        <p:spPr/>
-        <p:txBody>
-          <a:bodyPr/>
-          <a:lstStyle/>
-          <a:p>
-            <a:r>
-              <a:rPr lang="en-GB" dirty="0" smtClean="0"/>
-              <a:t>LONG </a:t>
-            </a:r>
-            <a:r>
-              <a:rPr lang="en-GB" dirty="0" smtClean="0"/>
-              <a:t>way</a:t>
-            </a:r>
-            <a:endParaRPr lang="en-GB" dirty="0"/>
-          </a:p>
-        </p:txBody>
-      </p:sp>
-      <p:sp>
-        <p:nvSpPr>
-          <p:cNvPr id="4" name="Slide Number Placeholder 3"/>
-          <p:cNvSpPr>
-            <a:spLocks noGrp="1"/>
-          </p:cNvSpPr>
-          <p:nvPr>
-            <p:ph type="sldNum" sz="quarter" idx="12"/>
-          </p:nvPr>
-        </p:nvSpPr>
-        <p:spPr/>
-        <p:txBody>
-          <a:bodyPr/>
-          <a:lstStyle/>
-          <a:p>
-            <a:fld id="{F5EDBB1B-CD81-4FDC-8E73-40622F4AEBD8}" type="slidenum">
-              <a:rPr lang="en-GB" smtClean="0"/>
-              <a:t>13</a:t>
             </a:fld>
             <a:endParaRPr lang="en-GB" dirty="0"/>
           </a:p>
@@ -12102,7 +11425,7 @@
 </p:sld>
 </file>
 
-<file path=ppt/slides/slide14.xml><?xml version="1.0" encoding="utf-8"?>
+<file path=ppt/slides/slide12.xml><?xml version="1.0" encoding="utf-8"?>
 <p:sld xmlns:a="http://schemas.openxmlformats.org/drawingml/2006/main" xmlns:r="http://schemas.openxmlformats.org/officeDocument/2006/relationships" xmlns:p="http://schemas.openxmlformats.org/presentationml/2006/main">
   <p:cSld>
     <p:spTree>
@@ -12159,7 +11482,7 @@
           <a:p>
             <a:fld id="{F5EDBB1B-CD81-4FDC-8E73-40622F4AEBD8}" type="slidenum">
               <a:rPr lang="en-GB" smtClean="0"/>
-              <a:t>14</a:t>
+              <a:t>12</a:t>
             </a:fld>
             <a:endParaRPr lang="en-GB" dirty="0"/>
           </a:p>
@@ -12209,7 +11532,7 @@
 </p:sld>
 </file>
 
-<file path=ppt/slides/slide15.xml><?xml version="1.0" encoding="utf-8"?>
+<file path=ppt/slides/slide13.xml><?xml version="1.0" encoding="utf-8"?>
 <p:sld xmlns:a="http://schemas.openxmlformats.org/drawingml/2006/main" xmlns:r="http://schemas.openxmlformats.org/officeDocument/2006/relationships" xmlns:p="http://schemas.openxmlformats.org/presentationml/2006/main">
   <p:cSld>
     <p:spTree>
@@ -12266,7 +11589,7 @@
           <a:p>
             <a:fld id="{F5EDBB1B-CD81-4FDC-8E73-40622F4AEBD8}" type="slidenum">
               <a:rPr lang="en-GB" smtClean="0"/>
-              <a:t>15</a:t>
+              <a:t>13</a:t>
             </a:fld>
             <a:endParaRPr lang="en-GB" dirty="0"/>
           </a:p>
@@ -12722,7 +12045,7 @@
 </p:sld>
 </file>
 
-<file path=ppt/slides/slide16.xml><?xml version="1.0" encoding="utf-8"?>
+<file path=ppt/slides/slide14.xml><?xml version="1.0" encoding="utf-8"?>
 <p:sld xmlns:a="http://schemas.openxmlformats.org/drawingml/2006/main" xmlns:r="http://schemas.openxmlformats.org/officeDocument/2006/relationships" xmlns:p="http://schemas.openxmlformats.org/presentationml/2006/main">
   <p:cSld>
     <p:spTree>
@@ -12779,7 +12102,7 @@
           <a:p>
             <a:fld id="{F5EDBB1B-CD81-4FDC-8E73-40622F4AEBD8}" type="slidenum">
               <a:rPr lang="en-GB" smtClean="0"/>
-              <a:t>16</a:t>
+              <a:t>14</a:t>
             </a:fld>
             <a:endParaRPr lang="en-GB" dirty="0"/>
           </a:p>
@@ -12940,7 +12263,7 @@
 </p:sld>
 </file>
 
-<file path=ppt/slides/slide17.xml><?xml version="1.0" encoding="utf-8"?>
+<file path=ppt/slides/slide15.xml><?xml version="1.0" encoding="utf-8"?>
 <p:sld xmlns:a="http://schemas.openxmlformats.org/drawingml/2006/main" xmlns:r="http://schemas.openxmlformats.org/officeDocument/2006/relationships" xmlns:p="http://schemas.openxmlformats.org/presentationml/2006/main">
   <p:cSld>
     <p:spTree>
@@ -13000,7 +12323,7 @@
           <a:p>
             <a:fld id="{F5EDBB1B-CD81-4FDC-8E73-40622F4AEBD8}" type="slidenum">
               <a:rPr lang="en-GB" smtClean="0"/>
-              <a:t>17</a:t>
+              <a:t>15</a:t>
             </a:fld>
             <a:endParaRPr lang="en-GB" dirty="0"/>
           </a:p>
@@ -13050,7 +12373,7 @@
 </p:sld>
 </file>
 
-<file path=ppt/slides/slide18.xml><?xml version="1.0" encoding="utf-8"?>
+<file path=ppt/slides/slide16.xml><?xml version="1.0" encoding="utf-8"?>
 <p:sld xmlns:a="http://schemas.openxmlformats.org/drawingml/2006/main" xmlns:r="http://schemas.openxmlformats.org/officeDocument/2006/relationships" xmlns:p="http://schemas.openxmlformats.org/presentationml/2006/main">
   <p:cSld>
     <p:spTree>
@@ -13107,7 +12430,7 @@
           <a:p>
             <a:fld id="{F5EDBB1B-CD81-4FDC-8E73-40622F4AEBD8}" type="slidenum">
               <a:rPr lang="en-GB" smtClean="0"/>
-              <a:t>18</a:t>
+              <a:t>16</a:t>
             </a:fld>
             <a:endParaRPr lang="en-GB" dirty="0"/>
           </a:p>
@@ -13439,7 +12762,7 @@
 </p:sld>
 </file>
 
-<file path=ppt/slides/slide19.xml><?xml version="1.0" encoding="utf-8"?>
+<file path=ppt/slides/slide17.xml><?xml version="1.0" encoding="utf-8"?>
 <p:sld xmlns:a="http://schemas.openxmlformats.org/drawingml/2006/main" xmlns:r="http://schemas.openxmlformats.org/officeDocument/2006/relationships" xmlns:p="http://schemas.openxmlformats.org/presentationml/2006/main">
   <p:cSld>
     <p:spTree>
@@ -13496,7 +12819,7 @@
           <a:p>
             <a:fld id="{F5EDBB1B-CD81-4FDC-8E73-40622F4AEBD8}" type="slidenum">
               <a:rPr lang="en-GB" smtClean="0"/>
-              <a:t>19</a:t>
+              <a:t>17</a:t>
             </a:fld>
             <a:endParaRPr lang="en-GB" dirty="0"/>
           </a:p>
@@ -13862,7 +13185,7 @@
 </p:sld>
 </file>
 
-<file path=ppt/slides/slide2.xml><?xml version="1.0" encoding="utf-8"?>
+<file path=ppt/slides/slide18.xml><?xml version="1.0" encoding="utf-8"?>
 <p:sld xmlns:a="http://schemas.openxmlformats.org/drawingml/2006/main" xmlns:r="http://schemas.openxmlformats.org/officeDocument/2006/relationships" xmlns:p="http://schemas.openxmlformats.org/presentationml/2006/main">
   <p:cSld>
     <p:spTree>
@@ -13895,8 +13218,12 @@
           <a:lstStyle/>
           <a:p>
             <a:r>
+              <a:rPr lang="en-GB" dirty="0" err="1" smtClean="0"/>
+              <a:t>READme</a:t>
+            </a:r>
+            <a:r>
               <a:rPr lang="en-GB" dirty="0" smtClean="0"/>
-              <a:t>Overview</a:t>
+              <a:t> sheet</a:t>
             </a:r>
             <a:endParaRPr lang="en-GB" dirty="0"/>
           </a:p>
@@ -13919,161 +13246,7 @@
           <a:p>
             <a:fld id="{F5EDBB1B-CD81-4FDC-8E73-40622F4AEBD8}" type="slidenum">
               <a:rPr lang="en-GB" smtClean="0"/>
-              <a:t>2</a:t>
-            </a:fld>
-            <a:endParaRPr lang="en-GB"/>
-          </a:p>
-        </p:txBody>
-      </p:sp>
-      <p:sp>
-        <p:nvSpPr>
-          <p:cNvPr id="12" name="Content Placeholder 11"/>
-          <p:cNvSpPr>
-            <a:spLocks noGrp="1"/>
-          </p:cNvSpPr>
-          <p:nvPr>
-            <p:ph idx="1"/>
-          </p:nvPr>
-        </p:nvSpPr>
-        <p:spPr/>
-        <p:txBody>
-          <a:bodyPr/>
-          <a:lstStyle/>
-          <a:p>
-            <a:r>
-              <a:rPr lang="en-GB" dirty="0" smtClean="0"/>
-              <a:t>Briefly: poverty and wealth reports on </a:t>
-            </a:r>
-            <a:r>
-              <a:rPr lang="en-GB" dirty="0" err="1" smtClean="0"/>
-              <a:t>data.gov.scot</a:t>
-            </a:r>
-            <a:endParaRPr lang="en-GB" dirty="0" smtClean="0"/>
-          </a:p>
-          <a:p>
-            <a:r>
-              <a:rPr lang="en-GB" dirty="0"/>
-              <a:t>A</a:t>
-            </a:r>
-            <a:r>
-              <a:rPr lang="en-GB" dirty="0" smtClean="0"/>
-              <a:t>ccessible spreadsheets with </a:t>
-            </a:r>
-            <a:r>
-              <a:rPr lang="en-GB" dirty="0" err="1" smtClean="0"/>
-              <a:t>openxlsx</a:t>
-            </a:r>
-            <a:r>
-              <a:rPr lang="en-GB" dirty="0" smtClean="0"/>
-              <a:t>:</a:t>
-            </a:r>
-          </a:p>
-          <a:p>
-            <a:pPr lvl="1"/>
-            <a:r>
-              <a:rPr lang="en-GB" dirty="0" smtClean="0"/>
-              <a:t>the basics: create spreadsheet</a:t>
-            </a:r>
-          </a:p>
-          <a:p>
-            <a:pPr lvl="1"/>
-            <a:r>
-              <a:rPr lang="en-GB" dirty="0" smtClean="0"/>
-              <a:t>customise: make it look nice</a:t>
-            </a:r>
-          </a:p>
-          <a:p>
-            <a:pPr lvl="1"/>
-            <a:r>
-              <a:rPr lang="en-GB" dirty="0" smtClean="0"/>
-              <a:t>automate: some ideas</a:t>
-            </a:r>
-            <a:endParaRPr lang="en-GB" dirty="0"/>
-          </a:p>
-        </p:txBody>
-      </p:sp>
-    </p:spTree>
-    <p:extLst>
-      <p:ext uri="{BB962C8B-B14F-4D97-AF65-F5344CB8AC3E}">
-        <p14:creationId xmlns:p14="http://schemas.microsoft.com/office/powerpoint/2010/main" val="1098148559"/>
-      </p:ext>
-    </p:extLst>
-  </p:cSld>
-  <p:clrMapOvr>
-    <a:masterClrMapping/>
-  </p:clrMapOvr>
-  <p:timing>
-    <p:tnLst>
-      <p:par>
-        <p:cTn id="1" dur="indefinite" restart="never" nodeType="tmRoot"/>
-      </p:par>
-    </p:tnLst>
-  </p:timing>
-</p:sld>
-</file>
-
-<file path=ppt/slides/slide20.xml><?xml version="1.0" encoding="utf-8"?>
-<p:sld xmlns:a="http://schemas.openxmlformats.org/drawingml/2006/main" xmlns:r="http://schemas.openxmlformats.org/officeDocument/2006/relationships" xmlns:p="http://schemas.openxmlformats.org/presentationml/2006/main">
-  <p:cSld>
-    <p:spTree>
-      <p:nvGrpSpPr>
-        <p:cNvPr id="1" name=""/>
-        <p:cNvGrpSpPr/>
-        <p:nvPr/>
-      </p:nvGrpSpPr>
-      <p:grpSpPr>
-        <a:xfrm>
-          <a:off x="0" y="0"/>
-          <a:ext cx="0" cy="0"/>
-          <a:chOff x="0" y="0"/>
-          <a:chExt cx="0" cy="0"/>
-        </a:xfrm>
-      </p:grpSpPr>
-      <p:sp>
-        <p:nvSpPr>
-          <p:cNvPr id="2" name="Title 1"/>
-          <p:cNvSpPr>
-            <a:spLocks noGrp="1"/>
-          </p:cNvSpPr>
-          <p:nvPr>
-            <p:ph type="title"/>
-          </p:nvPr>
-        </p:nvSpPr>
-        <p:spPr/>
-        <p:txBody>
-          <a:bodyPr/>
-          <a:lstStyle/>
-          <a:p>
-            <a:r>
-              <a:rPr lang="en-GB" dirty="0" err="1" smtClean="0"/>
-              <a:t>READme</a:t>
-            </a:r>
-            <a:r>
-              <a:rPr lang="en-GB" dirty="0" smtClean="0"/>
-              <a:t> sheet</a:t>
-            </a:r>
-            <a:endParaRPr lang="en-GB" dirty="0"/>
-          </a:p>
-        </p:txBody>
-      </p:sp>
-      <p:sp>
-        <p:nvSpPr>
-          <p:cNvPr id="4" name="Slide Number Placeholder 3"/>
-          <p:cNvSpPr>
-            <a:spLocks noGrp="1"/>
-          </p:cNvSpPr>
-          <p:nvPr>
-            <p:ph type="sldNum" sz="quarter" idx="12"/>
-          </p:nvPr>
-        </p:nvSpPr>
-        <p:spPr/>
-        <p:txBody>
-          <a:bodyPr/>
-          <a:lstStyle/>
-          <a:p>
-            <a:fld id="{F5EDBB1B-CD81-4FDC-8E73-40622F4AEBD8}" type="slidenum">
-              <a:rPr lang="en-GB" smtClean="0"/>
-              <a:t>20</a:t>
+              <a:t>18</a:t>
             </a:fld>
             <a:endParaRPr lang="en-GB" dirty="0"/>
           </a:p>
@@ -14154,7 +13327,7 @@
 </p:sld>
 </file>
 
-<file path=ppt/slides/slide21.xml><?xml version="1.0" encoding="utf-8"?>
+<file path=ppt/slides/slide19.xml><?xml version="1.0" encoding="utf-8"?>
 <p:sld xmlns:a="http://schemas.openxmlformats.org/drawingml/2006/main" xmlns:r="http://schemas.openxmlformats.org/officeDocument/2006/relationships" xmlns:p="http://schemas.openxmlformats.org/presentationml/2006/main">
   <p:cSld>
     <p:spTree>
@@ -14211,7 +13384,7 @@
           <a:p>
             <a:fld id="{F5EDBB1B-CD81-4FDC-8E73-40622F4AEBD8}" type="slidenum">
               <a:rPr lang="en-GB" smtClean="0"/>
-              <a:t>21</a:t>
+              <a:t>19</a:t>
             </a:fld>
             <a:endParaRPr lang="en-GB"/>
           </a:p>
@@ -14261,7 +13434,7 @@
 </p:sld>
 </file>
 
-<file path=ppt/slides/slide22.xml><?xml version="1.0" encoding="utf-8"?>
+<file path=ppt/slides/slide2.xml><?xml version="1.0" encoding="utf-8"?>
 <p:sld xmlns:a="http://schemas.openxmlformats.org/drawingml/2006/main" xmlns:r="http://schemas.openxmlformats.org/officeDocument/2006/relationships" xmlns:p="http://schemas.openxmlformats.org/presentationml/2006/main">
   <p:cSld>
     <p:spTree>
@@ -14295,7 +13468,7 @@
           <a:p>
             <a:r>
               <a:rPr lang="en-GB" dirty="0" smtClean="0"/>
-              <a:t>You can also…</a:t>
+              <a:t>Overview</a:t>
             </a:r>
             <a:endParaRPr lang="en-GB" dirty="0"/>
           </a:p>
@@ -14318,7 +13491,139 @@
           <a:p>
             <a:fld id="{F5EDBB1B-CD81-4FDC-8E73-40622F4AEBD8}" type="slidenum">
               <a:rPr lang="en-GB" smtClean="0"/>
-              <a:t>22</a:t>
+              <a:t>2</a:t>
+            </a:fld>
+            <a:endParaRPr lang="en-GB"/>
+          </a:p>
+        </p:txBody>
+      </p:sp>
+      <p:sp>
+        <p:nvSpPr>
+          <p:cNvPr id="12" name="Content Placeholder 11"/>
+          <p:cNvSpPr>
+            <a:spLocks noGrp="1"/>
+          </p:cNvSpPr>
+          <p:nvPr>
+            <p:ph idx="1"/>
+          </p:nvPr>
+        </p:nvSpPr>
+        <p:spPr/>
+        <p:txBody>
+          <a:bodyPr>
+            <a:normAutofit/>
+          </a:bodyPr>
+          <a:lstStyle/>
+          <a:p>
+            <a:pPr lvl="1"/>
+            <a:r>
+              <a:rPr lang="en-GB" sz="3600" dirty="0" smtClean="0"/>
+              <a:t>the </a:t>
+            </a:r>
+            <a:r>
+              <a:rPr lang="en-GB" sz="3600" dirty="0" smtClean="0"/>
+              <a:t>basics: create spreadsheet</a:t>
+            </a:r>
+          </a:p>
+          <a:p>
+            <a:pPr lvl="1"/>
+            <a:r>
+              <a:rPr lang="en-GB" sz="3600" dirty="0" smtClean="0"/>
+              <a:t>customise: make it look </a:t>
+            </a:r>
+            <a:r>
+              <a:rPr lang="en-GB" sz="3600" dirty="0" smtClean="0"/>
+              <a:t>nice and more accessible</a:t>
+            </a:r>
+            <a:endParaRPr lang="en-GB" sz="3600" dirty="0" smtClean="0"/>
+          </a:p>
+          <a:p>
+            <a:pPr lvl="1"/>
+            <a:r>
+              <a:rPr lang="en-GB" sz="3600" dirty="0" smtClean="0"/>
+              <a:t>automate: some ideas</a:t>
+            </a:r>
+            <a:endParaRPr lang="en-GB" sz="3600" dirty="0"/>
+          </a:p>
+        </p:txBody>
+      </p:sp>
+    </p:spTree>
+    <p:extLst>
+      <p:ext uri="{BB962C8B-B14F-4D97-AF65-F5344CB8AC3E}">
+        <p14:creationId xmlns:p14="http://schemas.microsoft.com/office/powerpoint/2010/main" val="1098148559"/>
+      </p:ext>
+    </p:extLst>
+  </p:cSld>
+  <p:clrMapOvr>
+    <a:masterClrMapping/>
+  </p:clrMapOvr>
+  <p:timing>
+    <p:tnLst>
+      <p:par>
+        <p:cTn id="1" dur="indefinite" restart="never" nodeType="tmRoot"/>
+      </p:par>
+    </p:tnLst>
+  </p:timing>
+</p:sld>
+</file>
+
+<file path=ppt/slides/slide20.xml><?xml version="1.0" encoding="utf-8"?>
+<p:sld xmlns:a="http://schemas.openxmlformats.org/drawingml/2006/main" xmlns:r="http://schemas.openxmlformats.org/officeDocument/2006/relationships" xmlns:p="http://schemas.openxmlformats.org/presentationml/2006/main">
+  <p:cSld>
+    <p:spTree>
+      <p:nvGrpSpPr>
+        <p:cNvPr id="1" name=""/>
+        <p:cNvGrpSpPr/>
+        <p:nvPr/>
+      </p:nvGrpSpPr>
+      <p:grpSpPr>
+        <a:xfrm>
+          <a:off x="0" y="0"/>
+          <a:ext cx="0" cy="0"/>
+          <a:chOff x="0" y="0"/>
+          <a:chExt cx="0" cy="0"/>
+        </a:xfrm>
+      </p:grpSpPr>
+      <p:sp>
+        <p:nvSpPr>
+          <p:cNvPr id="2" name="Title 1"/>
+          <p:cNvSpPr>
+            <a:spLocks noGrp="1"/>
+          </p:cNvSpPr>
+          <p:nvPr>
+            <p:ph type="title"/>
+          </p:nvPr>
+        </p:nvSpPr>
+        <p:spPr/>
+        <p:txBody>
+          <a:bodyPr/>
+          <a:lstStyle/>
+          <a:p>
+            <a:r>
+              <a:rPr lang="en-GB" dirty="0" smtClean="0"/>
+              <a:t>You can also…</a:t>
+            </a:r>
+            <a:endParaRPr lang="en-GB" dirty="0"/>
+          </a:p>
+        </p:txBody>
+      </p:sp>
+      <p:sp>
+        <p:nvSpPr>
+          <p:cNvPr id="4" name="Slide Number Placeholder 3"/>
+          <p:cNvSpPr>
+            <a:spLocks noGrp="1"/>
+          </p:cNvSpPr>
+          <p:nvPr>
+            <p:ph type="sldNum" sz="quarter" idx="12"/>
+          </p:nvPr>
+        </p:nvSpPr>
+        <p:spPr/>
+        <p:txBody>
+          <a:bodyPr/>
+          <a:lstStyle/>
+          <a:p>
+            <a:fld id="{F5EDBB1B-CD81-4FDC-8E73-40622F4AEBD8}" type="slidenum">
+              <a:rPr lang="en-GB" smtClean="0"/>
+              <a:t>20</a:t>
             </a:fld>
             <a:endParaRPr lang="en-GB" dirty="0"/>
           </a:p>
@@ -14439,7 +13744,7 @@
 </p:sld>
 </file>
 
-<file path=ppt/slides/slide23.xml><?xml version="1.0" encoding="utf-8"?>
+<file path=ppt/slides/slide21.xml><?xml version="1.0" encoding="utf-8"?>
 <p:sld xmlns:a="http://schemas.openxmlformats.org/drawingml/2006/main" xmlns:r="http://schemas.openxmlformats.org/officeDocument/2006/relationships" xmlns:p="http://schemas.openxmlformats.org/presentationml/2006/main">
   <p:cSld>
     <p:spTree>
@@ -14496,7 +13801,7 @@
           <a:p>
             <a:fld id="{F5EDBB1B-CD81-4FDC-8E73-40622F4AEBD8}" type="slidenum">
               <a:rPr lang="en-GB" smtClean="0"/>
-              <a:t>23</a:t>
+              <a:t>21</a:t>
             </a:fld>
             <a:endParaRPr lang="en-GB"/>
           </a:p>
@@ -14641,7 +13946,7 @@
 </p:sld>
 </file>
 
-<file path=ppt/slides/slide24.xml><?xml version="1.0" encoding="utf-8"?>
+<file path=ppt/slides/slide22.xml><?xml version="1.0" encoding="utf-8"?>
 <p:sld xmlns:a="http://schemas.openxmlformats.org/drawingml/2006/main" xmlns:r="http://schemas.openxmlformats.org/officeDocument/2006/relationships" xmlns:p="http://schemas.openxmlformats.org/presentationml/2006/main">
   <p:cSld>
     <p:spTree>
@@ -14698,7 +14003,7 @@
           <a:p>
             <a:fld id="{F5EDBB1B-CD81-4FDC-8E73-40622F4AEBD8}" type="slidenum">
               <a:rPr lang="en-GB" smtClean="0"/>
-              <a:t>24</a:t>
+              <a:t>22</a:t>
             </a:fld>
             <a:endParaRPr lang="en-GB" dirty="0"/>
           </a:p>
@@ -14906,7 +14211,7 @@
 </p:sld>
 </file>
 
-<file path=ppt/slides/slide25.xml><?xml version="1.0" encoding="utf-8"?>
+<file path=ppt/slides/slide23.xml><?xml version="1.0" encoding="utf-8"?>
 <p:sld xmlns:a="http://schemas.openxmlformats.org/drawingml/2006/main" xmlns:r="http://schemas.openxmlformats.org/officeDocument/2006/relationships" xmlns:p="http://schemas.openxmlformats.org/presentationml/2006/main">
   <p:cSld>
     <p:spTree>
@@ -14963,7 +14268,7 @@
           <a:p>
             <a:fld id="{F5EDBB1B-CD81-4FDC-8E73-40622F4AEBD8}" type="slidenum">
               <a:rPr lang="en-GB" smtClean="0"/>
-              <a:t>25</a:t>
+              <a:t>23</a:t>
             </a:fld>
             <a:endParaRPr lang="en-GB" dirty="0"/>
           </a:p>
@@ -15155,7 +14460,7 @@
 </p:sld>
 </file>
 
-<file path=ppt/slides/slide26.xml><?xml version="1.0" encoding="utf-8"?>
+<file path=ppt/slides/slide24.xml><?xml version="1.0" encoding="utf-8"?>
 <p:sld xmlns:a="http://schemas.openxmlformats.org/drawingml/2006/main" xmlns:r="http://schemas.openxmlformats.org/officeDocument/2006/relationships" xmlns:p="http://schemas.openxmlformats.org/presentationml/2006/main">
   <p:cSld>
     <p:spTree>
@@ -15212,7 +14517,7 @@
           <a:p>
             <a:fld id="{F5EDBB1B-CD81-4FDC-8E73-40622F4AEBD8}" type="slidenum">
               <a:rPr lang="en-GB" smtClean="0"/>
-              <a:t>26</a:t>
+              <a:t>24</a:t>
             </a:fld>
             <a:endParaRPr lang="en-GB"/>
           </a:p>
@@ -15310,7 +14615,7 @@
 </p:sld>
 </file>
 
-<file path=ppt/slides/slide27.xml><?xml version="1.0" encoding="utf-8"?>
+<file path=ppt/slides/slide25.xml><?xml version="1.0" encoding="utf-8"?>
 <p:sld xmlns:a="http://schemas.openxmlformats.org/drawingml/2006/main" xmlns:r="http://schemas.openxmlformats.org/officeDocument/2006/relationships" xmlns:p="http://schemas.openxmlformats.org/presentationml/2006/main">
   <p:cSld>
     <p:spTree>
@@ -15367,7 +14672,7 @@
           <a:p>
             <a:fld id="{F5EDBB1B-CD81-4FDC-8E73-40622F4AEBD8}" type="slidenum">
               <a:rPr lang="en-GB" smtClean="0"/>
-              <a:t>27</a:t>
+              <a:t>25</a:t>
             </a:fld>
             <a:endParaRPr lang="en-GB"/>
           </a:p>
@@ -15435,22 +14740,7 @@
               </a:spcBef>
               <a:buNone/>
             </a:pPr>
-            <a:r>
-              <a:rPr lang="en-GB" dirty="0" smtClean="0"/>
-              <a:t>Email </a:t>
-            </a:r>
-            <a:r>
-              <a:rPr lang="en-GB" dirty="0"/>
-              <a:t>me to set up a chat about R, RAP, html, styling, my </a:t>
-            </a:r>
-            <a:r>
-              <a:rPr lang="en-GB" dirty="0" err="1"/>
-              <a:t>data.gov.scot</a:t>
-            </a:r>
-            <a:r>
-              <a:rPr lang="en-GB" dirty="0"/>
-              <a:t> experiences: maike.waldmann@gov.scot </a:t>
-            </a:r>
+            <a:endParaRPr lang="en-GB" dirty="0" smtClean="0"/>
           </a:p>
           <a:p>
             <a:pPr marL="0" indent="0">
@@ -15461,7 +14751,11 @@
             </a:pPr>
             <a:r>
               <a:rPr lang="en-GB" dirty="0" smtClean="0"/>
-              <a:t>Accessible spreadsheets guidance: </a:t>
+              <a:t>Accessible </a:t>
+            </a:r>
+            <a:r>
+              <a:rPr lang="en-GB" dirty="0" smtClean="0"/>
+              <a:t>spreadsheets guidance: </a:t>
             </a:r>
             <a:r>
               <a:rPr lang="en-GB" dirty="0" smtClean="0">
@@ -15568,925 +14862,6 @@
 </p:sld>
 </file>
 
-<file path=ppt/slides/slide28.xml><?xml version="1.0" encoding="utf-8"?>
-<p:sld xmlns:a="http://schemas.openxmlformats.org/drawingml/2006/main" xmlns:r="http://schemas.openxmlformats.org/officeDocument/2006/relationships" xmlns:p="http://schemas.openxmlformats.org/presentationml/2006/main">
-  <p:cSld>
-    <p:bg>
-      <p:bgPr>
-        <a:solidFill>
-          <a:srgbClr val="FFA1D5"/>
-        </a:solidFill>
-        <a:effectLst/>
-      </p:bgPr>
-    </p:bg>
-    <p:spTree>
-      <p:nvGrpSpPr>
-        <p:cNvPr id="1" name=""/>
-        <p:cNvGrpSpPr/>
-        <p:nvPr/>
-      </p:nvGrpSpPr>
-      <p:grpSpPr>
-        <a:xfrm>
-          <a:off x="0" y="0"/>
-          <a:ext cx="0" cy="0"/>
-          <a:chOff x="0" y="0"/>
-          <a:chExt cx="0" cy="0"/>
-        </a:xfrm>
-      </p:grpSpPr>
-      <p:sp>
-        <p:nvSpPr>
-          <p:cNvPr id="2" name="Title 1"/>
-          <p:cNvSpPr>
-            <a:spLocks noGrp="1"/>
-          </p:cNvSpPr>
-          <p:nvPr>
-            <p:ph type="title"/>
-          </p:nvPr>
-        </p:nvSpPr>
-        <p:spPr/>
-        <p:txBody>
-          <a:bodyPr/>
-          <a:lstStyle/>
-          <a:p>
-            <a:r>
-              <a:rPr lang="en-GB" dirty="0" smtClean="0"/>
-              <a:t>thank you</a:t>
-            </a:r>
-            <a:endParaRPr lang="en-GB" dirty="0"/>
-          </a:p>
-        </p:txBody>
-      </p:sp>
-      <p:sp>
-        <p:nvSpPr>
-          <p:cNvPr id="5" name="Slide Number Placeholder 4"/>
-          <p:cNvSpPr>
-            <a:spLocks noGrp="1"/>
-          </p:cNvSpPr>
-          <p:nvPr>
-            <p:ph type="sldNum" sz="quarter" idx="12"/>
-          </p:nvPr>
-        </p:nvSpPr>
-        <p:spPr/>
-        <p:txBody>
-          <a:bodyPr/>
-          <a:lstStyle/>
-          <a:p>
-            <a:fld id="{F5EDBB1B-CD81-4FDC-8E73-40622F4AEBD8}" type="slidenum">
-              <a:rPr lang="en-GB" smtClean="0"/>
-              <a:t>28</a:t>
-            </a:fld>
-            <a:endParaRPr lang="en-GB"/>
-          </a:p>
-        </p:txBody>
-      </p:sp>
-      <p:sp>
-        <p:nvSpPr>
-          <p:cNvPr id="4" name="Content Placeholder 2"/>
-          <p:cNvSpPr txBox="1">
-            <a:spLocks/>
-          </p:cNvSpPr>
-          <p:nvPr/>
-        </p:nvSpPr>
-        <p:spPr>
-          <a:xfrm>
-            <a:off x="948011" y="2517660"/>
-            <a:ext cx="10176671" cy="3700260"/>
-          </a:xfrm>
-          <a:prstGeom prst="rect">
-            <a:avLst/>
-          </a:prstGeom>
-        </p:spPr>
-        <p:txBody>
-          <a:bodyPr vert="horz" lIns="91440" tIns="45720" rIns="91440" bIns="45720" rtlCol="0">
-            <a:noAutofit/>
-          </a:bodyPr>
-          <a:lstStyle>
-            <a:lvl1pPr marL="228600" indent="-228600" algn="l" defTabSz="914400" rtl="0" eaLnBrk="1" latinLnBrk="0" hangingPunct="1">
-              <a:lnSpc>
-                <a:spcPct val="100000"/>
-              </a:lnSpc>
-              <a:spcBef>
-                <a:spcPts val="1000"/>
-              </a:spcBef>
-              <a:buClr>
-                <a:schemeClr val="accent2"/>
-              </a:buClr>
-              <a:buFont typeface="Arial" panose="020B0604020202020204" pitchFamily="34" charset="0"/>
-              <a:buChar char="•"/>
-              <a:defRPr sz="1800" kern="1200">
-                <a:solidFill>
-                  <a:schemeClr val="tx1">
-                    <a:lumMod val="85000"/>
-                    <a:lumOff val="15000"/>
-                  </a:schemeClr>
-                </a:solidFill>
-                <a:latin typeface="+mn-lt"/>
-                <a:ea typeface="+mn-ea"/>
-                <a:cs typeface="+mn-cs"/>
-              </a:defRPr>
-            </a:lvl1pPr>
-            <a:lvl2pPr marL="457200" indent="-228600" algn="l" defTabSz="914400" rtl="0" eaLnBrk="1" latinLnBrk="0" hangingPunct="1">
-              <a:lnSpc>
-                <a:spcPct val="100000"/>
-              </a:lnSpc>
-              <a:spcBef>
-                <a:spcPts val="1000"/>
-              </a:spcBef>
-              <a:buClr>
-                <a:schemeClr val="accent2"/>
-              </a:buClr>
-              <a:buFont typeface="Arial" panose="020B0604020202020204" pitchFamily="34" charset="0"/>
-              <a:buChar char="•"/>
-              <a:defRPr sz="1600" kern="1200">
-                <a:solidFill>
-                  <a:schemeClr val="tx1">
-                    <a:lumMod val="85000"/>
-                    <a:lumOff val="15000"/>
-                  </a:schemeClr>
-                </a:solidFill>
-                <a:latin typeface="+mn-lt"/>
-                <a:ea typeface="+mn-ea"/>
-                <a:cs typeface="+mn-cs"/>
-              </a:defRPr>
-            </a:lvl2pPr>
-            <a:lvl3pPr marL="685800" indent="-228600" algn="l" defTabSz="914400" rtl="0" eaLnBrk="1" latinLnBrk="0" hangingPunct="1">
-              <a:lnSpc>
-                <a:spcPct val="100000"/>
-              </a:lnSpc>
-              <a:spcBef>
-                <a:spcPts val="1000"/>
-              </a:spcBef>
-              <a:buClr>
-                <a:schemeClr val="accent2"/>
-              </a:buClr>
-              <a:buFont typeface="Arial" panose="020B0604020202020204" pitchFamily="34" charset="0"/>
-              <a:buChar char="•"/>
-              <a:defRPr sz="1600" kern="1200">
-                <a:solidFill>
-                  <a:schemeClr val="tx1">
-                    <a:lumMod val="85000"/>
-                    <a:lumOff val="15000"/>
-                  </a:schemeClr>
-                </a:solidFill>
-                <a:latin typeface="+mn-lt"/>
-                <a:ea typeface="+mn-ea"/>
-                <a:cs typeface="+mn-cs"/>
-              </a:defRPr>
-            </a:lvl3pPr>
-            <a:lvl4pPr marL="914400" indent="-228600" algn="l" defTabSz="914400" rtl="0" eaLnBrk="1" latinLnBrk="0" hangingPunct="1">
-              <a:lnSpc>
-                <a:spcPct val="100000"/>
-              </a:lnSpc>
-              <a:spcBef>
-                <a:spcPts val="1000"/>
-              </a:spcBef>
-              <a:buClr>
-                <a:schemeClr val="accent2"/>
-              </a:buClr>
-              <a:buFont typeface="Arial" panose="020B0604020202020204" pitchFamily="34" charset="0"/>
-              <a:buChar char="•"/>
-              <a:defRPr sz="1600" kern="1200">
-                <a:solidFill>
-                  <a:schemeClr val="tx1">
-                    <a:lumMod val="85000"/>
-                    <a:lumOff val="15000"/>
-                  </a:schemeClr>
-                </a:solidFill>
-                <a:latin typeface="+mn-lt"/>
-                <a:ea typeface="+mn-ea"/>
-                <a:cs typeface="+mn-cs"/>
-              </a:defRPr>
-            </a:lvl4pPr>
-            <a:lvl5pPr marL="1143000" indent="-228600" algn="l" defTabSz="914400" rtl="0" eaLnBrk="1" latinLnBrk="0" hangingPunct="1">
-              <a:lnSpc>
-                <a:spcPct val="100000"/>
-              </a:lnSpc>
-              <a:spcBef>
-                <a:spcPts val="1000"/>
-              </a:spcBef>
-              <a:buClr>
-                <a:schemeClr val="accent2"/>
-              </a:buClr>
-              <a:buFont typeface="Arial" panose="020B0604020202020204" pitchFamily="34" charset="0"/>
-              <a:buChar char="•"/>
-              <a:defRPr sz="1600" kern="1200">
-                <a:solidFill>
-                  <a:schemeClr val="tx1">
-                    <a:lumMod val="85000"/>
-                    <a:lumOff val="15000"/>
-                  </a:schemeClr>
-                </a:solidFill>
-                <a:latin typeface="+mn-lt"/>
-                <a:ea typeface="+mn-ea"/>
-                <a:cs typeface="+mn-cs"/>
-              </a:defRPr>
-            </a:lvl5pPr>
-            <a:lvl6pPr marL="1312863" indent="-228600" algn="l" defTabSz="914400" rtl="0" eaLnBrk="1" latinLnBrk="0" hangingPunct="1">
-              <a:lnSpc>
-                <a:spcPct val="100000"/>
-              </a:lnSpc>
-              <a:spcBef>
-                <a:spcPts val="1000"/>
-              </a:spcBef>
-              <a:buClr>
-                <a:schemeClr val="accent2"/>
-              </a:buClr>
-              <a:buFont typeface="Arial" panose="020B0604020202020204" pitchFamily="34" charset="0"/>
-              <a:buChar char="•"/>
-              <a:defRPr sz="1600" kern="1200">
-                <a:solidFill>
-                  <a:schemeClr val="tx1"/>
-                </a:solidFill>
-                <a:latin typeface="+mn-lt"/>
-                <a:ea typeface="+mn-ea"/>
-                <a:cs typeface="+mn-cs"/>
-              </a:defRPr>
-            </a:lvl6pPr>
-            <a:lvl7pPr marL="1484313" indent="-228600" algn="l" defTabSz="914400" rtl="0" eaLnBrk="1" latinLnBrk="0" hangingPunct="1">
-              <a:lnSpc>
-                <a:spcPct val="100000"/>
-              </a:lnSpc>
-              <a:spcBef>
-                <a:spcPts val="1000"/>
-              </a:spcBef>
-              <a:buClr>
-                <a:schemeClr val="accent2"/>
-              </a:buClr>
-              <a:buFont typeface="Arial" panose="020B0604020202020204" pitchFamily="34" charset="0"/>
-              <a:buChar char="•"/>
-              <a:defRPr sz="1600" kern="1200">
-                <a:solidFill>
-                  <a:schemeClr val="tx1"/>
-                </a:solidFill>
-                <a:latin typeface="+mn-lt"/>
-                <a:ea typeface="+mn-ea"/>
-                <a:cs typeface="+mn-cs"/>
-              </a:defRPr>
-            </a:lvl7pPr>
-            <a:lvl8pPr marL="1657350" indent="-228600" algn="l" defTabSz="914400" rtl="0" eaLnBrk="1" latinLnBrk="0" hangingPunct="1">
-              <a:lnSpc>
-                <a:spcPct val="100000"/>
-              </a:lnSpc>
-              <a:spcBef>
-                <a:spcPts val="1000"/>
-              </a:spcBef>
-              <a:buClr>
-                <a:schemeClr val="accent2"/>
-              </a:buClr>
-              <a:buFont typeface="Arial" panose="020B0604020202020204" pitchFamily="34" charset="0"/>
-              <a:buChar char="•"/>
-              <a:defRPr sz="1600" kern="1200" baseline="0">
-                <a:solidFill>
-                  <a:schemeClr val="tx1"/>
-                </a:solidFill>
-                <a:latin typeface="+mn-lt"/>
-                <a:ea typeface="+mn-ea"/>
-                <a:cs typeface="+mn-cs"/>
-              </a:defRPr>
-            </a:lvl8pPr>
-            <a:lvl9pPr marL="1882775" indent="-228600" algn="l" defTabSz="914400" rtl="0" eaLnBrk="1" latinLnBrk="0" hangingPunct="1">
-              <a:lnSpc>
-                <a:spcPct val="100000"/>
-              </a:lnSpc>
-              <a:spcBef>
-                <a:spcPts val="1000"/>
-              </a:spcBef>
-              <a:buClr>
-                <a:schemeClr val="accent2"/>
-              </a:buClr>
-              <a:buFont typeface="Arial" panose="020B0604020202020204" pitchFamily="34" charset="0"/>
-              <a:buChar char="•"/>
-              <a:defRPr sz="1600" kern="1200" baseline="0">
-                <a:solidFill>
-                  <a:schemeClr val="tx1"/>
-                </a:solidFill>
-                <a:latin typeface="+mn-lt"/>
-                <a:ea typeface="+mn-ea"/>
-                <a:cs typeface="+mn-cs"/>
-              </a:defRPr>
-            </a:lvl9pPr>
-          </a:lstStyle>
-          <a:p>
-            <a:pPr marL="0" indent="0">
-              <a:spcBef>
-                <a:spcPts val="1800"/>
-              </a:spcBef>
-              <a:buNone/>
-            </a:pPr>
-            <a:r>
-              <a:rPr lang="en-GB" sz="2400" dirty="0" smtClean="0"/>
-              <a:t>All code for </a:t>
-            </a:r>
-            <a:r>
-              <a:rPr lang="en-GB" sz="2400" dirty="0"/>
-              <a:t>https://</a:t>
-            </a:r>
-            <a:r>
-              <a:rPr lang="en-GB" sz="2400" dirty="0" smtClean="0"/>
-              <a:t>data.gov.scot/poverty:</a:t>
-            </a:r>
-            <a:endParaRPr lang="en-GB" sz="2400" dirty="0"/>
-          </a:p>
-          <a:p>
-            <a:pPr lvl="2">
-              <a:spcBef>
-                <a:spcPts val="1800"/>
-              </a:spcBef>
-              <a:spcAft>
-                <a:spcPts val="1200"/>
-              </a:spcAft>
-            </a:pPr>
-            <a:r>
-              <a:rPr lang="en-GB" sz="2200" dirty="0" smtClean="0"/>
-              <a:t>github.com/DataScienceScotland/poverty-publications</a:t>
-            </a:r>
-          </a:p>
-          <a:p>
-            <a:pPr marL="0" indent="0">
-              <a:spcBef>
-                <a:spcPts val="1800"/>
-              </a:spcBef>
-              <a:buNone/>
-            </a:pPr>
-            <a:r>
-              <a:rPr lang="en-GB" sz="2400" dirty="0" smtClean="0"/>
-              <a:t>Template for creating a </a:t>
-            </a:r>
-            <a:r>
-              <a:rPr lang="en-GB" sz="2400" dirty="0"/>
-              <a:t>website with SG </a:t>
-            </a:r>
-            <a:r>
-              <a:rPr lang="en-GB" sz="2400" dirty="0" smtClean="0"/>
-              <a:t>branding:</a:t>
-            </a:r>
-          </a:p>
-          <a:p>
-            <a:pPr lvl="2">
-              <a:spcBef>
-                <a:spcPts val="1800"/>
-              </a:spcBef>
-              <a:spcAft>
-                <a:spcPts val="1200"/>
-              </a:spcAft>
-            </a:pPr>
-            <a:r>
-              <a:rPr lang="en-GB" sz="2200" dirty="0" smtClean="0"/>
-              <a:t>github.com/DataScienceScotland/</a:t>
-            </a:r>
-            <a:r>
-              <a:rPr lang="en-GB" sz="2200" dirty="0" err="1" smtClean="0"/>
-              <a:t>poverty_template</a:t>
-            </a:r>
-            <a:endParaRPr lang="en-GB" sz="2200" dirty="0" smtClean="0"/>
-          </a:p>
-          <a:p>
-            <a:pPr marL="0" indent="0">
-              <a:spcBef>
-                <a:spcPts val="1800"/>
-              </a:spcBef>
-              <a:buNone/>
-            </a:pPr>
-            <a:r>
-              <a:rPr lang="en-GB" sz="2400" dirty="0" smtClean="0"/>
-              <a:t>Code for https://data.gov.scot/wealth </a:t>
-            </a:r>
-            <a:r>
-              <a:rPr lang="en-GB" sz="2400" dirty="0"/>
-              <a:t>(to be updated in </a:t>
-            </a:r>
-            <a:r>
-              <a:rPr lang="en-GB" sz="2400" dirty="0" smtClean="0"/>
-              <a:t>February):</a:t>
-            </a:r>
-            <a:endParaRPr lang="en-GB" sz="2400" dirty="0"/>
-          </a:p>
-          <a:p>
-            <a:pPr lvl="2">
-              <a:spcBef>
-                <a:spcPts val="1800"/>
-              </a:spcBef>
-            </a:pPr>
-            <a:r>
-              <a:rPr lang="en-GB" sz="2200" dirty="0" smtClean="0"/>
-              <a:t>github.com/DataScienceScotland/</a:t>
-            </a:r>
-            <a:r>
-              <a:rPr lang="en-GB" sz="2200" dirty="0" err="1" smtClean="0"/>
-              <a:t>wealthreport</a:t>
-            </a:r>
-            <a:endParaRPr lang="en-GB" sz="2200" u="sng" dirty="0" smtClean="0"/>
-          </a:p>
-        </p:txBody>
-      </p:sp>
-      <p:pic>
-        <p:nvPicPr>
-          <p:cNvPr id="1026" name="Picture 2" title="decorative"/>
-          <p:cNvPicPr>
-            <a:picLocks noChangeAspect="1" noChangeArrowheads="1"/>
-          </p:cNvPicPr>
-          <p:nvPr/>
-        </p:nvPicPr>
-        <p:blipFill>
-          <a:blip r:embed="rId3" cstate="print">
-            <a:duotone>
-              <a:schemeClr val="accent1">
-                <a:shade val="45000"/>
-                <a:satMod val="135000"/>
-              </a:schemeClr>
-              <a:prstClr val="white"/>
-            </a:duotone>
-            <a:extLst>
-              <a:ext uri="{28A0092B-C50C-407E-A947-70E740481C1C}">
-                <a14:useLocalDpi xmlns:a14="http://schemas.microsoft.com/office/drawing/2010/main" val="0"/>
-              </a:ext>
-            </a:extLst>
-          </a:blip>
-          <a:srcRect/>
-          <a:stretch>
-            <a:fillRect/>
-          </a:stretch>
-        </p:blipFill>
-        <p:spPr bwMode="auto">
-          <a:xfrm>
-            <a:off x="1150270" y="3137375"/>
-            <a:ext cx="435718" cy="435718"/>
-          </a:xfrm>
-          <a:prstGeom prst="rect">
-            <a:avLst/>
-          </a:prstGeom>
-          <a:noFill/>
-          <a:extLst>
-            <a:ext uri="{909E8E84-426E-40DD-AFC4-6F175D3DCCD1}">
-              <a14:hiddenFill xmlns:a14="http://schemas.microsoft.com/office/drawing/2010/main">
-                <a:solidFill>
-                  <a:srgbClr val="FFFFFF"/>
-                </a:solidFill>
-              </a14:hiddenFill>
-            </a:ext>
-          </a:extLst>
-        </p:spPr>
-      </p:pic>
-      <p:pic>
-        <p:nvPicPr>
-          <p:cNvPr id="9" name="Picture 2" title="decorative"/>
-          <p:cNvPicPr>
-            <a:picLocks noChangeAspect="1" noChangeArrowheads="1"/>
-          </p:cNvPicPr>
-          <p:nvPr/>
-        </p:nvPicPr>
-        <p:blipFill>
-          <a:blip r:embed="rId3" cstate="print">
-            <a:duotone>
-              <a:schemeClr val="accent1">
-                <a:shade val="45000"/>
-                <a:satMod val="135000"/>
-              </a:schemeClr>
-              <a:prstClr val="white"/>
-            </a:duotone>
-            <a:extLst>
-              <a:ext uri="{28A0092B-C50C-407E-A947-70E740481C1C}">
-                <a14:useLocalDpi xmlns:a14="http://schemas.microsoft.com/office/drawing/2010/main" val="0"/>
-              </a:ext>
-            </a:extLst>
-          </a:blip>
-          <a:srcRect/>
-          <a:stretch>
-            <a:fillRect/>
-          </a:stretch>
-        </p:blipFill>
-        <p:spPr bwMode="auto">
-          <a:xfrm>
-            <a:off x="1150270" y="4448774"/>
-            <a:ext cx="435718" cy="435718"/>
-          </a:xfrm>
-          <a:prstGeom prst="rect">
-            <a:avLst/>
-          </a:prstGeom>
-          <a:noFill/>
-          <a:extLst>
-            <a:ext uri="{909E8E84-426E-40DD-AFC4-6F175D3DCCD1}">
-              <a14:hiddenFill xmlns:a14="http://schemas.microsoft.com/office/drawing/2010/main">
-                <a:solidFill>
-                  <a:srgbClr val="FFFFFF"/>
-                </a:solidFill>
-              </a14:hiddenFill>
-            </a:ext>
-          </a:extLst>
-        </p:spPr>
-      </p:pic>
-      <p:pic>
-        <p:nvPicPr>
-          <p:cNvPr id="10" name="Picture 2" title="decorative"/>
-          <p:cNvPicPr>
-            <a:picLocks noChangeAspect="1" noChangeArrowheads="1"/>
-          </p:cNvPicPr>
-          <p:nvPr/>
-        </p:nvPicPr>
-        <p:blipFill>
-          <a:blip r:embed="rId3" cstate="print">
-            <a:duotone>
-              <a:schemeClr val="accent1">
-                <a:shade val="45000"/>
-                <a:satMod val="135000"/>
-              </a:schemeClr>
-              <a:prstClr val="white"/>
-            </a:duotone>
-            <a:extLst>
-              <a:ext uri="{28A0092B-C50C-407E-A947-70E740481C1C}">
-                <a14:useLocalDpi xmlns:a14="http://schemas.microsoft.com/office/drawing/2010/main" val="0"/>
-              </a:ext>
-            </a:extLst>
-          </a:blip>
-          <a:srcRect/>
-          <a:stretch>
-            <a:fillRect/>
-          </a:stretch>
-        </p:blipFill>
-        <p:spPr bwMode="auto">
-          <a:xfrm>
-            <a:off x="1150270" y="5777802"/>
-            <a:ext cx="435718" cy="435718"/>
-          </a:xfrm>
-          <a:prstGeom prst="rect">
-            <a:avLst/>
-          </a:prstGeom>
-          <a:noFill/>
-          <a:extLst>
-            <a:ext uri="{909E8E84-426E-40DD-AFC4-6F175D3DCCD1}">
-              <a14:hiddenFill xmlns:a14="http://schemas.microsoft.com/office/drawing/2010/main">
-                <a:solidFill>
-                  <a:srgbClr val="FFFFFF"/>
-                </a:solidFill>
-              </a14:hiddenFill>
-            </a:ext>
-          </a:extLst>
-        </p:spPr>
-      </p:pic>
-      <p:pic>
-        <p:nvPicPr>
-          <p:cNvPr id="7" name="Picture 6" title="Peppa Pig"/>
-          <p:cNvPicPr>
-            <a:picLocks noChangeAspect="1"/>
-          </p:cNvPicPr>
-          <p:nvPr/>
-        </p:nvPicPr>
-        <p:blipFill rotWithShape="1">
-          <a:blip r:embed="rId4" cstate="print">
-            <a:extLst>
-              <a:ext uri="{BEBA8EAE-BF5A-486C-A8C5-ECC9F3942E4B}">
-                <a14:imgProps xmlns:a14="http://schemas.microsoft.com/office/drawing/2010/main">
-                  <a14:imgLayer r:embed="rId5">
-                    <a14:imgEffect>
-                      <a14:backgroundRemoval t="0" b="96889" l="10000" r="90000">
-                        <a14:foregroundMark x1="28333" y1="89444" x2="28333" y2="89444"/>
-                        <a14:foregroundMark x1="66667" y1="91111" x2="66667" y2="91111"/>
-                        <a14:foregroundMark x1="68333" y1="87889" x2="68333" y2="87889"/>
-                        <a14:foregroundMark x1="29667" y1="90333" x2="29667" y2="90333"/>
-                        <a14:foregroundMark x1="64556" y1="91889" x2="64556" y2="91889"/>
-                        <a14:foregroundMark x1="68444" y1="90889" x2="68444" y2="90889"/>
-                        <a14:foregroundMark x1="62667" y1="93556" x2="62667" y2="93556"/>
-                        <a14:foregroundMark x1="82444" y1="63111" x2="82444" y2="63111"/>
-                        <a14:foregroundMark x1="84889" y1="61000" x2="84889" y2="61000"/>
-                        <a14:foregroundMark x1="81000" y1="71889" x2="81000" y2="71889"/>
-                        <a14:foregroundMark x1="30333" y1="91556" x2="30333" y2="91556"/>
-                        <a14:foregroundMark x1="36222" y1="94111" x2="36222" y2="94111"/>
-                        <a14:backgroundMark x1="75000" y1="12333" x2="75000" y2="12333"/>
-                        <a14:backgroundMark x1="69222" y1="6444" x2="69222" y2="6444"/>
-                        <a14:backgroundMark x1="59889" y1="12556" x2="59889" y2="12556"/>
-                        <a14:backgroundMark x1="46556" y1="6667" x2="46556" y2="6667"/>
-                        <a14:backgroundMark x1="52000" y1="4333" x2="52000" y2="4333"/>
-                        <a14:backgroundMark x1="74333" y1="95778" x2="74333" y2="95778"/>
-                        <a14:backgroundMark x1="71000" y1="95889" x2="71000" y2="95889"/>
-                        <a14:backgroundMark x1="74778" y1="57444" x2="74778" y2="57444"/>
-                        <a14:backgroundMark x1="18889" y1="12000" x2="19000" y2="11444"/>
-                        <a14:backgroundMark x1="25889" y1="4222" x2="25889" y2="4222"/>
-                        <a14:backgroundMark x1="25333" y1="4889" x2="25333" y2="4889"/>
-                        <a14:backgroundMark x1="37000" y1="5333" x2="37000" y2="5333"/>
-                        <a14:backgroundMark x1="32889" y1="4444" x2="32889" y2="4444"/>
-                        <a14:backgroundMark x1="43000" y1="6333" x2="43000" y2="6333"/>
-                        <a14:backgroundMark x1="29556" y1="34556" x2="29556" y2="34556"/>
-                        <a14:backgroundMark x1="29111" y1="38667" x2="29111" y2="38667"/>
-                        <a14:backgroundMark x1="21889" y1="23333" x2="21889" y2="23333"/>
-                        <a14:backgroundMark x1="23889" y1="26000" x2="23889" y2="26000"/>
-                        <a14:backgroundMark x1="74778" y1="65111" x2="74778" y2="65111"/>
-                        <a14:backgroundMark x1="76778" y1="63667" x2="76778" y2="63667"/>
-                        <a14:backgroundMark x1="74778" y1="62000" x2="74778" y2="62000"/>
-                        <a14:backgroundMark x1="74333" y1="61444" x2="74333" y2="61444"/>
-                        <a14:backgroundMark x1="80444" y1="67000" x2="80444" y2="67000"/>
-                        <a14:backgroundMark x1="84111" y1="67111" x2="84111" y2="67111"/>
-                        <a14:backgroundMark x1="75333" y1="68556" x2="75333" y2="68556"/>
-                        <a14:backgroundMark x1="76667" y1="70889" x2="76667" y2="70889"/>
-                        <a14:backgroundMark x1="81111" y1="70444" x2="81111" y2="70444"/>
-                        <a14:backgroundMark x1="82889" y1="73000" x2="82889" y2="73000"/>
-                        <a14:backgroundMark x1="82556" y1="72111" x2="82556" y2="72111"/>
-                        <a14:backgroundMark x1="83333" y1="74333" x2="83333" y2="74333"/>
-                        <a14:backgroundMark x1="84556" y1="78111" x2="84556" y2="78111"/>
-                        <a14:backgroundMark x1="80333" y1="78667" x2="80333" y2="78667"/>
-                        <a14:backgroundMark x1="77000" y1="78333" x2="77000" y2="78333"/>
-                        <a14:backgroundMark x1="77000" y1="81667" x2="77000" y2="81667"/>
-                        <a14:backgroundMark x1="69778" y1="51556" x2="69778" y2="51556"/>
-                        <a14:backgroundMark x1="71333" y1="48222" x2="71333" y2="48222"/>
-                        <a14:backgroundMark x1="69333" y1="51556" x2="69333" y2="51556"/>
-                        <a14:backgroundMark x1="71556" y1="46444" x2="71556" y2="46444"/>
-                        <a14:backgroundMark x1="72667" y1="44556" x2="72667" y2="44444"/>
-                        <a14:backgroundMark x1="71333" y1="46889" x2="71333" y2="46889"/>
-                        <a14:backgroundMark x1="73333" y1="40889" x2="73333" y2="40889"/>
-                        <a14:backgroundMark x1="71444" y1="45778" x2="71444" y2="45778"/>
-                        <a14:backgroundMark x1="73444" y1="40000" x2="73444" y2="40000"/>
-                        <a14:backgroundMark x1="33222" y1="50333" x2="33222" y2="50333"/>
-                        <a14:backgroundMark x1="30667" y1="48333" x2="30667" y2="48333"/>
-                        <a14:backgroundMark x1="29222" y1="42556" x2="29222" y2="42556"/>
-                        <a14:backgroundMark x1="30667" y1="55556" x2="30667" y2="55556"/>
-                        <a14:backgroundMark x1="29333" y1="57111" x2="29333" y2="57111"/>
-                        <a14:backgroundMark x1="25667" y1="57444" x2="25667" y2="57444"/>
-                        <a14:backgroundMark x1="23778" y1="59000" x2="23778" y2="59000"/>
-                        <a14:backgroundMark x1="24111" y1="63556" x2="24111" y2="63556"/>
-                        <a14:backgroundMark x1="27222" y1="63000" x2="27222" y2="63000"/>
-                        <a14:backgroundMark x1="26000" y1="61889" x2="26000" y2="61889"/>
-                        <a14:backgroundMark x1="25111" y1="61778" x2="25111" y2="61778"/>
-                        <a14:backgroundMark x1="20000" y1="66667" x2="20000" y2="66667"/>
-                        <a14:backgroundMark x1="20556" y1="64111" x2="20556" y2="64111"/>
-                        <a14:backgroundMark x1="18444" y1="60667" x2="18444" y2="60667"/>
-                        <a14:backgroundMark x1="16556" y1="59556" x2="16556" y2="59556"/>
-                        <a14:backgroundMark x1="15778" y1="63000" x2="15778" y2="63000"/>
-                        <a14:backgroundMark x1="13556" y1="61889" x2="13556" y2="61889"/>
-                        <a14:backgroundMark x1="28667" y1="60778" x2="28667" y2="60778"/>
-                        <a14:backgroundMark x1="25778" y1="68556" x2="25778" y2="68556"/>
-                        <a14:backgroundMark x1="26778" y1="66667" x2="26778" y2="66667"/>
-                        <a14:backgroundMark x1="16111" y1="66889" x2="16111" y2="66889"/>
-                        <a14:backgroundMark x1="13778" y1="64667" x2="13778" y2="64667"/>
-                        <a14:backgroundMark x1="25444" y1="72444" x2="25444" y2="72444"/>
-                        <a14:backgroundMark x1="25000" y1="76222" x2="25000" y2="76222"/>
-                        <a14:backgroundMark x1="23667" y1="82000" x2="23667" y2="82000"/>
-                        <a14:backgroundMark x1="27889" y1="86111" x2="27889" y2="86111"/>
-                        <a14:backgroundMark x1="35556" y1="86000" x2="35556" y2="86000"/>
-                        <a14:backgroundMark x1="42667" y1="86222" x2="42667" y2="86222"/>
-                        <a14:backgroundMark x1="46444" y1="86444" x2="46444" y2="86444"/>
-                        <a14:backgroundMark x1="50667" y1="86333" x2="50667" y2="86333"/>
-                        <a14:backgroundMark x1="54000" y1="86222" x2="54000" y2="86222"/>
-                        <a14:backgroundMark x1="57444" y1="86444" x2="57444" y2="86444"/>
-                        <a14:backgroundMark x1="62000" y1="86444" x2="62000" y2="86444"/>
-                        <a14:backgroundMark x1="64889" y1="86000" x2="64889" y2="86000"/>
-                        <a14:backgroundMark x1="69111" y1="85889" x2="69111" y2="85889"/>
-                        <a14:backgroundMark x1="73000" y1="85778" x2="73000" y2="85778"/>
-                        <a14:backgroundMark x1="70556" y1="87778" x2="70556" y2="87778"/>
-                        <a14:backgroundMark x1="66556" y1="88000" x2="66556" y2="88000"/>
-                        <a14:backgroundMark x1="34889" y1="89889" x2="34889" y2="89889"/>
-                        <a14:backgroundMark x1="36444" y1="87556" x2="36444" y2="87556"/>
-                        <a14:backgroundMark x1="41111" y1="87556" x2="41111" y2="87556"/>
-                        <a14:backgroundMark x1="39333" y1="89778" x2="39333" y2="89778"/>
-                        <a14:backgroundMark x1="37667" y1="92222" x2="37667" y2="92222"/>
-                        <a14:backgroundMark x1="25222" y1="85556" x2="25222" y2="85556"/>
-                        <a14:backgroundMark x1="33222" y1="86222" x2="33222" y2="86222"/>
-                        <a14:backgroundMark x1="36444" y1="85889" x2="36444" y2="85889"/>
-                        <a14:backgroundMark x1="41444" y1="86333" x2="41444" y2="86333"/>
-                        <a14:backgroundMark x1="45333" y1="86333" x2="45333" y2="86333"/>
-                        <a14:backgroundMark x1="57000" y1="86333" x2="57000" y2="86333"/>
-                        <a14:backgroundMark x1="61222" y1="90889" x2="61222" y2="90889"/>
-                        <a14:backgroundMark x1="27889" y1="87000" x2="27889" y2="87000"/>
-                        <a14:backgroundMark x1="25000" y1="90444" x2="25000" y2="90444"/>
-                        <a14:backgroundMark x1="27000" y1="92222" x2="27000" y2="92222"/>
-                        <a14:backgroundMark x1="71333" y1="86000" x2="71333" y2="86000"/>
-                        <a14:backgroundMark x1="74111" y1="86444" x2="74111" y2="86444"/>
-                        <a14:backgroundMark x1="71667" y1="89000" x2="71667" y2="89000"/>
-                        <a14:backgroundMark x1="71556" y1="90333" x2="71556" y2="90333"/>
-                        <a14:backgroundMark x1="66667" y1="89111" x2="66667" y2="89111"/>
-                        <a14:backgroundMark x1="55556" y1="86111" x2="55556" y2="86111"/>
-                        <a14:backgroundMark x1="74333" y1="93111" x2="74333" y2="93111"/>
-                        <a14:backgroundMark x1="75333" y1="93222" x2="75333" y2="93222"/>
-                        <a14:backgroundMark x1="29556" y1="93667" x2="29556" y2="93667"/>
-                        <a14:backgroundMark x1="34556" y1="96000" x2="34556" y2="96000"/>
-                        <a14:backgroundMark x1="37333" y1="93000" x2="37333" y2="93000"/>
-                        <a14:backgroundMark x1="37444" y1="93778" x2="37444" y2="93778"/>
-                        <a14:backgroundMark x1="32444" y1="94556" x2="32444" y2="94556"/>
-                        <a14:backgroundMark x1="26556" y1="92444" x2="26556" y2="92444"/>
-                        <a14:backgroundMark x1="27556" y1="87222" x2="27556" y2="87222"/>
-                        <a14:backgroundMark x1="24667" y1="89000" x2="24667" y2="89000"/>
-                        <a14:backgroundMark x1="27000" y1="87222" x2="27000" y2="87222"/>
-                        <a14:backgroundMark x1="27667" y1="92333" x2="27667" y2="92333"/>
-                        <a14:backgroundMark x1="18000" y1="16000" x2="18000" y2="16000"/>
-                        <a14:backgroundMark x1="19333" y1="10000" x2="19333" y2="10000"/>
-                        <a14:backgroundMark x1="21222" y1="7778" x2="21222" y2="7778"/>
-                        <a14:backgroundMark x1="23444" y1="6000" x2="23444" y2="6000"/>
-                        <a14:backgroundMark x1="29222" y1="4111" x2="29222" y2="4111"/>
-                        <a14:backgroundMark x1="48778" y1="8000" x2="48778" y2="8000"/>
-                        <a14:backgroundMark x1="39444" y1="5889" x2="39444" y2="5889"/>
-                        <a14:backgroundMark x1="48333" y1="8000" x2="48333" y2="8000"/>
-                        <a14:backgroundMark x1="51333" y1="7778" x2="51333" y2="7778"/>
-                        <a14:backgroundMark x1="51444" y1="8556" x2="51444" y2="8556"/>
-                        <a14:backgroundMark x1="51333" y1="8889" x2="51333" y2="8889"/>
-                        <a14:backgroundMark x1="47778" y1="7778" x2="47778" y2="7778"/>
-                        <a14:backgroundMark x1="53333" y1="2222" x2="53333" y2="2222"/>
-                        <a14:backgroundMark x1="55556" y1="222" x2="55556" y2="222"/>
-                        <a14:backgroundMark x1="55111" y1="667" x2="55111" y2="667"/>
-                        <a14:backgroundMark x1="53333" y1="2444" x2="53333" y2="2444"/>
-                        <a14:backgroundMark x1="60222" y1="222" x2="60222" y2="222"/>
-                        <a14:backgroundMark x1="62111" y1="2222" x2="62111" y2="2222"/>
-                        <a14:backgroundMark x1="62000" y1="2778" x2="62000" y2="2778"/>
-                        <a14:backgroundMark x1="62111" y1="3556" x2="62111" y2="3556"/>
-                        <a14:backgroundMark x1="62000" y1="6889" x2="62000" y2="6889"/>
-                        <a14:backgroundMark x1="62000" y1="6333" x2="62000" y2="6333"/>
-                        <a14:backgroundMark x1="59667" y1="11889" x2="59667" y2="11889"/>
-                        <a14:backgroundMark x1="59333" y1="12222" x2="59333" y2="12222"/>
-                        <a14:backgroundMark x1="58778" y1="12222" x2="58778" y2="12222"/>
-                        <a14:backgroundMark x1="61778" y1="13667" x2="61778" y2="13667"/>
-                        <a14:backgroundMark x1="61222" y1="13667" x2="61222" y2="13667"/>
-                        <a14:backgroundMark x1="61556" y1="14222" x2="61556" y2="14222"/>
-                        <a14:backgroundMark x1="62667" y1="11667" x2="62667" y2="11667"/>
-                        <a14:backgroundMark x1="62556" y1="12222" x2="62556" y2="12222"/>
-                        <a14:backgroundMark x1="66444" y1="7778" x2="66444" y2="7778"/>
-                        <a14:backgroundMark x1="73556" y1="9667" x2="73556" y2="9667"/>
-                        <a14:backgroundMark x1="73444" y1="14222" x2="73444" y2="14222"/>
-                        <a14:backgroundMark x1="73111" y1="14667" x2="73111" y2="14667"/>
-                        <a14:backgroundMark x1="73556" y1="13556" x2="73556" y2="13556"/>
-                        <a14:backgroundMark x1="71556" y1="16778" x2="71556" y2="16778"/>
-                        <a14:backgroundMark x1="69889" y1="18556" x2="69889" y2="18556"/>
-                        <a14:backgroundMark x1="69444" y1="21222" x2="69444" y2="21222"/>
-                        <a14:backgroundMark x1="70889" y1="23667" x2="70889" y2="23667"/>
-                        <a14:backgroundMark x1="69556" y1="21667" x2="69556" y2="21667"/>
-                        <a14:backgroundMark x1="69000" y1="21222" x2="69000" y2="21222"/>
-                        <a14:backgroundMark x1="69667" y1="22222" x2="69667" y2="22222"/>
-                        <a14:backgroundMark x1="73222" y1="29111" x2="73222" y2="29111"/>
-                        <a14:backgroundMark x1="72778" y1="30000" x2="72778" y2="30000"/>
-                        <a14:backgroundMark x1="73556" y1="32556" x2="73556" y2="32556"/>
-                        <a14:backgroundMark x1="73444" y1="32444" x2="73444" y2="32444"/>
-                        <a14:backgroundMark x1="73444" y1="33111" x2="73444" y2="33111"/>
-                        <a14:backgroundMark x1="73444" y1="36778" x2="73444" y2="36778"/>
-                        <a14:backgroundMark x1="73444" y1="37667" x2="73444" y2="37667"/>
-                        <a14:backgroundMark x1="73556" y1="36222" x2="73556" y2="36222"/>
-                        <a14:backgroundMark x1="73556" y1="33444" x2="73556" y2="33444"/>
-                        <a14:backgroundMark x1="73444" y1="33778" x2="73444" y2="33778"/>
-                        <a14:backgroundMark x1="69778" y1="48889" x2="69778" y2="48889"/>
-                        <a14:backgroundMark x1="69889" y1="53667" x2="69889" y2="53667"/>
-                        <a14:backgroundMark x1="71444" y1="56889" x2="71444" y2="56889"/>
-                        <a14:backgroundMark x1="70889" y1="57000" x2="70889" y2="57000"/>
-                        <a14:backgroundMark x1="76778" y1="59000" x2="76778" y2="59000"/>
-                        <a14:backgroundMark x1="76000" y1="59000" x2="76000" y2="59000"/>
-                        <a14:backgroundMark x1="83556" y1="59333" x2="83556" y2="59333"/>
-                        <a14:backgroundMark x1="81667" y1="60667" x2="81667" y2="60667"/>
-                        <a14:backgroundMark x1="73444" y1="62778" x2="73444" y2="62778"/>
-                        <a14:backgroundMark x1="79778" y1="63889" x2="79778" y2="63889"/>
-                        <a14:backgroundMark x1="84556" y1="63000" x2="84556" y2="63000"/>
-                        <a14:backgroundMark x1="84222" y1="62778" x2="84222" y2="62778"/>
-                        <a14:backgroundMark x1="83667" y1="62556" x2="83667" y2="62556"/>
-                        <a14:backgroundMark x1="83111" y1="65333" x2="83111" y2="65333"/>
-                        <a14:backgroundMark x1="86556" y1="64444" x2="86556" y2="64444"/>
-                        <a14:backgroundMark x1="86556" y1="64889" x2="86556" y2="64889"/>
-                        <a14:backgroundMark x1="86111" y1="64556" x2="86111" y2="64556"/>
-                        <a14:backgroundMark x1="86778" y1="65667" x2="86778" y2="65667"/>
-                        <a14:backgroundMark x1="76222" y1="74667" x2="76222" y2="74667"/>
-                        <a14:backgroundMark x1="75444" y1="72111" x2="75444" y2="72111"/>
-                        <a14:backgroundMark x1="76000" y1="74000" x2="76000" y2="74000"/>
-                        <a14:backgroundMark x1="76444" y1="75333" x2="76444" y2="75333"/>
-                        <a14:backgroundMark x1="79111" y1="73444" x2="79111" y2="73444"/>
-                        <a14:backgroundMark x1="79111" y1="72778" x2="79111" y2="72778"/>
-                        <a14:backgroundMark x1="79222" y1="74111" x2="79222" y2="74111"/>
-                        <a14:backgroundMark x1="79556" y1="73889" x2="79556" y2="73889"/>
-                        <a14:backgroundMark x1="83778" y1="73889" x2="83778" y2="73889"/>
-                        <a14:backgroundMark x1="85667" y1="77111" x2="85667" y2="77111"/>
-                        <a14:backgroundMark x1="76556" y1="77889" x2="76556" y2="77889"/>
-                        <a14:backgroundMark x1="76222" y1="77667" x2="76333" y2="77667"/>
-                        <a14:backgroundMark x1="69444" y1="85333" x2="69444" y2="85333"/>
-                        <a14:backgroundMark x1="68556" y1="85444" x2="68556" y2="85444"/>
-                        <a14:backgroundMark x1="30889" y1="93778" x2="30889" y2="93778"/>
-                        <a14:backgroundMark x1="32444" y1="53111" x2="32444" y2="53111"/>
-                        <a14:backgroundMark x1="28667" y1="57444" x2="28778" y2="57333"/>
-                        <a14:backgroundMark x1="29778" y1="56889" x2="29778" y2="56889"/>
-                        <a14:backgroundMark x1="13444" y1="61444" x2="13444" y2="61444"/>
-                        <a14:backgroundMark x1="15444" y1="62556" x2="15444" y2="62556"/>
-                        <a14:backgroundMark x1="16222" y1="62556" x2="16222" y2="62556"/>
-                        <a14:backgroundMark x1="16556" y1="62556" x2="16556" y2="62556"/>
-                        <a14:backgroundMark x1="13444" y1="65333" x2="13444" y2="65333"/>
-                        <a14:backgroundMark x1="14222" y1="64333" x2="14222" y2="64333"/>
-                        <a14:backgroundMark x1="13444" y1="65556" x2="13444" y2="65556"/>
-                        <a14:backgroundMark x1="20222" y1="64000" x2="20222" y2="64000"/>
-                        <a14:backgroundMark x1="20556" y1="63556" x2="20556" y2="63556"/>
-                        <a14:backgroundMark x1="18111" y1="60667" x2="18111" y2="60667"/>
-                        <a14:backgroundMark x1="13444" y1="60667" x2="13444" y2="60667"/>
-                        <a14:backgroundMark x1="14000" y1="62222" x2="14000" y2="62222"/>
-                        <a14:backgroundMark x1="26778" y1="67333" x2="26778" y2="67333"/>
-                        <a14:backgroundMark x1="25111" y1="70667" x2="25111" y2="70667"/>
-                        <a14:backgroundMark x1="38778" y1="90222" x2="38778" y2="90222"/>
-                        <a14:backgroundMark x1="36111" y1="88333" x2="36111" y2="88333"/>
-                        <a14:backgroundMark x1="35444" y1="96000" x2="35444" y2="96000"/>
-                        <a14:backgroundMark x1="34111" y1="94889" x2="34111" y2="94889"/>
-                        <a14:backgroundMark x1="32333" y1="94333" x2="32333" y2="94333"/>
-                        <a14:backgroundMark x1="32778" y1="94444" x2="32778" y2="94444"/>
-                        <a14:backgroundMark x1="33667" y1="90889" x2="33667" y2="90889"/>
-                        <a14:backgroundMark x1="34778" y1="89444" x2="34778" y2="89444"/>
-                        <a14:backgroundMark x1="34333" y1="90444" x2="34333" y2="90444"/>
-                        <a14:backgroundMark x1="34444" y1="91000" x2="34444" y2="91000"/>
-                        <a14:backgroundMark x1="62889" y1="90778" x2="62889" y2="90778"/>
-                        <a14:backgroundMark x1="59000" y1="95111" x2="59000" y2="95111"/>
-                        <a14:backgroundMark x1="59111" y1="93111" x2="59111" y2="93111"/>
-                        <a14:backgroundMark x1="60000" y1="92667" x2="60000" y2="92667"/>
-                        <a14:backgroundMark x1="62000" y1="96222" x2="62000" y2="96222"/>
-                        <a14:backgroundMark x1="65556" y1="95556" x2="65556" y2="95556"/>
-                        <a14:backgroundMark x1="67778" y1="93778" x2="67778" y2="93778"/>
-                        <a14:backgroundMark x1="67333" y1="93889" x2="67333" y2="93889"/>
-                        <a14:backgroundMark x1="66778" y1="94222" x2="66778" y2="94222"/>
-                        <a14:backgroundMark x1="63778" y1="95444" x2="64444" y2="96000"/>
-                        <a14:backgroundMark x1="65889" y1="94000" x2="65889" y2="94000"/>
-                        <a14:backgroundMark x1="60556" y1="92333" x2="60556" y2="92333"/>
-                        <a14:backgroundMark x1="61667" y1="96222" x2="61667" y2="96222"/>
-                        <a14:backgroundMark x1="67778" y1="93111" x2="67778" y2="93111"/>
-                        <a14:backgroundMark x1="66333" y1="87444" x2="66333" y2="87444"/>
-                        <a14:backgroundMark x1="67111" y1="88667" x2="67111" y2="88667"/>
-                        <a14:backgroundMark x1="66000" y1="89333" x2="66000" y2="89333"/>
-                        <a14:backgroundMark x1="66000" y1="89667" x2="66000" y2="89667"/>
-                        <a14:backgroundMark x1="69556" y1="92111" x2="69556" y2="92111"/>
-                        <a14:backgroundMark x1="77333" y1="80000" x2="77333" y2="80000"/>
-                        <a14:backgroundMark x1="82889" y1="73556" x2="82889" y2="73556"/>
-                        <a14:backgroundMark x1="83000" y1="73889" x2="83000" y2="73889"/>
-                        <a14:backgroundMark x1="82667" y1="73556" x2="82667" y2="73556"/>
-                        <a14:backgroundMark x1="80667" y1="70111" x2="80667" y2="70111"/>
-                        <a14:backgroundMark x1="80111" y1="70111" x2="80111" y2="70111"/>
-                        <a14:backgroundMark x1="79667" y1="70000" x2="79667" y2="70000"/>
-                        <a14:backgroundMark x1="81111" y1="70778" x2="81111" y2="70778"/>
-                        <a14:backgroundMark x1="82111" y1="72111" x2="82111" y2="72111"/>
-                        <a14:backgroundMark x1="83333" y1="74444" x2="83333" y2="74444"/>
-                        <a14:backgroundMark x1="81778" y1="75556" x2="81778" y2="75556"/>
-                        <a14:backgroundMark x1="78667" y1="73333" x2="78667" y2="73333"/>
-                        <a14:backgroundMark x1="79444" y1="74333" x2="79444" y2="74333"/>
-                        <a14:backgroundMark x1="75444" y1="72444" x2="75444" y2="72444"/>
-                        <a14:backgroundMark x1="71556" y1="57444" x2="71556" y2="57444"/>
-                        <a14:backgroundMark x1="84444" y1="58778" x2="84444" y2="58778"/>
-                        <a14:backgroundMark x1="86667" y1="61889" x2="86667" y2="61889"/>
-                        <a14:backgroundMark x1="86667" y1="61444" x2="86667" y2="61444"/>
-                        <a14:backgroundMark x1="86111" y1="62000" x2="86111" y2="62000"/>
-                        <a14:backgroundMark x1="69778" y1="54889" x2="69778" y2="54889"/>
-                        <a14:backgroundMark x1="69556" y1="49000" x2="69556" y2="49000"/>
-                        <a14:backgroundMark x1="68000" y1="50778" x2="68000" y2="50778"/>
-                        <a14:backgroundMark x1="73556" y1="62000" x2="73556" y2="62000"/>
-                        <a14:backgroundMark x1="73556" y1="10444" x2="73556" y2="10444"/>
-                        <a14:backgroundMark x1="71667" y1="7667" x2="71667" y2="7667"/>
-                        <a14:backgroundMark x1="66778" y1="7667" x2="66778" y2="7667"/>
-                        <a14:backgroundMark x1="59667" y1="222" x2="59667" y2="222"/>
-                        <a14:backgroundMark x1="59667" y1="0" x2="59667" y2="0"/>
-                        <a14:backgroundMark x1="56000" y1="111" x2="56000" y2="111"/>
-                        <a14:backgroundMark x1="53111" y1="2667" x2="53111" y2="2667"/>
-                        <a14:backgroundMark x1="51667" y1="9111" x2="51667" y2="9111"/>
-                        <a14:backgroundMark x1="33556" y1="4778" x2="33556" y2="4778"/>
-                        <a14:backgroundMark x1="38889" y1="5778" x2="38889" y2="5778"/>
-                        <a14:backgroundMark x1="30000" y1="4222" x2="30000" y2="4222"/>
-                        <a14:backgroundMark x1="23000" y1="6444" x2="23000" y2="6444"/>
-                        <a14:backgroundMark x1="24000" y1="5889" x2="24000" y2="5889"/>
-                        <a14:backgroundMark x1="21667" y1="7667" x2="21667" y2="7667"/>
-                        <a14:backgroundMark x1="21000" y1="8222" x2="21000" y2="8222"/>
-                        <a14:backgroundMark x1="20111" y1="9667" x2="20111" y2="9667"/>
-                        <a14:backgroundMark x1="19111" y1="18556" x2="19111" y2="18556"/>
-                        <a14:backgroundMark x1="31222" y1="29667" x2="31222" y2="29667"/>
-                        <a14:backgroundMark x1="30667" y1="32444" x2="30667" y2="32444"/>
-                        <a14:backgroundMark x1="30444" y1="33111" x2="30444" y2="33111"/>
-                        <a14:backgroundMark x1="30333" y1="33667" x2="30333" y2="33667"/>
-                        <a14:backgroundMark x1="31667" y1="29778" x2="31667" y2="29778"/>
-                        <a14:backgroundMark x1="28556" y1="28222" x2="28556" y2="28222"/>
-                        <a14:backgroundMark x1="30444" y1="45000" x2="30444" y2="45000"/>
-                        <a14:backgroundMark x1="30444" y1="44778" x2="30444" y2="44778"/>
-                      </a14:backgroundRemoval>
-                    </a14:imgEffect>
-                  </a14:imgLayer>
-                </a14:imgProps>
-              </a:ext>
-              <a:ext uri="{28A0092B-C50C-407E-A947-70E740481C1C}">
-                <a14:useLocalDpi xmlns:a14="http://schemas.microsoft.com/office/drawing/2010/main" val="0"/>
-              </a:ext>
-            </a:extLst>
-          </a:blip>
-          <a:srcRect l="12162" r="11581"/>
-          <a:stretch/>
-        </p:blipFill>
-        <p:spPr>
-          <a:xfrm>
-            <a:off x="9106336" y="1653518"/>
-            <a:ext cx="2454442" cy="3218656"/>
-          </a:xfrm>
-          <a:prstGeom prst="rect">
-            <a:avLst/>
-          </a:prstGeom>
-        </p:spPr>
-      </p:pic>
-    </p:spTree>
-    <p:extLst>
-      <p:ext uri="{BB962C8B-B14F-4D97-AF65-F5344CB8AC3E}">
-        <p14:creationId xmlns:p14="http://schemas.microsoft.com/office/powerpoint/2010/main" val="277848832"/>
-      </p:ext>
-    </p:extLst>
-  </p:cSld>
-  <p:clrMapOvr>
-    <a:masterClrMapping/>
-  </p:clrMapOvr>
-  <p:timing>
-    <p:tnLst>
-      <p:par>
-        <p:cTn id="1" dur="indefinite" restart="never" nodeType="tmRoot"/>
-      </p:par>
-    </p:tnLst>
-  </p:timing>
-</p:sld>
-</file>
-
 <file path=ppt/slides/slide3.xml><?xml version="1.0" encoding="utf-8"?>
 <p:sld xmlns:a="http://schemas.openxmlformats.org/drawingml/2006/main" xmlns:r="http://schemas.openxmlformats.org/officeDocument/2006/relationships" xmlns:p="http://schemas.openxmlformats.org/presentationml/2006/main">
   <p:cSld>
@@ -16521,7 +14896,7 @@
           <a:p>
             <a:r>
               <a:rPr lang="en-GB" dirty="0" smtClean="0"/>
-              <a:t>Automated poverty reports</a:t>
+              <a:t>MY usual Project setup</a:t>
             </a:r>
             <a:endParaRPr lang="en-GB" dirty="0"/>
           </a:p>
@@ -16550,72 +14925,169 @@
           </a:p>
         </p:txBody>
       </p:sp>
-      <p:sp>
-        <p:nvSpPr>
-          <p:cNvPr id="3" name="Content Placeholder 2"/>
-          <p:cNvSpPr>
-            <a:spLocks noGrp="1"/>
-          </p:cNvSpPr>
+      <p:graphicFrame>
+        <p:nvGraphicFramePr>
+          <p:cNvPr id="9" name="Content Placeholder 8" descr="shows myproject folder and 3 subfolders: R, data, output" title="Folder setup"/>
+          <p:cNvGraphicFramePr>
+            <a:graphicFrameLocks noGrp="1"/>
+          </p:cNvGraphicFramePr>
           <p:nvPr>
             <p:ph idx="1"/>
-          </p:nvPr>
+            <p:extLst>
+              <p:ext uri="{D42A27DB-BD31-4B8C-83A1-F6EECF244321}">
+                <p14:modId xmlns:p14="http://schemas.microsoft.com/office/powerpoint/2010/main" val="1127018900"/>
+              </p:ext>
+            </p:extLst>
+          </p:nvPr>
+        </p:nvGraphicFramePr>
+        <p:xfrm>
+          <a:off x="0" y="2455545"/>
+          <a:ext cx="3399427" cy="3945255"/>
+        </p:xfrm>
+        <a:graphic>
+          <a:graphicData uri="http://schemas.openxmlformats.org/drawingml/2006/diagram">
+            <dgm:relIds xmlns:dgm="http://schemas.openxmlformats.org/drawingml/2006/diagram" xmlns:r="http://schemas.openxmlformats.org/officeDocument/2006/relationships" r:dm="rId2" r:lo="rId3" r:qs="rId4" r:cs="rId5"/>
+          </a:graphicData>
+        </a:graphic>
+      </p:graphicFrame>
+      <p:sp>
+        <p:nvSpPr>
+          <p:cNvPr id="10" name="TextBox 9"/>
+          <p:cNvSpPr txBox="1"/>
+          <p:nvPr/>
         </p:nvSpPr>
         <p:spPr>
           <a:xfrm>
-            <a:off x="842682" y="2442412"/>
-            <a:ext cx="10479742" cy="3297616"/>
-          </a:xfrm>
-        </p:spPr>
-        <p:txBody>
-          <a:bodyPr/>
-          <a:lstStyle/>
-          <a:p>
-            <a:pPr marL="0" indent="0">
-              <a:buNone/>
-            </a:pPr>
-            <a:r>
-              <a:rPr lang="en-GB" dirty="0" smtClean="0"/>
-              <a:t>https://data.gov.scot/poverty:</a:t>
-            </a:r>
-          </a:p>
-          <a:p>
-            <a:pPr marL="0" indent="0">
-              <a:buNone/>
-            </a:pPr>
-            <a:endParaRPr lang="en-GB" dirty="0" smtClean="0"/>
-          </a:p>
-          <a:p>
-            <a:endParaRPr lang="en-GB" dirty="0"/>
-          </a:p>
-        </p:txBody>
-      </p:sp>
-      <p:pic>
-        <p:nvPicPr>
-          <p:cNvPr id="6" name="Picture 5" title="https://data.gov.scot/poverty"/>
-          <p:cNvPicPr>
-            <a:picLocks noChangeAspect="1"/>
-          </p:cNvPicPr>
-          <p:nvPr/>
-        </p:nvPicPr>
-        <p:blipFill rotWithShape="1">
-          <a:blip r:embed="rId3"/>
-          <a:srcRect b="24450"/>
-          <a:stretch/>
-        </p:blipFill>
-        <p:spPr>
-          <a:xfrm>
-            <a:off x="842682" y="3135434"/>
-            <a:ext cx="10479743" cy="3719725"/>
+            <a:off x="2934586" y="2527424"/>
+            <a:ext cx="8387838" cy="1815882"/>
           </a:xfrm>
           <a:prstGeom prst="rect">
             <a:avLst/>
           </a:prstGeom>
+          <a:noFill/>
         </p:spPr>
-      </p:pic>
+        <p:txBody>
+          <a:bodyPr wrap="square" rtlCol="0">
+            <a:spAutoFit/>
+          </a:bodyPr>
+          <a:lstStyle/>
+          <a:p>
+            <a:pPr marL="285750" indent="-285750">
+              <a:buFont typeface="Arial" panose="020B0604020202020204" pitchFamily="34" charset="0"/>
+              <a:buChar char="•"/>
+            </a:pPr>
+            <a:r>
+              <a:rPr lang="en-GB" sz="2800" dirty="0" smtClean="0"/>
+              <a:t>Project folder, has .</a:t>
+            </a:r>
+            <a:r>
+              <a:rPr lang="en-GB" sz="2800" dirty="0" err="1" smtClean="0"/>
+              <a:t>Rproj</a:t>
+            </a:r>
+            <a:r>
+              <a:rPr lang="en-GB" sz="2800" dirty="0" smtClean="0"/>
+              <a:t> file and subfolders – tidy!</a:t>
+            </a:r>
+          </a:p>
+          <a:p>
+            <a:pPr marL="285750" indent="-285750">
+              <a:buFont typeface="Arial" panose="020B0604020202020204" pitchFamily="34" charset="0"/>
+              <a:buChar char="•"/>
+            </a:pPr>
+            <a:r>
+              <a:rPr lang="en-GB" sz="2800" dirty="0" smtClean="0"/>
+              <a:t>R scripts</a:t>
+            </a:r>
+          </a:p>
+          <a:p>
+            <a:pPr marL="285750" indent="-285750">
+              <a:buFont typeface="Arial" panose="020B0604020202020204" pitchFamily="34" charset="0"/>
+              <a:buChar char="•"/>
+            </a:pPr>
+            <a:r>
+              <a:rPr lang="en-GB" sz="2800" dirty="0" smtClean="0"/>
+              <a:t>data = your input data (</a:t>
+            </a:r>
+            <a:r>
+              <a:rPr lang="en-GB" sz="2800" dirty="0" err="1" smtClean="0"/>
+              <a:t>sas7bdat</a:t>
+            </a:r>
+            <a:r>
+              <a:rPr lang="en-GB" sz="2800" dirty="0" smtClean="0"/>
+              <a:t>, xls, csv, </a:t>
+            </a:r>
+            <a:r>
+              <a:rPr lang="en-GB" sz="2800" dirty="0" err="1" smtClean="0"/>
+              <a:t>rds</a:t>
+            </a:r>
+            <a:r>
+              <a:rPr lang="en-GB" sz="2800" dirty="0" smtClean="0"/>
+              <a:t>, ...)</a:t>
+            </a:r>
+          </a:p>
+          <a:p>
+            <a:pPr marL="285750" indent="-285750">
+              <a:buFont typeface="Arial" panose="020B0604020202020204" pitchFamily="34" charset="0"/>
+              <a:buChar char="•"/>
+            </a:pPr>
+            <a:r>
+              <a:rPr lang="en-GB" sz="2800" dirty="0" smtClean="0"/>
+              <a:t>output = your outputs (xls, </a:t>
+            </a:r>
+            <a:r>
+              <a:rPr lang="en-GB" sz="2800" dirty="0" err="1" smtClean="0"/>
+              <a:t>ods</a:t>
+            </a:r>
+            <a:r>
+              <a:rPr lang="en-GB" sz="2800" dirty="0" smtClean="0"/>
+              <a:t>, </a:t>
+            </a:r>
+            <a:r>
+              <a:rPr lang="en-GB" sz="2800" dirty="0" err="1" smtClean="0"/>
+              <a:t>png</a:t>
+            </a:r>
+            <a:r>
+              <a:rPr lang="en-GB" sz="2800" dirty="0" smtClean="0"/>
+              <a:t>, </a:t>
+            </a:r>
+            <a:r>
+              <a:rPr lang="en-GB" sz="2800" dirty="0" err="1" smtClean="0"/>
+              <a:t>svg</a:t>
+            </a:r>
+            <a:r>
+              <a:rPr lang="en-GB" sz="2800" dirty="0" smtClean="0"/>
+              <a:t>, html, …)</a:t>
+            </a:r>
+            <a:endParaRPr lang="en-GB" sz="2800" dirty="0"/>
+          </a:p>
+        </p:txBody>
+      </p:sp>
+      <p:graphicFrame>
+        <p:nvGraphicFramePr>
+          <p:cNvPr id="11" name="Diagram 10" descr="shows the data folder, and arrow to the output folder, with lots of R scripts within the arrow" title="diagram from data to output"/>
+          <p:cNvGraphicFramePr/>
+          <p:nvPr>
+            <p:extLst>
+              <p:ext uri="{D42A27DB-BD31-4B8C-83A1-F6EECF244321}">
+                <p14:modId xmlns:p14="http://schemas.microsoft.com/office/powerpoint/2010/main" val="845365330"/>
+              </p:ext>
+            </p:extLst>
+          </p:nvPr>
+        </p:nvGraphicFramePr>
+        <p:xfrm>
+          <a:off x="4242109" y="3048196"/>
+          <a:ext cx="5146440" cy="5418667"/>
+        </p:xfrm>
+        <a:graphic>
+          <a:graphicData uri="http://schemas.openxmlformats.org/drawingml/2006/diagram">
+            <dgm:relIds xmlns:dgm="http://schemas.openxmlformats.org/drawingml/2006/diagram" xmlns:r="http://schemas.openxmlformats.org/officeDocument/2006/relationships" r:dm="rId7" r:lo="rId8" r:qs="rId9" r:cs="rId10"/>
+          </a:graphicData>
+        </a:graphic>
+      </p:graphicFrame>
     </p:spTree>
     <p:extLst>
       <p:ext uri="{BB962C8B-B14F-4D97-AF65-F5344CB8AC3E}">
-        <p14:creationId xmlns:p14="http://schemas.microsoft.com/office/powerpoint/2010/main" val="1032099246"/>
+        <p14:creationId xmlns:p14="http://schemas.microsoft.com/office/powerpoint/2010/main" val="2195252980"/>
       </p:ext>
     </p:extLst>
   </p:cSld>
@@ -16666,7 +15138,7 @@
           <a:p>
             <a:r>
               <a:rPr lang="en-GB" dirty="0" smtClean="0"/>
-              <a:t>MY usual Project setup</a:t>
+              <a:t>Today’s setup</a:t>
             </a:r>
             <a:endParaRPr lang="en-GB" dirty="0"/>
           </a:p>
@@ -16690,248 +15162,6 @@
             <a:fld id="{F5EDBB1B-CD81-4FDC-8E73-40622F4AEBD8}" type="slidenum">
               <a:rPr lang="en-GB" smtClean="0"/>
               <a:t>4</a:t>
-            </a:fld>
-            <a:endParaRPr lang="en-GB"/>
-          </a:p>
-        </p:txBody>
-      </p:sp>
-      <p:graphicFrame>
-        <p:nvGraphicFramePr>
-          <p:cNvPr id="9" name="Content Placeholder 8" descr="shows myproject folder and 3 subfolders: R, data, output" title="Folder setup"/>
-          <p:cNvGraphicFramePr>
-            <a:graphicFrameLocks noGrp="1"/>
-          </p:cNvGraphicFramePr>
-          <p:nvPr>
-            <p:ph idx="1"/>
-            <p:extLst>
-              <p:ext uri="{D42A27DB-BD31-4B8C-83A1-F6EECF244321}">
-                <p14:modId xmlns:p14="http://schemas.microsoft.com/office/powerpoint/2010/main" val="1127018900"/>
-              </p:ext>
-            </p:extLst>
-          </p:nvPr>
-        </p:nvGraphicFramePr>
-        <p:xfrm>
-          <a:off x="0" y="2455545"/>
-          <a:ext cx="3399427" cy="3945255"/>
-        </p:xfrm>
-        <a:graphic>
-          <a:graphicData uri="http://schemas.openxmlformats.org/drawingml/2006/diagram">
-            <dgm:relIds xmlns:dgm="http://schemas.openxmlformats.org/drawingml/2006/diagram" xmlns:r="http://schemas.openxmlformats.org/officeDocument/2006/relationships" r:dm="rId2" r:lo="rId3" r:qs="rId4" r:cs="rId5"/>
-          </a:graphicData>
-        </a:graphic>
-      </p:graphicFrame>
-      <p:sp>
-        <p:nvSpPr>
-          <p:cNvPr id="10" name="TextBox 9"/>
-          <p:cNvSpPr txBox="1"/>
-          <p:nvPr/>
-        </p:nvSpPr>
-        <p:spPr>
-          <a:xfrm>
-            <a:off x="2934586" y="2527424"/>
-            <a:ext cx="8387838" cy="1815882"/>
-          </a:xfrm>
-          <a:prstGeom prst="rect">
-            <a:avLst/>
-          </a:prstGeom>
-          <a:noFill/>
-        </p:spPr>
-        <p:txBody>
-          <a:bodyPr wrap="square" rtlCol="0">
-            <a:spAutoFit/>
-          </a:bodyPr>
-          <a:lstStyle/>
-          <a:p>
-            <a:pPr marL="285750" indent="-285750">
-              <a:buFont typeface="Arial" panose="020B0604020202020204" pitchFamily="34" charset="0"/>
-              <a:buChar char="•"/>
-            </a:pPr>
-            <a:r>
-              <a:rPr lang="en-GB" sz="2800" dirty="0" smtClean="0"/>
-              <a:t>Project folder, has .</a:t>
-            </a:r>
-            <a:r>
-              <a:rPr lang="en-GB" sz="2800" dirty="0" err="1" smtClean="0"/>
-              <a:t>Rproj</a:t>
-            </a:r>
-            <a:r>
-              <a:rPr lang="en-GB" sz="2800" dirty="0" smtClean="0"/>
-              <a:t> file and subfolders – tidy!</a:t>
-            </a:r>
-          </a:p>
-          <a:p>
-            <a:pPr marL="285750" indent="-285750">
-              <a:buFont typeface="Arial" panose="020B0604020202020204" pitchFamily="34" charset="0"/>
-              <a:buChar char="•"/>
-            </a:pPr>
-            <a:r>
-              <a:rPr lang="en-GB" sz="2800" dirty="0" smtClean="0"/>
-              <a:t>R scripts</a:t>
-            </a:r>
-          </a:p>
-          <a:p>
-            <a:pPr marL="285750" indent="-285750">
-              <a:buFont typeface="Arial" panose="020B0604020202020204" pitchFamily="34" charset="0"/>
-              <a:buChar char="•"/>
-            </a:pPr>
-            <a:r>
-              <a:rPr lang="en-GB" sz="2800" dirty="0" smtClean="0"/>
-              <a:t>data = your input data (</a:t>
-            </a:r>
-            <a:r>
-              <a:rPr lang="en-GB" sz="2800" dirty="0" err="1" smtClean="0"/>
-              <a:t>sas7bdat</a:t>
-            </a:r>
-            <a:r>
-              <a:rPr lang="en-GB" sz="2800" dirty="0" smtClean="0"/>
-              <a:t>, xls, csv, </a:t>
-            </a:r>
-            <a:r>
-              <a:rPr lang="en-GB" sz="2800" dirty="0" err="1" smtClean="0"/>
-              <a:t>rds</a:t>
-            </a:r>
-            <a:r>
-              <a:rPr lang="en-GB" sz="2800" dirty="0" smtClean="0"/>
-              <a:t>, ...)</a:t>
-            </a:r>
-          </a:p>
-          <a:p>
-            <a:pPr marL="285750" indent="-285750">
-              <a:buFont typeface="Arial" panose="020B0604020202020204" pitchFamily="34" charset="0"/>
-              <a:buChar char="•"/>
-            </a:pPr>
-            <a:r>
-              <a:rPr lang="en-GB" sz="2800" dirty="0" smtClean="0"/>
-              <a:t>output = your outputs (xls, </a:t>
-            </a:r>
-            <a:r>
-              <a:rPr lang="en-GB" sz="2800" dirty="0" err="1" smtClean="0"/>
-              <a:t>ods</a:t>
-            </a:r>
-            <a:r>
-              <a:rPr lang="en-GB" sz="2800" dirty="0" smtClean="0"/>
-              <a:t>, </a:t>
-            </a:r>
-            <a:r>
-              <a:rPr lang="en-GB" sz="2800" dirty="0" err="1" smtClean="0"/>
-              <a:t>png</a:t>
-            </a:r>
-            <a:r>
-              <a:rPr lang="en-GB" sz="2800" dirty="0" smtClean="0"/>
-              <a:t>, </a:t>
-            </a:r>
-            <a:r>
-              <a:rPr lang="en-GB" sz="2800" dirty="0" err="1" smtClean="0"/>
-              <a:t>svg</a:t>
-            </a:r>
-            <a:r>
-              <a:rPr lang="en-GB" sz="2800" dirty="0" smtClean="0"/>
-              <a:t>, html, …)</a:t>
-            </a:r>
-            <a:endParaRPr lang="en-GB" sz="2800" dirty="0"/>
-          </a:p>
-        </p:txBody>
-      </p:sp>
-      <p:graphicFrame>
-        <p:nvGraphicFramePr>
-          <p:cNvPr id="11" name="Diagram 10" descr="shows the data folder, and arrow to the output folder, with lots of R scripts within the arrow" title="diagram from data to output"/>
-          <p:cNvGraphicFramePr/>
-          <p:nvPr>
-            <p:extLst>
-              <p:ext uri="{D42A27DB-BD31-4B8C-83A1-F6EECF244321}">
-                <p14:modId xmlns:p14="http://schemas.microsoft.com/office/powerpoint/2010/main" val="845365330"/>
-              </p:ext>
-            </p:extLst>
-          </p:nvPr>
-        </p:nvGraphicFramePr>
-        <p:xfrm>
-          <a:off x="4242109" y="3048196"/>
-          <a:ext cx="5146440" cy="5418667"/>
-        </p:xfrm>
-        <a:graphic>
-          <a:graphicData uri="http://schemas.openxmlformats.org/drawingml/2006/diagram">
-            <dgm:relIds xmlns:dgm="http://schemas.openxmlformats.org/drawingml/2006/diagram" xmlns:r="http://schemas.openxmlformats.org/officeDocument/2006/relationships" r:dm="rId7" r:lo="rId8" r:qs="rId9" r:cs="rId10"/>
-          </a:graphicData>
-        </a:graphic>
-      </p:graphicFrame>
-    </p:spTree>
-    <p:extLst>
-      <p:ext uri="{BB962C8B-B14F-4D97-AF65-F5344CB8AC3E}">
-        <p14:creationId xmlns:p14="http://schemas.microsoft.com/office/powerpoint/2010/main" val="2195252980"/>
-      </p:ext>
-    </p:extLst>
-  </p:cSld>
-  <p:clrMapOvr>
-    <a:masterClrMapping/>
-  </p:clrMapOvr>
-  <p:timing>
-    <p:tnLst>
-      <p:par>
-        <p:cTn id="1" dur="indefinite" restart="never" nodeType="tmRoot"/>
-      </p:par>
-    </p:tnLst>
-  </p:timing>
-</p:sld>
-</file>
-
-<file path=ppt/slides/slide5.xml><?xml version="1.0" encoding="utf-8"?>
-<p:sld xmlns:a="http://schemas.openxmlformats.org/drawingml/2006/main" xmlns:r="http://schemas.openxmlformats.org/officeDocument/2006/relationships" xmlns:p="http://schemas.openxmlformats.org/presentationml/2006/main">
-  <p:cSld>
-    <p:spTree>
-      <p:nvGrpSpPr>
-        <p:cNvPr id="1" name=""/>
-        <p:cNvGrpSpPr/>
-        <p:nvPr/>
-      </p:nvGrpSpPr>
-      <p:grpSpPr>
-        <a:xfrm>
-          <a:off x="0" y="0"/>
-          <a:ext cx="0" cy="0"/>
-          <a:chOff x="0" y="0"/>
-          <a:chExt cx="0" cy="0"/>
-        </a:xfrm>
-      </p:grpSpPr>
-      <p:sp>
-        <p:nvSpPr>
-          <p:cNvPr id="2" name="Title 1"/>
-          <p:cNvSpPr>
-            <a:spLocks noGrp="1"/>
-          </p:cNvSpPr>
-          <p:nvPr>
-            <p:ph type="title"/>
-          </p:nvPr>
-        </p:nvSpPr>
-        <p:spPr/>
-        <p:txBody>
-          <a:bodyPr/>
-          <a:lstStyle/>
-          <a:p>
-            <a:r>
-              <a:rPr lang="en-GB" dirty="0" smtClean="0"/>
-              <a:t>Today’s setup</a:t>
-            </a:r>
-            <a:endParaRPr lang="en-GB" dirty="0"/>
-          </a:p>
-        </p:txBody>
-      </p:sp>
-      <p:sp>
-        <p:nvSpPr>
-          <p:cNvPr id="4" name="Slide Number Placeholder 3"/>
-          <p:cNvSpPr>
-            <a:spLocks noGrp="1"/>
-          </p:cNvSpPr>
-          <p:nvPr>
-            <p:ph type="sldNum" sz="quarter" idx="12"/>
-          </p:nvPr>
-        </p:nvSpPr>
-        <p:spPr/>
-        <p:txBody>
-          <a:bodyPr/>
-          <a:lstStyle/>
-          <a:p>
-            <a:fld id="{F5EDBB1B-CD81-4FDC-8E73-40622F4AEBD8}" type="slidenum">
-              <a:rPr lang="en-GB" smtClean="0"/>
-              <a:t>5</a:t>
             </a:fld>
             <a:endParaRPr lang="en-GB"/>
           </a:p>
@@ -16981,7 +15211,7 @@
 </p:sld>
 </file>
 
-<file path=ppt/slides/slide6.xml><?xml version="1.0" encoding="utf-8"?>
+<file path=ppt/slides/slide5.xml><?xml version="1.0" encoding="utf-8"?>
 <p:sld xmlns:a="http://schemas.openxmlformats.org/drawingml/2006/main" xmlns:r="http://schemas.openxmlformats.org/officeDocument/2006/relationships" xmlns:p="http://schemas.openxmlformats.org/presentationml/2006/main">
   <p:cSld>
     <p:spTree>
@@ -17038,7 +15268,7 @@
           <a:p>
             <a:fld id="{F5EDBB1B-CD81-4FDC-8E73-40622F4AEBD8}" type="slidenum">
               <a:rPr lang="en-GB" smtClean="0"/>
-              <a:t>6</a:t>
+              <a:t>5</a:t>
             </a:fld>
             <a:endParaRPr lang="en-GB" dirty="0"/>
           </a:p>
@@ -17148,7 +15378,7 @@
 </p:sld>
 </file>
 
-<file path=ppt/slides/slide7.xml><?xml version="1.0" encoding="utf-8"?>
+<file path=ppt/slides/slide6.xml><?xml version="1.0" encoding="utf-8"?>
 <p:sld xmlns:a="http://schemas.openxmlformats.org/drawingml/2006/main" xmlns:r="http://schemas.openxmlformats.org/officeDocument/2006/relationships" xmlns:p="http://schemas.openxmlformats.org/presentationml/2006/main">
   <p:cSld>
     <p:spTree>
@@ -17205,7 +15435,7 @@
           <a:p>
             <a:fld id="{F5EDBB1B-CD81-4FDC-8E73-40622F4AEBD8}" type="slidenum">
               <a:rPr lang="en-GB" smtClean="0"/>
-              <a:t>7</a:t>
+              <a:t>6</a:t>
             </a:fld>
             <a:endParaRPr lang="en-GB" dirty="0"/>
           </a:p>
@@ -17244,8 +15474,8 @@
               <a:buNone/>
             </a:pPr>
             <a:r>
-              <a:rPr lang="en-GB" dirty="0" smtClean="0"/>
-              <a:t>But which is which?</a:t>
+              <a:rPr lang="en-GB" dirty="0"/>
+              <a:t>Sepals are the longer ones.</a:t>
             </a:r>
             <a:endParaRPr lang="en-GB" dirty="0"/>
           </a:p>
@@ -17348,6 +15578,420 @@
 </p:sld>
 </file>
 
+<file path=ppt/slides/slide7.xml><?xml version="1.0" encoding="utf-8"?>
+<p:sld xmlns:a="http://schemas.openxmlformats.org/drawingml/2006/main" xmlns:r="http://schemas.openxmlformats.org/officeDocument/2006/relationships" xmlns:p="http://schemas.openxmlformats.org/presentationml/2006/main">
+  <p:cSld>
+    <p:spTree>
+      <p:nvGrpSpPr>
+        <p:cNvPr id="1" name=""/>
+        <p:cNvGrpSpPr/>
+        <p:nvPr/>
+      </p:nvGrpSpPr>
+      <p:grpSpPr>
+        <a:xfrm>
+          <a:off x="0" y="0"/>
+          <a:ext cx="0" cy="0"/>
+          <a:chOff x="0" y="0"/>
+          <a:chExt cx="0" cy="0"/>
+        </a:xfrm>
+      </p:grpSpPr>
+      <p:sp>
+        <p:nvSpPr>
+          <p:cNvPr id="2" name="Title 1"/>
+          <p:cNvSpPr>
+            <a:spLocks noGrp="1"/>
+          </p:cNvSpPr>
+          <p:nvPr>
+            <p:ph type="title"/>
+          </p:nvPr>
+        </p:nvSpPr>
+        <p:spPr/>
+        <p:txBody>
+          <a:bodyPr/>
+          <a:lstStyle/>
+          <a:p>
+            <a:r>
+              <a:rPr lang="en-GB" dirty="0" smtClean="0"/>
+              <a:t>data wrangling</a:t>
+            </a:r>
+            <a:endParaRPr lang="en-GB" dirty="0"/>
+          </a:p>
+        </p:txBody>
+      </p:sp>
+      <p:sp>
+        <p:nvSpPr>
+          <p:cNvPr id="4" name="Slide Number Placeholder 3"/>
+          <p:cNvSpPr>
+            <a:spLocks noGrp="1"/>
+          </p:cNvSpPr>
+          <p:nvPr>
+            <p:ph type="sldNum" sz="quarter" idx="12"/>
+          </p:nvPr>
+        </p:nvSpPr>
+        <p:spPr/>
+        <p:txBody>
+          <a:bodyPr/>
+          <a:lstStyle/>
+          <a:p>
+            <a:fld id="{F5EDBB1B-CD81-4FDC-8E73-40622F4AEBD8}" type="slidenum">
+              <a:rPr lang="en-GB" smtClean="0"/>
+              <a:t>7</a:t>
+            </a:fld>
+            <a:endParaRPr lang="en-GB" dirty="0"/>
+          </a:p>
+        </p:txBody>
+      </p:sp>
+      <p:sp>
+        <p:nvSpPr>
+          <p:cNvPr id="3" name="Content Placeholder 2"/>
+          <p:cNvSpPr>
+            <a:spLocks noGrp="1"/>
+          </p:cNvSpPr>
+          <p:nvPr>
+            <p:ph idx="1"/>
+          </p:nvPr>
+        </p:nvSpPr>
+        <p:spPr>
+          <a:xfrm>
+            <a:off x="842682" y="2455101"/>
+            <a:ext cx="10479742" cy="4020855"/>
+          </a:xfrm>
+        </p:spPr>
+        <p:txBody>
+          <a:bodyPr>
+            <a:normAutofit fontScale="92500" lnSpcReduction="10000"/>
+          </a:bodyPr>
+          <a:lstStyle/>
+          <a:p>
+            <a:pPr marL="0" indent="0">
+              <a:buNone/>
+            </a:pPr>
+            <a:r>
+              <a:rPr lang="en-GB" sz="2400" dirty="0">
+                <a:latin typeface="Lucida Console" panose="020B0609040504020204" pitchFamily="49" charset="0"/>
+                <a:cs typeface="Courier New" panose="02070309020205020404" pitchFamily="49" charset="0"/>
+              </a:rPr>
+              <a:t>table &lt;- iris %&gt;% </a:t>
+            </a:r>
+          </a:p>
+          <a:p>
+            <a:pPr marL="0" indent="0">
+              <a:buNone/>
+            </a:pPr>
+            <a:r>
+              <a:rPr lang="en-GB" sz="2400" dirty="0">
+                <a:latin typeface="Lucida Console" panose="020B0609040504020204" pitchFamily="49" charset="0"/>
+                <a:cs typeface="Courier New" panose="02070309020205020404" pitchFamily="49" charset="0"/>
+              </a:rPr>
+              <a:t>  </a:t>
+            </a:r>
+            <a:r>
+              <a:rPr lang="en-GB" sz="2400" dirty="0" err="1">
+                <a:latin typeface="Lucida Console" panose="020B0609040504020204" pitchFamily="49" charset="0"/>
+                <a:cs typeface="Courier New" panose="02070309020205020404" pitchFamily="49" charset="0"/>
+              </a:rPr>
+              <a:t>group_by</a:t>
+            </a:r>
+            <a:r>
+              <a:rPr lang="en-GB" sz="2400" dirty="0">
+                <a:latin typeface="Lucida Console" panose="020B0609040504020204" pitchFamily="49" charset="0"/>
+                <a:cs typeface="Courier New" panose="02070309020205020404" pitchFamily="49" charset="0"/>
+              </a:rPr>
+              <a:t>(Species) %&gt;% </a:t>
+            </a:r>
+          </a:p>
+          <a:p>
+            <a:pPr marL="0" indent="0">
+              <a:buNone/>
+            </a:pPr>
+            <a:r>
+              <a:rPr lang="en-GB" sz="2400" dirty="0">
+                <a:latin typeface="Lucida Console" panose="020B0609040504020204" pitchFamily="49" charset="0"/>
+                <a:cs typeface="Courier New" panose="02070309020205020404" pitchFamily="49" charset="0"/>
+              </a:rPr>
+              <a:t>  summarise(Sample = n(),</a:t>
+            </a:r>
+          </a:p>
+          <a:p>
+            <a:pPr marL="0" indent="0">
+              <a:buNone/>
+            </a:pPr>
+            <a:r>
+              <a:rPr lang="en-GB" sz="2400" dirty="0">
+                <a:latin typeface="Lucida Console" panose="020B0609040504020204" pitchFamily="49" charset="0"/>
+                <a:cs typeface="Courier New" panose="02070309020205020404" pitchFamily="49" charset="0"/>
+              </a:rPr>
+              <a:t>            </a:t>
+            </a:r>
+            <a:r>
+              <a:rPr lang="en-GB" sz="2400" dirty="0" err="1">
+                <a:latin typeface="Lucida Console" panose="020B0609040504020204" pitchFamily="49" charset="0"/>
+                <a:cs typeface="Courier New" panose="02070309020205020404" pitchFamily="49" charset="0"/>
+              </a:rPr>
+              <a:t>Petal_length_mean</a:t>
+            </a:r>
+            <a:r>
+              <a:rPr lang="en-GB" sz="2400" dirty="0">
+                <a:latin typeface="Lucida Console" panose="020B0609040504020204" pitchFamily="49" charset="0"/>
+                <a:cs typeface="Courier New" panose="02070309020205020404" pitchFamily="49" charset="0"/>
+              </a:rPr>
+              <a:t> = mean(</a:t>
+            </a:r>
+            <a:r>
+              <a:rPr lang="en-GB" sz="2400" dirty="0" err="1">
+                <a:latin typeface="Lucida Console" panose="020B0609040504020204" pitchFamily="49" charset="0"/>
+                <a:cs typeface="Courier New" panose="02070309020205020404" pitchFamily="49" charset="0"/>
+              </a:rPr>
+              <a:t>Petal.Length</a:t>
+            </a:r>
+            <a:r>
+              <a:rPr lang="en-GB" sz="2400" dirty="0">
+                <a:latin typeface="Lucida Console" panose="020B0609040504020204" pitchFamily="49" charset="0"/>
+                <a:cs typeface="Courier New" panose="02070309020205020404" pitchFamily="49" charset="0"/>
+              </a:rPr>
+              <a:t>),</a:t>
+            </a:r>
+          </a:p>
+          <a:p>
+            <a:pPr marL="0" indent="0">
+              <a:buNone/>
+            </a:pPr>
+            <a:r>
+              <a:rPr lang="en-GB" sz="2400" dirty="0">
+                <a:latin typeface="Lucida Console" panose="020B0609040504020204" pitchFamily="49" charset="0"/>
+                <a:cs typeface="Courier New" panose="02070309020205020404" pitchFamily="49" charset="0"/>
+              </a:rPr>
+              <a:t>            </a:t>
+            </a:r>
+            <a:r>
+              <a:rPr lang="en-GB" sz="2400" dirty="0" err="1">
+                <a:latin typeface="Lucida Console" panose="020B0609040504020204" pitchFamily="49" charset="0"/>
+                <a:cs typeface="Courier New" panose="02070309020205020404" pitchFamily="49" charset="0"/>
+              </a:rPr>
+              <a:t>Sepal_length_mean</a:t>
+            </a:r>
+            <a:r>
+              <a:rPr lang="en-GB" sz="2400" dirty="0">
+                <a:latin typeface="Lucida Console" panose="020B0609040504020204" pitchFamily="49" charset="0"/>
+                <a:cs typeface="Courier New" panose="02070309020205020404" pitchFamily="49" charset="0"/>
+              </a:rPr>
+              <a:t> = mean(</a:t>
+            </a:r>
+            <a:r>
+              <a:rPr lang="en-GB" sz="2400" dirty="0" err="1">
+                <a:latin typeface="Lucida Console" panose="020B0609040504020204" pitchFamily="49" charset="0"/>
+                <a:cs typeface="Courier New" panose="02070309020205020404" pitchFamily="49" charset="0"/>
+              </a:rPr>
+              <a:t>Sepal.Length</a:t>
+            </a:r>
+            <a:r>
+              <a:rPr lang="en-GB" sz="2400" dirty="0">
+                <a:latin typeface="Lucida Console" panose="020B0609040504020204" pitchFamily="49" charset="0"/>
+                <a:cs typeface="Courier New" panose="02070309020205020404" pitchFamily="49" charset="0"/>
+              </a:rPr>
+              <a:t>)) %&gt;% </a:t>
+            </a:r>
+          </a:p>
+          <a:p>
+            <a:pPr marL="0" indent="0">
+              <a:buNone/>
+            </a:pPr>
+            <a:r>
+              <a:rPr lang="en-GB" sz="2400" dirty="0">
+                <a:latin typeface="Lucida Console" panose="020B0609040504020204" pitchFamily="49" charset="0"/>
+                <a:cs typeface="Courier New" panose="02070309020205020404" pitchFamily="49" charset="0"/>
+              </a:rPr>
+              <a:t>  mutate(</a:t>
+            </a:r>
+            <a:r>
+              <a:rPr lang="en-GB" sz="2400" dirty="0" err="1">
+                <a:latin typeface="Lucida Console" panose="020B0609040504020204" pitchFamily="49" charset="0"/>
+                <a:cs typeface="Courier New" panose="02070309020205020404" pitchFamily="49" charset="0"/>
+              </a:rPr>
+              <a:t>Ratio_S_P</a:t>
+            </a:r>
+            <a:r>
+              <a:rPr lang="en-GB" sz="2400" dirty="0">
+                <a:latin typeface="Lucida Console" panose="020B0609040504020204" pitchFamily="49" charset="0"/>
+                <a:cs typeface="Courier New" panose="02070309020205020404" pitchFamily="49" charset="0"/>
+              </a:rPr>
+              <a:t> = </a:t>
+            </a:r>
+            <a:r>
+              <a:rPr lang="en-GB" sz="2400" dirty="0" err="1">
+                <a:latin typeface="Lucida Console" panose="020B0609040504020204" pitchFamily="49" charset="0"/>
+                <a:cs typeface="Courier New" panose="02070309020205020404" pitchFamily="49" charset="0"/>
+              </a:rPr>
+              <a:t>Sepal_length_mean</a:t>
+            </a:r>
+            <a:r>
+              <a:rPr lang="en-GB" sz="2400" dirty="0">
+                <a:latin typeface="Lucida Console" panose="020B0609040504020204" pitchFamily="49" charset="0"/>
+                <a:cs typeface="Courier New" panose="02070309020205020404" pitchFamily="49" charset="0"/>
+              </a:rPr>
+              <a:t>/</a:t>
+            </a:r>
+            <a:r>
+              <a:rPr lang="en-GB" sz="2400" dirty="0" err="1">
+                <a:latin typeface="Lucida Console" panose="020B0609040504020204" pitchFamily="49" charset="0"/>
+                <a:cs typeface="Courier New" panose="02070309020205020404" pitchFamily="49" charset="0"/>
+              </a:rPr>
+              <a:t>Petal_length_mean</a:t>
+            </a:r>
+            <a:r>
+              <a:rPr lang="en-GB" sz="2400" dirty="0">
+                <a:latin typeface="Lucida Console" panose="020B0609040504020204" pitchFamily="49" charset="0"/>
+                <a:cs typeface="Courier New" panose="02070309020205020404" pitchFamily="49" charset="0"/>
+              </a:rPr>
+              <a:t>,</a:t>
+            </a:r>
+          </a:p>
+          <a:p>
+            <a:pPr marL="0" indent="0">
+              <a:buNone/>
+            </a:pPr>
+            <a:r>
+              <a:rPr lang="en-GB" sz="2400" dirty="0">
+                <a:latin typeface="Lucida Console" panose="020B0609040504020204" pitchFamily="49" charset="0"/>
+                <a:cs typeface="Courier New" panose="02070309020205020404" pitchFamily="49" charset="0"/>
+              </a:rPr>
+              <a:t>         </a:t>
+            </a:r>
+            <a:r>
+              <a:rPr lang="en-GB" sz="2400" dirty="0" err="1">
+                <a:latin typeface="Lucida Console" panose="020B0609040504020204" pitchFamily="49" charset="0"/>
+                <a:cs typeface="Courier New" panose="02070309020205020404" pitchFamily="49" charset="0"/>
+              </a:rPr>
+              <a:t>Ratio_S_P</a:t>
+            </a:r>
+            <a:r>
+              <a:rPr lang="en-GB" sz="2400" dirty="0">
+                <a:latin typeface="Lucida Console" panose="020B0609040504020204" pitchFamily="49" charset="0"/>
+                <a:cs typeface="Courier New" panose="02070309020205020404" pitchFamily="49" charset="0"/>
+              </a:rPr>
+              <a:t> = round(</a:t>
+            </a:r>
+            <a:r>
+              <a:rPr lang="en-GB" sz="2400" dirty="0" err="1">
+                <a:latin typeface="Lucida Console" panose="020B0609040504020204" pitchFamily="49" charset="0"/>
+                <a:cs typeface="Courier New" panose="02070309020205020404" pitchFamily="49" charset="0"/>
+              </a:rPr>
+              <a:t>Ratio_S_P</a:t>
+            </a:r>
+            <a:r>
+              <a:rPr lang="en-GB" sz="2400" dirty="0">
+                <a:latin typeface="Lucida Console" panose="020B0609040504020204" pitchFamily="49" charset="0"/>
+                <a:cs typeface="Courier New" panose="02070309020205020404" pitchFamily="49" charset="0"/>
+              </a:rPr>
+              <a:t>, 2),</a:t>
+            </a:r>
+          </a:p>
+          <a:p>
+            <a:pPr marL="0" indent="0">
+              <a:buNone/>
+            </a:pPr>
+            <a:r>
+              <a:rPr lang="en-GB" sz="2400" dirty="0">
+                <a:latin typeface="Lucida Console" panose="020B0609040504020204" pitchFamily="49" charset="0"/>
+                <a:cs typeface="Courier New" panose="02070309020205020404" pitchFamily="49" charset="0"/>
+              </a:rPr>
+              <a:t>         </a:t>
+            </a:r>
+            <a:r>
+              <a:rPr lang="en-GB" sz="2400" dirty="0" err="1">
+                <a:latin typeface="Lucida Console" panose="020B0609040504020204" pitchFamily="49" charset="0"/>
+                <a:cs typeface="Courier New" panose="02070309020205020404" pitchFamily="49" charset="0"/>
+              </a:rPr>
+              <a:t>Petal_length_mean</a:t>
+            </a:r>
+            <a:r>
+              <a:rPr lang="en-GB" sz="2400" dirty="0">
+                <a:latin typeface="Lucida Console" panose="020B0609040504020204" pitchFamily="49" charset="0"/>
+                <a:cs typeface="Courier New" panose="02070309020205020404" pitchFamily="49" charset="0"/>
+              </a:rPr>
+              <a:t> = round(</a:t>
+            </a:r>
+            <a:r>
+              <a:rPr lang="en-GB" sz="2400" dirty="0" err="1">
+                <a:latin typeface="Lucida Console" panose="020B0609040504020204" pitchFamily="49" charset="0"/>
+                <a:cs typeface="Courier New" panose="02070309020205020404" pitchFamily="49" charset="0"/>
+              </a:rPr>
+              <a:t>Petal_length_mean</a:t>
+            </a:r>
+            <a:r>
+              <a:rPr lang="en-GB" sz="2400" dirty="0">
+                <a:latin typeface="Lucida Console" panose="020B0609040504020204" pitchFamily="49" charset="0"/>
+                <a:cs typeface="Courier New" panose="02070309020205020404" pitchFamily="49" charset="0"/>
+              </a:rPr>
+              <a:t>, 1),</a:t>
+            </a:r>
+          </a:p>
+          <a:p>
+            <a:pPr marL="0" indent="0">
+              <a:buNone/>
+            </a:pPr>
+            <a:r>
+              <a:rPr lang="en-GB" sz="2400" dirty="0">
+                <a:latin typeface="Lucida Console" panose="020B0609040504020204" pitchFamily="49" charset="0"/>
+                <a:cs typeface="Courier New" panose="02070309020205020404" pitchFamily="49" charset="0"/>
+              </a:rPr>
+              <a:t>         </a:t>
+            </a:r>
+            <a:r>
+              <a:rPr lang="en-GB" sz="2400" dirty="0" err="1">
+                <a:latin typeface="Lucida Console" panose="020B0609040504020204" pitchFamily="49" charset="0"/>
+                <a:cs typeface="Courier New" panose="02070309020205020404" pitchFamily="49" charset="0"/>
+              </a:rPr>
+              <a:t>Sepal_length_mean</a:t>
+            </a:r>
+            <a:r>
+              <a:rPr lang="en-GB" sz="2400" dirty="0">
+                <a:latin typeface="Lucida Console" panose="020B0609040504020204" pitchFamily="49" charset="0"/>
+                <a:cs typeface="Courier New" panose="02070309020205020404" pitchFamily="49" charset="0"/>
+              </a:rPr>
+              <a:t> = round(</a:t>
+            </a:r>
+            <a:r>
+              <a:rPr lang="en-GB" sz="2400" dirty="0" err="1">
+                <a:latin typeface="Lucida Console" panose="020B0609040504020204" pitchFamily="49" charset="0"/>
+                <a:cs typeface="Courier New" panose="02070309020205020404" pitchFamily="49" charset="0"/>
+              </a:rPr>
+              <a:t>Sepal_length_mean</a:t>
+            </a:r>
+            <a:r>
+              <a:rPr lang="en-GB" sz="2400" dirty="0">
+                <a:latin typeface="Lucida Console" panose="020B0609040504020204" pitchFamily="49" charset="0"/>
+                <a:cs typeface="Courier New" panose="02070309020205020404" pitchFamily="49" charset="0"/>
+              </a:rPr>
+              <a:t>, 1) ) </a:t>
+            </a:r>
+            <a:endParaRPr lang="en-GB" sz="2400" dirty="0" smtClean="0">
+              <a:latin typeface="Lucida Console" panose="020B0609040504020204" pitchFamily="49" charset="0"/>
+              <a:cs typeface="Courier New" panose="02070309020205020404" pitchFamily="49" charset="0"/>
+            </a:endParaRPr>
+          </a:p>
+        </p:txBody>
+      </p:sp>
+    </p:spTree>
+    <p:extLst>
+      <p:ext uri="{BB962C8B-B14F-4D97-AF65-F5344CB8AC3E}">
+        <p14:creationId xmlns:p14="http://schemas.microsoft.com/office/powerpoint/2010/main" val="2869536051"/>
+      </p:ext>
+    </p:extLst>
+  </p:cSld>
+  <p:clrMapOvr>
+    <a:masterClrMapping/>
+  </p:clrMapOvr>
+  <p:timing>
+    <p:tnLst>
+      <p:par>
+        <p:cTn id="1" dur="indefinite" restart="never" nodeType="tmRoot"/>
+      </p:par>
+    </p:tnLst>
+  </p:timing>
+</p:sld>
+</file>
+
 <file path=ppt/slides/slide8.xml><?xml version="1.0" encoding="utf-8"?>
 <p:sld xmlns:a="http://schemas.openxmlformats.org/drawingml/2006/main" xmlns:r="http://schemas.openxmlformats.org/officeDocument/2006/relationships" xmlns:p="http://schemas.openxmlformats.org/presentationml/2006/main">
   <p:cSld>
@@ -17382,7 +16026,7 @@
           <a:p>
             <a:r>
               <a:rPr lang="en-GB" dirty="0" smtClean="0"/>
-              <a:t>data wrangling</a:t>
+              <a:t>R output</a:t>
             </a:r>
             <a:endParaRPr lang="en-GB" dirty="0"/>
           </a:p>
@@ -17411,341 +16055,33 @@
           </a:p>
         </p:txBody>
       </p:sp>
-      <p:sp>
-        <p:nvSpPr>
-          <p:cNvPr id="3" name="Content Placeholder 2"/>
-          <p:cNvSpPr>
-            <a:spLocks noGrp="1"/>
-          </p:cNvSpPr>
-          <p:nvPr>
-            <p:ph idx="1"/>
-          </p:nvPr>
-        </p:nvSpPr>
+      <p:pic>
+        <p:nvPicPr>
+          <p:cNvPr id="7" name="Picture 6" descr="summary table of 3 iris species, sample sizes, mean sepal and petal lengths and widths, and ratio of sepal to petal length" title="R output"/>
+          <p:cNvPicPr>
+            <a:picLocks noChangeAspect="1"/>
+          </p:cNvPicPr>
+          <p:nvPr/>
+        </p:nvPicPr>
+        <p:blipFill rotWithShape="1">
+          <a:blip r:embed="rId3"/>
+          <a:srcRect l="2176" t="5111" b="3228"/>
+          <a:stretch/>
+        </p:blipFill>
         <p:spPr>
           <a:xfrm>
-            <a:off x="842682" y="2455101"/>
-            <a:ext cx="10479742" cy="4020855"/>
+            <a:off x="842682" y="2630466"/>
+            <a:ext cx="10474665" cy="2104372"/>
           </a:xfrm>
+          <a:prstGeom prst="rect">
+            <a:avLst/>
+          </a:prstGeom>
         </p:spPr>
-        <p:txBody>
-          <a:bodyPr>
-            <a:normAutofit fontScale="92500" lnSpcReduction="10000"/>
-          </a:bodyPr>
-          <a:lstStyle/>
-          <a:p>
-            <a:pPr marL="0" indent="0">
-              <a:buNone/>
-            </a:pPr>
-            <a:r>
-              <a:rPr lang="en-GB" sz="2400" dirty="0">
-                <a:latin typeface="Lucida Console" panose="020B0609040504020204" pitchFamily="49" charset="0"/>
-                <a:cs typeface="Courier New" panose="02070309020205020404" pitchFamily="49" charset="0"/>
-              </a:rPr>
-              <a:t>table &lt;- iris %&gt;% </a:t>
-            </a:r>
-          </a:p>
-          <a:p>
-            <a:pPr marL="0" indent="0">
-              <a:buNone/>
-            </a:pPr>
-            <a:r>
-              <a:rPr lang="en-GB" sz="2400" dirty="0">
-                <a:latin typeface="Lucida Console" panose="020B0609040504020204" pitchFamily="49" charset="0"/>
-                <a:cs typeface="Courier New" panose="02070309020205020404" pitchFamily="49" charset="0"/>
-              </a:rPr>
-              <a:t>  </a:t>
-            </a:r>
-            <a:r>
-              <a:rPr lang="en-GB" sz="2400" dirty="0" err="1">
-                <a:latin typeface="Lucida Console" panose="020B0609040504020204" pitchFamily="49" charset="0"/>
-                <a:cs typeface="Courier New" panose="02070309020205020404" pitchFamily="49" charset="0"/>
-              </a:rPr>
-              <a:t>group_by</a:t>
-            </a:r>
-            <a:r>
-              <a:rPr lang="en-GB" sz="2400" dirty="0">
-                <a:latin typeface="Lucida Console" panose="020B0609040504020204" pitchFamily="49" charset="0"/>
-                <a:cs typeface="Courier New" panose="02070309020205020404" pitchFamily="49" charset="0"/>
-              </a:rPr>
-              <a:t>(Species) %&gt;% </a:t>
-            </a:r>
-          </a:p>
-          <a:p>
-            <a:pPr marL="0" indent="0">
-              <a:buNone/>
-            </a:pPr>
-            <a:r>
-              <a:rPr lang="en-GB" sz="2400" dirty="0">
-                <a:latin typeface="Lucida Console" panose="020B0609040504020204" pitchFamily="49" charset="0"/>
-                <a:cs typeface="Courier New" panose="02070309020205020404" pitchFamily="49" charset="0"/>
-              </a:rPr>
-              <a:t>  summarise(Sample = n(),</a:t>
-            </a:r>
-          </a:p>
-          <a:p>
-            <a:pPr marL="0" indent="0">
-              <a:buNone/>
-            </a:pPr>
-            <a:r>
-              <a:rPr lang="en-GB" sz="2400" dirty="0">
-                <a:latin typeface="Lucida Console" panose="020B0609040504020204" pitchFamily="49" charset="0"/>
-                <a:cs typeface="Courier New" panose="02070309020205020404" pitchFamily="49" charset="0"/>
-              </a:rPr>
-              <a:t>            </a:t>
-            </a:r>
-            <a:r>
-              <a:rPr lang="en-GB" sz="2400" dirty="0" err="1">
-                <a:latin typeface="Lucida Console" panose="020B0609040504020204" pitchFamily="49" charset="0"/>
-                <a:cs typeface="Courier New" panose="02070309020205020404" pitchFamily="49" charset="0"/>
-              </a:rPr>
-              <a:t>Petal_length_mean</a:t>
-            </a:r>
-            <a:r>
-              <a:rPr lang="en-GB" sz="2400" dirty="0">
-                <a:latin typeface="Lucida Console" panose="020B0609040504020204" pitchFamily="49" charset="0"/>
-                <a:cs typeface="Courier New" panose="02070309020205020404" pitchFamily="49" charset="0"/>
-              </a:rPr>
-              <a:t> = mean(</a:t>
-            </a:r>
-            <a:r>
-              <a:rPr lang="en-GB" sz="2400" dirty="0" err="1">
-                <a:latin typeface="Lucida Console" panose="020B0609040504020204" pitchFamily="49" charset="0"/>
-                <a:cs typeface="Courier New" panose="02070309020205020404" pitchFamily="49" charset="0"/>
-              </a:rPr>
-              <a:t>Petal.Length</a:t>
-            </a:r>
-            <a:r>
-              <a:rPr lang="en-GB" sz="2400" dirty="0">
-                <a:latin typeface="Lucida Console" panose="020B0609040504020204" pitchFamily="49" charset="0"/>
-                <a:cs typeface="Courier New" panose="02070309020205020404" pitchFamily="49" charset="0"/>
-              </a:rPr>
-              <a:t>),</a:t>
-            </a:r>
-          </a:p>
-          <a:p>
-            <a:pPr marL="0" indent="0">
-              <a:buNone/>
-            </a:pPr>
-            <a:r>
-              <a:rPr lang="en-GB" sz="2400" dirty="0">
-                <a:latin typeface="Lucida Console" panose="020B0609040504020204" pitchFamily="49" charset="0"/>
-                <a:cs typeface="Courier New" panose="02070309020205020404" pitchFamily="49" charset="0"/>
-              </a:rPr>
-              <a:t>            </a:t>
-            </a:r>
-            <a:r>
-              <a:rPr lang="en-GB" sz="2400" dirty="0" err="1">
-                <a:latin typeface="Lucida Console" panose="020B0609040504020204" pitchFamily="49" charset="0"/>
-                <a:cs typeface="Courier New" panose="02070309020205020404" pitchFamily="49" charset="0"/>
-              </a:rPr>
-              <a:t>Sepal_length_mean</a:t>
-            </a:r>
-            <a:r>
-              <a:rPr lang="en-GB" sz="2400" dirty="0">
-                <a:latin typeface="Lucida Console" panose="020B0609040504020204" pitchFamily="49" charset="0"/>
-                <a:cs typeface="Courier New" panose="02070309020205020404" pitchFamily="49" charset="0"/>
-              </a:rPr>
-              <a:t> = mean(</a:t>
-            </a:r>
-            <a:r>
-              <a:rPr lang="en-GB" sz="2400" dirty="0" err="1">
-                <a:latin typeface="Lucida Console" panose="020B0609040504020204" pitchFamily="49" charset="0"/>
-                <a:cs typeface="Courier New" panose="02070309020205020404" pitchFamily="49" charset="0"/>
-              </a:rPr>
-              <a:t>Sepal.Length</a:t>
-            </a:r>
-            <a:r>
-              <a:rPr lang="en-GB" sz="2400" dirty="0">
-                <a:latin typeface="Lucida Console" panose="020B0609040504020204" pitchFamily="49" charset="0"/>
-                <a:cs typeface="Courier New" panose="02070309020205020404" pitchFamily="49" charset="0"/>
-              </a:rPr>
-              <a:t>)) %&gt;% </a:t>
-            </a:r>
-          </a:p>
-          <a:p>
-            <a:pPr marL="0" indent="0">
-              <a:buNone/>
-            </a:pPr>
-            <a:r>
-              <a:rPr lang="en-GB" sz="2400" dirty="0">
-                <a:latin typeface="Lucida Console" panose="020B0609040504020204" pitchFamily="49" charset="0"/>
-                <a:cs typeface="Courier New" panose="02070309020205020404" pitchFamily="49" charset="0"/>
-              </a:rPr>
-              <a:t>  mutate(</a:t>
-            </a:r>
-            <a:r>
-              <a:rPr lang="en-GB" sz="2400" dirty="0" err="1">
-                <a:latin typeface="Lucida Console" panose="020B0609040504020204" pitchFamily="49" charset="0"/>
-                <a:cs typeface="Courier New" panose="02070309020205020404" pitchFamily="49" charset="0"/>
-              </a:rPr>
-              <a:t>Ratio_S_P</a:t>
-            </a:r>
-            <a:r>
-              <a:rPr lang="en-GB" sz="2400" dirty="0">
-                <a:latin typeface="Lucida Console" panose="020B0609040504020204" pitchFamily="49" charset="0"/>
-                <a:cs typeface="Courier New" panose="02070309020205020404" pitchFamily="49" charset="0"/>
-              </a:rPr>
-              <a:t> = </a:t>
-            </a:r>
-            <a:r>
-              <a:rPr lang="en-GB" sz="2400" dirty="0" err="1">
-                <a:latin typeface="Lucida Console" panose="020B0609040504020204" pitchFamily="49" charset="0"/>
-                <a:cs typeface="Courier New" panose="02070309020205020404" pitchFamily="49" charset="0"/>
-              </a:rPr>
-              <a:t>Sepal_length_mean</a:t>
-            </a:r>
-            <a:r>
-              <a:rPr lang="en-GB" sz="2400" dirty="0">
-                <a:latin typeface="Lucida Console" panose="020B0609040504020204" pitchFamily="49" charset="0"/>
-                <a:cs typeface="Courier New" panose="02070309020205020404" pitchFamily="49" charset="0"/>
-              </a:rPr>
-              <a:t>/</a:t>
-            </a:r>
-            <a:r>
-              <a:rPr lang="en-GB" sz="2400" dirty="0" err="1">
-                <a:latin typeface="Lucida Console" panose="020B0609040504020204" pitchFamily="49" charset="0"/>
-                <a:cs typeface="Courier New" panose="02070309020205020404" pitchFamily="49" charset="0"/>
-              </a:rPr>
-              <a:t>Petal_length_mean</a:t>
-            </a:r>
-            <a:r>
-              <a:rPr lang="en-GB" sz="2400" dirty="0">
-                <a:latin typeface="Lucida Console" panose="020B0609040504020204" pitchFamily="49" charset="0"/>
-                <a:cs typeface="Courier New" panose="02070309020205020404" pitchFamily="49" charset="0"/>
-              </a:rPr>
-              <a:t>,</a:t>
-            </a:r>
-          </a:p>
-          <a:p>
-            <a:pPr marL="0" indent="0">
-              <a:buNone/>
-            </a:pPr>
-            <a:r>
-              <a:rPr lang="en-GB" sz="2400" dirty="0">
-                <a:latin typeface="Lucida Console" panose="020B0609040504020204" pitchFamily="49" charset="0"/>
-                <a:cs typeface="Courier New" panose="02070309020205020404" pitchFamily="49" charset="0"/>
-              </a:rPr>
-              <a:t>         </a:t>
-            </a:r>
-            <a:r>
-              <a:rPr lang="en-GB" sz="2400" dirty="0" err="1">
-                <a:latin typeface="Lucida Console" panose="020B0609040504020204" pitchFamily="49" charset="0"/>
-                <a:cs typeface="Courier New" panose="02070309020205020404" pitchFamily="49" charset="0"/>
-              </a:rPr>
-              <a:t>Ratio_S_P</a:t>
-            </a:r>
-            <a:r>
-              <a:rPr lang="en-GB" sz="2400" dirty="0">
-                <a:latin typeface="Lucida Console" panose="020B0609040504020204" pitchFamily="49" charset="0"/>
-                <a:cs typeface="Courier New" panose="02070309020205020404" pitchFamily="49" charset="0"/>
-              </a:rPr>
-              <a:t> = round(</a:t>
-            </a:r>
-            <a:r>
-              <a:rPr lang="en-GB" sz="2400" dirty="0" err="1">
-                <a:latin typeface="Lucida Console" panose="020B0609040504020204" pitchFamily="49" charset="0"/>
-                <a:cs typeface="Courier New" panose="02070309020205020404" pitchFamily="49" charset="0"/>
-              </a:rPr>
-              <a:t>Ratio_S_P</a:t>
-            </a:r>
-            <a:r>
-              <a:rPr lang="en-GB" sz="2400" dirty="0">
-                <a:latin typeface="Lucida Console" panose="020B0609040504020204" pitchFamily="49" charset="0"/>
-                <a:cs typeface="Courier New" panose="02070309020205020404" pitchFamily="49" charset="0"/>
-              </a:rPr>
-              <a:t>, 2),</a:t>
-            </a:r>
-          </a:p>
-          <a:p>
-            <a:pPr marL="0" indent="0">
-              <a:buNone/>
-            </a:pPr>
-            <a:r>
-              <a:rPr lang="en-GB" sz="2400" dirty="0">
-                <a:latin typeface="Lucida Console" panose="020B0609040504020204" pitchFamily="49" charset="0"/>
-                <a:cs typeface="Courier New" panose="02070309020205020404" pitchFamily="49" charset="0"/>
-              </a:rPr>
-              <a:t>         </a:t>
-            </a:r>
-            <a:r>
-              <a:rPr lang="en-GB" sz="2400" dirty="0" err="1">
-                <a:latin typeface="Lucida Console" panose="020B0609040504020204" pitchFamily="49" charset="0"/>
-                <a:cs typeface="Courier New" panose="02070309020205020404" pitchFamily="49" charset="0"/>
-              </a:rPr>
-              <a:t>Petal_length_mean</a:t>
-            </a:r>
-            <a:r>
-              <a:rPr lang="en-GB" sz="2400" dirty="0">
-                <a:latin typeface="Lucida Console" panose="020B0609040504020204" pitchFamily="49" charset="0"/>
-                <a:cs typeface="Courier New" panose="02070309020205020404" pitchFamily="49" charset="0"/>
-              </a:rPr>
-              <a:t> = round(</a:t>
-            </a:r>
-            <a:r>
-              <a:rPr lang="en-GB" sz="2400" dirty="0" err="1">
-                <a:latin typeface="Lucida Console" panose="020B0609040504020204" pitchFamily="49" charset="0"/>
-                <a:cs typeface="Courier New" panose="02070309020205020404" pitchFamily="49" charset="0"/>
-              </a:rPr>
-              <a:t>Petal_length_mean</a:t>
-            </a:r>
-            <a:r>
-              <a:rPr lang="en-GB" sz="2400" dirty="0">
-                <a:latin typeface="Lucida Console" panose="020B0609040504020204" pitchFamily="49" charset="0"/>
-                <a:cs typeface="Courier New" panose="02070309020205020404" pitchFamily="49" charset="0"/>
-              </a:rPr>
-              <a:t>, 1),</a:t>
-            </a:r>
-          </a:p>
-          <a:p>
-            <a:pPr marL="0" indent="0">
-              <a:buNone/>
-            </a:pPr>
-            <a:r>
-              <a:rPr lang="en-GB" sz="2400" dirty="0">
-                <a:latin typeface="Lucida Console" panose="020B0609040504020204" pitchFamily="49" charset="0"/>
-                <a:cs typeface="Courier New" panose="02070309020205020404" pitchFamily="49" charset="0"/>
-              </a:rPr>
-              <a:t>         </a:t>
-            </a:r>
-            <a:r>
-              <a:rPr lang="en-GB" sz="2400" dirty="0" err="1">
-                <a:latin typeface="Lucida Console" panose="020B0609040504020204" pitchFamily="49" charset="0"/>
-                <a:cs typeface="Courier New" panose="02070309020205020404" pitchFamily="49" charset="0"/>
-              </a:rPr>
-              <a:t>Sepal_length_mean</a:t>
-            </a:r>
-            <a:r>
-              <a:rPr lang="en-GB" sz="2400" dirty="0">
-                <a:latin typeface="Lucida Console" panose="020B0609040504020204" pitchFamily="49" charset="0"/>
-                <a:cs typeface="Courier New" panose="02070309020205020404" pitchFamily="49" charset="0"/>
-              </a:rPr>
-              <a:t> = round(</a:t>
-            </a:r>
-            <a:r>
-              <a:rPr lang="en-GB" sz="2400" dirty="0" err="1">
-                <a:latin typeface="Lucida Console" panose="020B0609040504020204" pitchFamily="49" charset="0"/>
-                <a:cs typeface="Courier New" panose="02070309020205020404" pitchFamily="49" charset="0"/>
-              </a:rPr>
-              <a:t>Sepal_length_mean</a:t>
-            </a:r>
-            <a:r>
-              <a:rPr lang="en-GB" sz="2400" dirty="0">
-                <a:latin typeface="Lucida Console" panose="020B0609040504020204" pitchFamily="49" charset="0"/>
-                <a:cs typeface="Courier New" panose="02070309020205020404" pitchFamily="49" charset="0"/>
-              </a:rPr>
-              <a:t>, 1) ) </a:t>
-            </a:r>
-            <a:endParaRPr lang="en-GB" sz="2400" dirty="0" smtClean="0">
-              <a:latin typeface="Lucida Console" panose="020B0609040504020204" pitchFamily="49" charset="0"/>
-              <a:cs typeface="Courier New" panose="02070309020205020404" pitchFamily="49" charset="0"/>
-            </a:endParaRPr>
-          </a:p>
-        </p:txBody>
-      </p:sp>
+      </p:pic>
     </p:spTree>
     <p:extLst>
       <p:ext uri="{BB962C8B-B14F-4D97-AF65-F5344CB8AC3E}">
-        <p14:creationId xmlns:p14="http://schemas.microsoft.com/office/powerpoint/2010/main" val="2869536051"/>
+        <p14:creationId xmlns:p14="http://schemas.microsoft.com/office/powerpoint/2010/main" val="2572381698"/>
       </p:ext>
     </p:extLst>
   </p:cSld>
@@ -17796,7 +16132,15 @@
           <a:p>
             <a:r>
               <a:rPr lang="en-GB" dirty="0" smtClean="0"/>
-              <a:t>R output</a:t>
+              <a:t>create spreadsheet – </a:t>
+            </a:r>
+            <a:r>
+              <a:rPr lang="en-GB" dirty="0" err="1" smtClean="0"/>
+              <a:t>qUick</a:t>
+            </a:r>
+            <a:r>
+              <a:rPr lang="en-GB" dirty="0" smtClean="0"/>
+              <a:t> way</a:t>
             </a:r>
             <a:endParaRPr lang="en-GB" dirty="0"/>
           </a:p>
@@ -17825,23 +16169,135 @@
           </a:p>
         </p:txBody>
       </p:sp>
+      <p:sp>
+        <p:nvSpPr>
+          <p:cNvPr id="3" name="Content Placeholder 2"/>
+          <p:cNvSpPr>
+            <a:spLocks noGrp="1"/>
+          </p:cNvSpPr>
+          <p:nvPr>
+            <p:ph idx="1"/>
+          </p:nvPr>
+        </p:nvSpPr>
+        <p:spPr>
+          <a:xfrm>
+            <a:off x="842682" y="2638044"/>
+            <a:ext cx="10479742" cy="3837912"/>
+          </a:xfrm>
+        </p:spPr>
+        <p:txBody>
+          <a:bodyPr>
+            <a:normAutofit/>
+          </a:bodyPr>
+          <a:lstStyle/>
+          <a:p>
+            <a:pPr marL="0" indent="0">
+              <a:buNone/>
+            </a:pPr>
+            <a:r>
+              <a:rPr lang="en-GB" sz="2000" dirty="0" smtClean="0">
+                <a:latin typeface="Lucida Console" panose="020B0609040504020204" pitchFamily="49" charset="0"/>
+                <a:cs typeface="Courier New" panose="02070309020205020404" pitchFamily="49" charset="0"/>
+              </a:rPr>
+              <a:t>library(</a:t>
+            </a:r>
+            <a:r>
+              <a:rPr lang="en-GB" sz="2000" dirty="0" err="1" smtClean="0">
+                <a:latin typeface="Lucida Console" panose="020B0609040504020204" pitchFamily="49" charset="0"/>
+                <a:cs typeface="Courier New" panose="02070309020205020404" pitchFamily="49" charset="0"/>
+              </a:rPr>
+              <a:t>openxlsx</a:t>
+            </a:r>
+            <a:r>
+              <a:rPr lang="en-GB" sz="2000" dirty="0" smtClean="0">
+                <a:latin typeface="Lucida Console" panose="020B0609040504020204" pitchFamily="49" charset="0"/>
+                <a:cs typeface="Courier New" panose="02070309020205020404" pitchFamily="49" charset="0"/>
+              </a:rPr>
+              <a:t>)</a:t>
+            </a:r>
+          </a:p>
+          <a:p>
+            <a:pPr marL="0" indent="0">
+              <a:buNone/>
+            </a:pPr>
+            <a:endParaRPr lang="en-GB" sz="2000" dirty="0" smtClean="0">
+              <a:latin typeface="Lucida Console" panose="020B0609040504020204" pitchFamily="49" charset="0"/>
+              <a:cs typeface="Courier New" panose="02070309020205020404" pitchFamily="49" charset="0"/>
+            </a:endParaRPr>
+          </a:p>
+          <a:p>
+            <a:pPr marL="0" indent="0">
+              <a:buNone/>
+            </a:pPr>
+            <a:r>
+              <a:rPr lang="en-GB" sz="2000" dirty="0">
+                <a:latin typeface="Lucida Console" panose="020B0609040504020204" pitchFamily="49" charset="0"/>
+                <a:cs typeface="Courier New" panose="02070309020205020404" pitchFamily="49" charset="0"/>
+              </a:rPr>
+              <a:t>write.xlsx(table, "</a:t>
+            </a:r>
+            <a:r>
+              <a:rPr lang="en-GB" sz="2000" dirty="0" smtClean="0">
+                <a:latin typeface="Lucida Console" panose="020B0609040504020204" pitchFamily="49" charset="0"/>
+                <a:cs typeface="Courier New" panose="02070309020205020404" pitchFamily="49" charset="0"/>
+              </a:rPr>
+              <a:t>output/iris_table_quick.xlsx</a:t>
+            </a:r>
+            <a:r>
+              <a:rPr lang="en-GB" sz="2000" dirty="0">
+                <a:latin typeface="Lucida Console" panose="020B0609040504020204" pitchFamily="49" charset="0"/>
+                <a:cs typeface="Courier New" panose="02070309020205020404" pitchFamily="49" charset="0"/>
+              </a:rPr>
+              <a:t>", </a:t>
+            </a:r>
+            <a:r>
+              <a:rPr lang="en-GB" sz="2000" dirty="0" err="1">
+                <a:latin typeface="Lucida Console" panose="020B0609040504020204" pitchFamily="49" charset="0"/>
+                <a:cs typeface="Courier New" panose="02070309020205020404" pitchFamily="49" charset="0"/>
+              </a:rPr>
+              <a:t>asTable</a:t>
+            </a:r>
+            <a:r>
+              <a:rPr lang="en-GB" sz="2000" dirty="0">
+                <a:latin typeface="Lucida Console" panose="020B0609040504020204" pitchFamily="49" charset="0"/>
+                <a:cs typeface="Courier New" panose="02070309020205020404" pitchFamily="49" charset="0"/>
+              </a:rPr>
+              <a:t> = TRUE)</a:t>
+            </a:r>
+            <a:endParaRPr lang="en-GB" sz="2000" dirty="0" smtClean="0">
+              <a:latin typeface="Lucida Console" panose="020B0609040504020204" pitchFamily="49" charset="0"/>
+              <a:cs typeface="Courier New" panose="02070309020205020404" pitchFamily="49" charset="0"/>
+            </a:endParaRPr>
+          </a:p>
+          <a:p>
+            <a:pPr marL="0" indent="0">
+              <a:buNone/>
+            </a:pPr>
+            <a:endParaRPr lang="en-GB" sz="2000" dirty="0">
+              <a:latin typeface="Lucida Console" panose="020B0609040504020204" pitchFamily="49" charset="0"/>
+              <a:cs typeface="Courier New" panose="02070309020205020404" pitchFamily="49" charset="0"/>
+            </a:endParaRPr>
+          </a:p>
+        </p:txBody>
+      </p:sp>
       <p:pic>
         <p:nvPicPr>
-          <p:cNvPr id="7" name="Picture 6" descr="summary table of 3 iris species, sample sizes, mean sepal and petal lengths and widths, and ratio of sepal to petal length" title="R output"/>
+          <p:cNvPr id="6" name="Picture 5" descr="shows summary table" title="screenshot of excel output"/>
           <p:cNvPicPr>
             <a:picLocks noChangeAspect="1"/>
           </p:cNvPicPr>
           <p:nvPr/>
         </p:nvPicPr>
-        <p:blipFill rotWithShape="1">
+        <p:blipFill>
           <a:blip r:embed="rId3"/>
-          <a:srcRect l="2176" t="5111" b="3228"/>
-          <a:stretch/>
+          <a:stretch>
+            <a:fillRect/>
+          </a:stretch>
         </p:blipFill>
         <p:spPr>
           <a:xfrm>
-            <a:off x="842682" y="2630466"/>
-            <a:ext cx="10474665" cy="2104372"/>
+            <a:off x="1277328" y="4058081"/>
+            <a:ext cx="10058768" cy="2374034"/>
           </a:xfrm>
           <a:prstGeom prst="rect">
             <a:avLst/>
@@ -17851,7 +16307,7 @@
     </p:spTree>
     <p:extLst>
       <p:ext uri="{BB962C8B-B14F-4D97-AF65-F5344CB8AC3E}">
-        <p14:creationId xmlns:p14="http://schemas.microsoft.com/office/powerpoint/2010/main" val="2572381698"/>
+        <p14:creationId xmlns:p14="http://schemas.microsoft.com/office/powerpoint/2010/main" val="1720558449"/>
       </p:ext>
     </p:extLst>
   </p:cSld>
